--- a/ISORC2017/figure/ComponentProtocolStack.pptx
+++ b/ISORC2017/figure/ComponentProtocolStack.pptx
@@ -2,7 +2,7 @@
 <file path=ppt/presentation.xml><?xml version="1.0" encoding="utf-8"?>
 <p:presentation xmlns:a="http://schemas.openxmlformats.org/drawingml/2006/main" xmlns:r="http://schemas.openxmlformats.org/officeDocument/2006/relationships" xmlns:p="http://schemas.openxmlformats.org/presentationml/2006/main" saveSubsetFonts="1">
   <p:sldMasterIdLst>
-    <p:sldMasterId id="2147483684" r:id="rId1"/>
+    <p:sldMasterId id="2147483696" r:id="rId1"/>
   </p:sldMasterIdLst>
   <p:notesMasterIdLst>
     <p:notesMasterId r:id="rId3"/>
@@ -10,7 +10,7 @@
   <p:sldIdLst>
     <p:sldId id="260" r:id="rId2"/>
   </p:sldIdLst>
-  <p:sldSz cx="12192000" cy="14417675"/>
+  <p:sldSz cx="12995275" cy="14417675"/>
   <p:notesSz cx="6451600" cy="9321800"/>
   <p:defaultTextStyle>
     <a:defPPr>
@@ -197,7 +197,7 @@
           <a:p>
             <a:fld id="{00D06802-B8EF-4FD8-9511-F1F928CF3A55}" type="datetimeFigureOut">
               <a:rPr kumimoji="1" lang="ja-JP" altLang="en-US" smtClean="0"/>
-              <a:t>2016/12/20</a:t>
+              <a:t>2017/1/24</a:t>
             </a:fld>
             <a:endParaRPr kumimoji="1" lang="ja-JP" altLang="en-US"/>
           </a:p>
@@ -215,8 +215,8 @@
         </p:nvSpPr>
         <p:spPr>
           <a:xfrm>
-            <a:off x="1895475" y="1165225"/>
-            <a:ext cx="2660650" cy="3146425"/>
+            <a:off x="1808163" y="1165225"/>
+            <a:ext cx="2835275" cy="3146425"/>
           </a:xfrm>
           <a:prstGeom prst="rect">
             <a:avLst/>
@@ -526,15 +526,15 @@
         </p:nvSpPr>
         <p:spPr>
           <a:xfrm>
-            <a:off x="914400" y="2359562"/>
-            <a:ext cx="10363200" cy="5019487"/>
+            <a:off x="974646" y="2359560"/>
+            <a:ext cx="11045984" cy="5019487"/>
           </a:xfrm>
         </p:spPr>
         <p:txBody>
           <a:bodyPr anchor="b"/>
           <a:lstStyle>
             <a:lvl1pPr algn="ctr">
-              <a:defRPr sz="8000"/>
+              <a:defRPr sz="8527"/>
             </a:lvl1pPr>
           </a:lstStyle>
           <a:p>
@@ -558,8 +558,8 @@
         </p:nvSpPr>
         <p:spPr>
           <a:xfrm>
-            <a:off x="1524001" y="7572620"/>
-            <a:ext cx="9144000" cy="3480933"/>
+            <a:off x="1624410" y="7572618"/>
+            <a:ext cx="9746456" cy="3480933"/>
           </a:xfrm>
         </p:spPr>
         <p:txBody>
@@ -567,39 +567,39 @@
           <a:lstStyle>
             <a:lvl1pPr marL="0" indent="0" algn="ctr">
               <a:buNone/>
-              <a:defRPr sz="3200"/>
+              <a:defRPr sz="3411"/>
             </a:lvl1pPr>
-            <a:lvl2pPr marL="609594" indent="0" algn="ctr">
+            <a:lvl2pPr marL="649773" indent="0" algn="ctr">
               <a:buNone/>
-              <a:defRPr sz="2667"/>
+              <a:defRPr sz="2842"/>
             </a:lvl2pPr>
-            <a:lvl3pPr marL="1219188" indent="0" algn="ctr">
+            <a:lvl3pPr marL="1299545" indent="0" algn="ctr">
               <a:buNone/>
-              <a:defRPr sz="2400"/>
+              <a:defRPr sz="2558"/>
             </a:lvl3pPr>
-            <a:lvl4pPr marL="1828780" indent="0" algn="ctr">
+            <a:lvl4pPr marL="1949318" indent="0" algn="ctr">
               <a:buNone/>
-              <a:defRPr sz="2133"/>
+              <a:defRPr sz="2274"/>
             </a:lvl4pPr>
-            <a:lvl5pPr marL="2438374" indent="0" algn="ctr">
+            <a:lvl5pPr marL="2599091" indent="0" algn="ctr">
               <a:buNone/>
-              <a:defRPr sz="2133"/>
+              <a:defRPr sz="2274"/>
             </a:lvl5pPr>
-            <a:lvl6pPr marL="3047968" indent="0" algn="ctr">
+            <a:lvl6pPr marL="3248863" indent="0" algn="ctr">
               <a:buNone/>
-              <a:defRPr sz="2133"/>
+              <a:defRPr sz="2274"/>
             </a:lvl6pPr>
-            <a:lvl7pPr marL="3657563" indent="0" algn="ctr">
+            <a:lvl7pPr marL="3898636" indent="0" algn="ctr">
               <a:buNone/>
-              <a:defRPr sz="2133"/>
+              <a:defRPr sz="2274"/>
             </a:lvl7pPr>
-            <a:lvl8pPr marL="4267156" indent="0" algn="ctr">
+            <a:lvl8pPr marL="4548408" indent="0" algn="ctr">
               <a:buNone/>
-              <a:defRPr sz="2133"/>
+              <a:defRPr sz="2274"/>
             </a:lvl8pPr>
-            <a:lvl9pPr marL="4876749" indent="0" algn="ctr">
+            <a:lvl9pPr marL="5198181" indent="0" algn="ctr">
               <a:buNone/>
-              <a:defRPr sz="2133"/>
+              <a:defRPr sz="2274"/>
             </a:lvl9pPr>
           </a:lstStyle>
           <a:p>
@@ -628,7 +628,7 @@
           <a:p>
             <a:fld id="{AA641DB4-C951-4763-94FC-F650C3AA7E65}" type="datetimeFigureOut">
               <a:rPr kumimoji="1" lang="ja-JP" altLang="en-US" smtClean="0"/>
-              <a:t>2016/12/20</a:t>
+              <a:t>2017/1/24</a:t>
             </a:fld>
             <a:endParaRPr kumimoji="1" lang="ja-JP" altLang="en-US"/>
           </a:p>
@@ -679,7 +679,7 @@
     </p:spTree>
     <p:extLst>
       <p:ext uri="{BB962C8B-B14F-4D97-AF65-F5344CB8AC3E}">
-        <p14:creationId xmlns:p14="http://schemas.microsoft.com/office/powerpoint/2010/main" val="1927575910"/>
+        <p14:creationId xmlns:p14="http://schemas.microsoft.com/office/powerpoint/2010/main" val="4059388514"/>
       </p:ext>
     </p:extLst>
   </p:cSld>
@@ -830,7 +830,7 @@
           <a:p>
             <a:fld id="{AA641DB4-C951-4763-94FC-F650C3AA7E65}" type="datetimeFigureOut">
               <a:rPr kumimoji="1" lang="ja-JP" altLang="en-US" smtClean="0"/>
-              <a:t>2016/12/20</a:t>
+              <a:t>2017/1/24</a:t>
             </a:fld>
             <a:endParaRPr kumimoji="1" lang="ja-JP" altLang="en-US"/>
           </a:p>
@@ -881,7 +881,7 @@
     </p:spTree>
     <p:extLst>
       <p:ext uri="{BB962C8B-B14F-4D97-AF65-F5344CB8AC3E}">
-        <p14:creationId xmlns:p14="http://schemas.microsoft.com/office/powerpoint/2010/main" val="830502461"/>
+        <p14:creationId xmlns:p14="http://schemas.microsoft.com/office/powerpoint/2010/main" val="3251557057"/>
       </p:ext>
     </p:extLst>
   </p:cSld>
@@ -920,8 +920,8 @@
         </p:nvSpPr>
         <p:spPr>
           <a:xfrm>
-            <a:off x="8724901" y="767610"/>
-            <a:ext cx="2628900" cy="12218313"/>
+            <a:off x="9299744" y="767608"/>
+            <a:ext cx="2802106" cy="12218313"/>
           </a:xfrm>
         </p:spPr>
         <p:txBody>
@@ -948,8 +948,8 @@
         </p:nvSpPr>
         <p:spPr>
           <a:xfrm>
-            <a:off x="838201" y="767610"/>
-            <a:ext cx="7734300" cy="12218313"/>
+            <a:off x="893426" y="767608"/>
+            <a:ext cx="8243878" cy="12218313"/>
           </a:xfrm>
         </p:spPr>
         <p:txBody>
@@ -1042,7 +1042,7 @@
           <a:p>
             <a:fld id="{AA641DB4-C951-4763-94FC-F650C3AA7E65}" type="datetimeFigureOut">
               <a:rPr kumimoji="1" lang="ja-JP" altLang="en-US" smtClean="0"/>
-              <a:t>2016/12/20</a:t>
+              <a:t>2017/1/24</a:t>
             </a:fld>
             <a:endParaRPr kumimoji="1" lang="ja-JP" altLang="en-US"/>
           </a:p>
@@ -1093,7 +1093,7 @@
     </p:spTree>
     <p:extLst>
       <p:ext uri="{BB962C8B-B14F-4D97-AF65-F5344CB8AC3E}">
-        <p14:creationId xmlns:p14="http://schemas.microsoft.com/office/powerpoint/2010/main" val="1471798591"/>
+        <p14:creationId xmlns:p14="http://schemas.microsoft.com/office/powerpoint/2010/main" val="3596326565"/>
       </p:ext>
     </p:extLst>
   </p:cSld>
@@ -1244,7 +1244,7 @@
           <a:p>
             <a:fld id="{AA641DB4-C951-4763-94FC-F650C3AA7E65}" type="datetimeFigureOut">
               <a:rPr kumimoji="1" lang="ja-JP" altLang="en-US" smtClean="0"/>
-              <a:t>2016/12/20</a:t>
+              <a:t>2017/1/24</a:t>
             </a:fld>
             <a:endParaRPr kumimoji="1" lang="ja-JP" altLang="en-US"/>
           </a:p>
@@ -1295,7 +1295,7 @@
     </p:spTree>
     <p:extLst>
       <p:ext uri="{BB962C8B-B14F-4D97-AF65-F5344CB8AC3E}">
-        <p14:creationId xmlns:p14="http://schemas.microsoft.com/office/powerpoint/2010/main" val="1957594109"/>
+        <p14:creationId xmlns:p14="http://schemas.microsoft.com/office/powerpoint/2010/main" val="2209914131"/>
       </p:ext>
     </p:extLst>
   </p:cSld>
@@ -1334,15 +1334,15 @@
         </p:nvSpPr>
         <p:spPr>
           <a:xfrm>
-            <a:off x="831851" y="3594413"/>
-            <a:ext cx="10515600" cy="5997351"/>
+            <a:off x="886657" y="3594411"/>
+            <a:ext cx="11208425" cy="5997351"/>
           </a:xfrm>
         </p:spPr>
         <p:txBody>
           <a:bodyPr anchor="b"/>
           <a:lstStyle>
             <a:lvl1pPr>
-              <a:defRPr sz="8000"/>
+              <a:defRPr sz="8527"/>
             </a:lvl1pPr>
           </a:lstStyle>
           <a:p>
@@ -1366,8 +1366,8 @@
         </p:nvSpPr>
         <p:spPr>
           <a:xfrm>
-            <a:off x="831851" y="9648501"/>
-            <a:ext cx="10515600" cy="3153865"/>
+            <a:off x="886657" y="9648499"/>
+            <a:ext cx="11208425" cy="3153865"/>
           </a:xfrm>
         </p:spPr>
         <p:txBody>
@@ -1375,15 +1375,15 @@
           <a:lstStyle>
             <a:lvl1pPr marL="0" indent="0">
               <a:buNone/>
-              <a:defRPr sz="3200">
+              <a:defRPr sz="3411">
                 <a:solidFill>
                   <a:schemeClr val="tx1"/>
                 </a:solidFill>
               </a:defRPr>
             </a:lvl1pPr>
-            <a:lvl2pPr marL="609594" indent="0">
+            <a:lvl2pPr marL="649773" indent="0">
               <a:buNone/>
-              <a:defRPr sz="2667">
+              <a:defRPr sz="2842">
                 <a:solidFill>
                   <a:schemeClr val="tx1">
                     <a:tint val="75000"/>
@@ -1391,9 +1391,9 @@
                 </a:solidFill>
               </a:defRPr>
             </a:lvl2pPr>
-            <a:lvl3pPr marL="1219188" indent="0">
+            <a:lvl3pPr marL="1299545" indent="0">
               <a:buNone/>
-              <a:defRPr sz="2400">
+              <a:defRPr sz="2558">
                 <a:solidFill>
                   <a:schemeClr val="tx1">
                     <a:tint val="75000"/>
@@ -1401,9 +1401,9 @@
                 </a:solidFill>
               </a:defRPr>
             </a:lvl3pPr>
-            <a:lvl4pPr marL="1828780" indent="0">
+            <a:lvl4pPr marL="1949318" indent="0">
               <a:buNone/>
-              <a:defRPr sz="2133">
+              <a:defRPr sz="2274">
                 <a:solidFill>
                   <a:schemeClr val="tx1">
                     <a:tint val="75000"/>
@@ -1411,9 +1411,9 @@
                 </a:solidFill>
               </a:defRPr>
             </a:lvl4pPr>
-            <a:lvl5pPr marL="2438374" indent="0">
+            <a:lvl5pPr marL="2599091" indent="0">
               <a:buNone/>
-              <a:defRPr sz="2133">
+              <a:defRPr sz="2274">
                 <a:solidFill>
                   <a:schemeClr val="tx1">
                     <a:tint val="75000"/>
@@ -1421,9 +1421,9 @@
                 </a:solidFill>
               </a:defRPr>
             </a:lvl5pPr>
-            <a:lvl6pPr marL="3047968" indent="0">
+            <a:lvl6pPr marL="3248863" indent="0">
               <a:buNone/>
-              <a:defRPr sz="2133">
+              <a:defRPr sz="2274">
                 <a:solidFill>
                   <a:schemeClr val="tx1">
                     <a:tint val="75000"/>
@@ -1431,9 +1431,9 @@
                 </a:solidFill>
               </a:defRPr>
             </a:lvl6pPr>
-            <a:lvl7pPr marL="3657563" indent="0">
+            <a:lvl7pPr marL="3898636" indent="0">
               <a:buNone/>
-              <a:defRPr sz="2133">
+              <a:defRPr sz="2274">
                 <a:solidFill>
                   <a:schemeClr val="tx1">
                     <a:tint val="75000"/>
@@ -1441,9 +1441,9 @@
                 </a:solidFill>
               </a:defRPr>
             </a:lvl7pPr>
-            <a:lvl8pPr marL="4267156" indent="0">
+            <a:lvl8pPr marL="4548408" indent="0">
               <a:buNone/>
-              <a:defRPr sz="2133">
+              <a:defRPr sz="2274">
                 <a:solidFill>
                   <a:schemeClr val="tx1">
                     <a:tint val="75000"/>
@@ -1451,9 +1451,9 @@
                 </a:solidFill>
               </a:defRPr>
             </a:lvl8pPr>
-            <a:lvl9pPr marL="4876749" indent="0">
+            <a:lvl9pPr marL="5198181" indent="0">
               <a:buNone/>
-              <a:defRPr sz="2133">
+              <a:defRPr sz="2274">
                 <a:solidFill>
                   <a:schemeClr val="tx1">
                     <a:tint val="75000"/>
@@ -1488,7 +1488,7 @@
           <a:p>
             <a:fld id="{AA641DB4-C951-4763-94FC-F650C3AA7E65}" type="datetimeFigureOut">
               <a:rPr kumimoji="1" lang="ja-JP" altLang="en-US" smtClean="0"/>
-              <a:t>2016/12/20</a:t>
+              <a:t>2017/1/24</a:t>
             </a:fld>
             <a:endParaRPr kumimoji="1" lang="ja-JP" altLang="en-US"/>
           </a:p>
@@ -1539,7 +1539,7 @@
     </p:spTree>
     <p:extLst>
       <p:ext uri="{BB962C8B-B14F-4D97-AF65-F5344CB8AC3E}">
-        <p14:creationId xmlns:p14="http://schemas.microsoft.com/office/powerpoint/2010/main" val="929970794"/>
+        <p14:creationId xmlns:p14="http://schemas.microsoft.com/office/powerpoint/2010/main" val="188107263"/>
       </p:ext>
     </p:extLst>
   </p:cSld>
@@ -1601,8 +1601,8 @@
         </p:nvSpPr>
         <p:spPr>
           <a:xfrm>
-            <a:off x="838200" y="3838039"/>
-            <a:ext cx="5181600" cy="9147882"/>
+            <a:off x="893425" y="3838039"/>
+            <a:ext cx="5522992" cy="9147882"/>
           </a:xfrm>
         </p:spPr>
         <p:txBody>
@@ -1690,8 +1690,8 @@
         </p:nvSpPr>
         <p:spPr>
           <a:xfrm>
-            <a:off x="6172201" y="3838039"/>
-            <a:ext cx="5181600" cy="9147882"/>
+            <a:off x="6578858" y="3838039"/>
+            <a:ext cx="5522992" cy="9147882"/>
           </a:xfrm>
         </p:spPr>
         <p:txBody>
@@ -1784,7 +1784,7 @@
           <a:p>
             <a:fld id="{AA641DB4-C951-4763-94FC-F650C3AA7E65}" type="datetimeFigureOut">
               <a:rPr kumimoji="1" lang="ja-JP" altLang="en-US" smtClean="0"/>
-              <a:t>2016/12/20</a:t>
+              <a:t>2017/1/24</a:t>
             </a:fld>
             <a:endParaRPr kumimoji="1" lang="ja-JP" altLang="en-US"/>
           </a:p>
@@ -1835,7 +1835,7 @@
     </p:spTree>
     <p:extLst>
       <p:ext uri="{BB962C8B-B14F-4D97-AF65-F5344CB8AC3E}">
-        <p14:creationId xmlns:p14="http://schemas.microsoft.com/office/powerpoint/2010/main" val="2949876466"/>
+        <p14:creationId xmlns:p14="http://schemas.microsoft.com/office/powerpoint/2010/main" val="2757514719"/>
       </p:ext>
     </p:extLst>
   </p:cSld>
@@ -1874,8 +1874,8 @@
         </p:nvSpPr>
         <p:spPr>
           <a:xfrm>
-            <a:off x="839788" y="767613"/>
-            <a:ext cx="10515600" cy="2786751"/>
+            <a:off x="895118" y="767611"/>
+            <a:ext cx="11208425" cy="2786751"/>
           </a:xfrm>
         </p:spPr>
         <p:txBody>
@@ -1902,8 +1902,8 @@
         </p:nvSpPr>
         <p:spPr>
           <a:xfrm>
-            <a:off x="839790" y="3534334"/>
-            <a:ext cx="5157787" cy="1732122"/>
+            <a:off x="895119" y="3534334"/>
+            <a:ext cx="5497610" cy="1732122"/>
           </a:xfrm>
         </p:spPr>
         <p:txBody>
@@ -1911,39 +1911,39 @@
           <a:lstStyle>
             <a:lvl1pPr marL="0" indent="0">
               <a:buNone/>
-              <a:defRPr sz="3200" b="1"/>
+              <a:defRPr sz="3411" b="1"/>
             </a:lvl1pPr>
-            <a:lvl2pPr marL="609594" indent="0">
+            <a:lvl2pPr marL="649773" indent="0">
               <a:buNone/>
-              <a:defRPr sz="2667" b="1"/>
+              <a:defRPr sz="2842" b="1"/>
             </a:lvl2pPr>
-            <a:lvl3pPr marL="1219188" indent="0">
+            <a:lvl3pPr marL="1299545" indent="0">
               <a:buNone/>
-              <a:defRPr sz="2400" b="1"/>
+              <a:defRPr sz="2558" b="1"/>
             </a:lvl3pPr>
-            <a:lvl4pPr marL="1828780" indent="0">
+            <a:lvl4pPr marL="1949318" indent="0">
               <a:buNone/>
-              <a:defRPr sz="2133" b="1"/>
+              <a:defRPr sz="2274" b="1"/>
             </a:lvl4pPr>
-            <a:lvl5pPr marL="2438374" indent="0">
+            <a:lvl5pPr marL="2599091" indent="0">
               <a:buNone/>
-              <a:defRPr sz="2133" b="1"/>
+              <a:defRPr sz="2274" b="1"/>
             </a:lvl5pPr>
-            <a:lvl6pPr marL="3047968" indent="0">
+            <a:lvl6pPr marL="3248863" indent="0">
               <a:buNone/>
-              <a:defRPr sz="2133" b="1"/>
+              <a:defRPr sz="2274" b="1"/>
             </a:lvl6pPr>
-            <a:lvl7pPr marL="3657563" indent="0">
+            <a:lvl7pPr marL="3898636" indent="0">
               <a:buNone/>
-              <a:defRPr sz="2133" b="1"/>
+              <a:defRPr sz="2274" b="1"/>
             </a:lvl7pPr>
-            <a:lvl8pPr marL="4267156" indent="0">
+            <a:lvl8pPr marL="4548408" indent="0">
               <a:buNone/>
-              <a:defRPr sz="2133" b="1"/>
+              <a:defRPr sz="2274" b="1"/>
             </a:lvl8pPr>
-            <a:lvl9pPr marL="4876749" indent="0">
+            <a:lvl9pPr marL="5198181" indent="0">
               <a:buNone/>
-              <a:defRPr sz="2133" b="1"/>
+              <a:defRPr sz="2274" b="1"/>
             </a:lvl9pPr>
           </a:lstStyle>
           <a:p>
@@ -1967,8 +1967,8 @@
         </p:nvSpPr>
         <p:spPr>
           <a:xfrm>
-            <a:off x="839790" y="5266456"/>
-            <a:ext cx="5157787" cy="7746164"/>
+            <a:off x="895119" y="5266456"/>
+            <a:ext cx="5497610" cy="7746164"/>
           </a:xfrm>
         </p:spPr>
         <p:txBody>
@@ -2056,8 +2056,8 @@
         </p:nvSpPr>
         <p:spPr>
           <a:xfrm>
-            <a:off x="6172201" y="3534334"/>
-            <a:ext cx="5183188" cy="1732122"/>
+            <a:off x="6578858" y="3534334"/>
+            <a:ext cx="5524685" cy="1732122"/>
           </a:xfrm>
         </p:spPr>
         <p:txBody>
@@ -2065,39 +2065,39 @@
           <a:lstStyle>
             <a:lvl1pPr marL="0" indent="0">
               <a:buNone/>
-              <a:defRPr sz="3200" b="1"/>
+              <a:defRPr sz="3411" b="1"/>
             </a:lvl1pPr>
-            <a:lvl2pPr marL="609594" indent="0">
+            <a:lvl2pPr marL="649773" indent="0">
               <a:buNone/>
-              <a:defRPr sz="2667" b="1"/>
+              <a:defRPr sz="2842" b="1"/>
             </a:lvl2pPr>
-            <a:lvl3pPr marL="1219188" indent="0">
+            <a:lvl3pPr marL="1299545" indent="0">
               <a:buNone/>
-              <a:defRPr sz="2400" b="1"/>
+              <a:defRPr sz="2558" b="1"/>
             </a:lvl3pPr>
-            <a:lvl4pPr marL="1828780" indent="0">
+            <a:lvl4pPr marL="1949318" indent="0">
               <a:buNone/>
-              <a:defRPr sz="2133" b="1"/>
+              <a:defRPr sz="2274" b="1"/>
             </a:lvl4pPr>
-            <a:lvl5pPr marL="2438374" indent="0">
+            <a:lvl5pPr marL="2599091" indent="0">
               <a:buNone/>
-              <a:defRPr sz="2133" b="1"/>
+              <a:defRPr sz="2274" b="1"/>
             </a:lvl5pPr>
-            <a:lvl6pPr marL="3047968" indent="0">
+            <a:lvl6pPr marL="3248863" indent="0">
               <a:buNone/>
-              <a:defRPr sz="2133" b="1"/>
+              <a:defRPr sz="2274" b="1"/>
             </a:lvl6pPr>
-            <a:lvl7pPr marL="3657563" indent="0">
+            <a:lvl7pPr marL="3898636" indent="0">
               <a:buNone/>
-              <a:defRPr sz="2133" b="1"/>
+              <a:defRPr sz="2274" b="1"/>
             </a:lvl7pPr>
-            <a:lvl8pPr marL="4267156" indent="0">
+            <a:lvl8pPr marL="4548408" indent="0">
               <a:buNone/>
-              <a:defRPr sz="2133" b="1"/>
+              <a:defRPr sz="2274" b="1"/>
             </a:lvl8pPr>
-            <a:lvl9pPr marL="4876749" indent="0">
+            <a:lvl9pPr marL="5198181" indent="0">
               <a:buNone/>
-              <a:defRPr sz="2133" b="1"/>
+              <a:defRPr sz="2274" b="1"/>
             </a:lvl9pPr>
           </a:lstStyle>
           <a:p>
@@ -2121,8 +2121,8 @@
         </p:nvSpPr>
         <p:spPr>
           <a:xfrm>
-            <a:off x="6172201" y="5266456"/>
-            <a:ext cx="5183188" cy="7746164"/>
+            <a:off x="6578858" y="5266456"/>
+            <a:ext cx="5524685" cy="7746164"/>
           </a:xfrm>
         </p:spPr>
         <p:txBody>
@@ -2215,7 +2215,7 @@
           <a:p>
             <a:fld id="{AA641DB4-C951-4763-94FC-F650C3AA7E65}" type="datetimeFigureOut">
               <a:rPr kumimoji="1" lang="ja-JP" altLang="en-US" smtClean="0"/>
-              <a:t>2016/12/20</a:t>
+              <a:t>2017/1/24</a:t>
             </a:fld>
             <a:endParaRPr kumimoji="1" lang="ja-JP" altLang="en-US"/>
           </a:p>
@@ -2266,7 +2266,7 @@
     </p:spTree>
     <p:extLst>
       <p:ext uri="{BB962C8B-B14F-4D97-AF65-F5344CB8AC3E}">
-        <p14:creationId xmlns:p14="http://schemas.microsoft.com/office/powerpoint/2010/main" val="3248570303"/>
+        <p14:creationId xmlns:p14="http://schemas.microsoft.com/office/powerpoint/2010/main" val="1379045104"/>
       </p:ext>
     </p:extLst>
   </p:cSld>
@@ -2333,7 +2333,7 @@
           <a:p>
             <a:fld id="{AA641DB4-C951-4763-94FC-F650C3AA7E65}" type="datetimeFigureOut">
               <a:rPr kumimoji="1" lang="ja-JP" altLang="en-US" smtClean="0"/>
-              <a:t>2016/12/20</a:t>
+              <a:t>2017/1/24</a:t>
             </a:fld>
             <a:endParaRPr kumimoji="1" lang="ja-JP" altLang="en-US"/>
           </a:p>
@@ -2384,7 +2384,7 @@
     </p:spTree>
     <p:extLst>
       <p:ext uri="{BB962C8B-B14F-4D97-AF65-F5344CB8AC3E}">
-        <p14:creationId xmlns:p14="http://schemas.microsoft.com/office/powerpoint/2010/main" val="2854121638"/>
+        <p14:creationId xmlns:p14="http://schemas.microsoft.com/office/powerpoint/2010/main" val="2883402263"/>
       </p:ext>
     </p:extLst>
   </p:cSld>
@@ -2428,7 +2428,7 @@
           <a:p>
             <a:fld id="{AA641DB4-C951-4763-94FC-F650C3AA7E65}" type="datetimeFigureOut">
               <a:rPr kumimoji="1" lang="ja-JP" altLang="en-US" smtClean="0"/>
-              <a:t>2016/12/20</a:t>
+              <a:t>2017/1/24</a:t>
             </a:fld>
             <a:endParaRPr kumimoji="1" lang="ja-JP" altLang="en-US"/>
           </a:p>
@@ -2479,7 +2479,7 @@
     </p:spTree>
     <p:extLst>
       <p:ext uri="{BB962C8B-B14F-4D97-AF65-F5344CB8AC3E}">
-        <p14:creationId xmlns:p14="http://schemas.microsoft.com/office/powerpoint/2010/main" val="137007493"/>
+        <p14:creationId xmlns:p14="http://schemas.microsoft.com/office/powerpoint/2010/main" val="3095617784"/>
       </p:ext>
     </p:extLst>
   </p:cSld>
@@ -2518,15 +2518,15 @@
         </p:nvSpPr>
         <p:spPr>
           <a:xfrm>
-            <a:off x="839789" y="961178"/>
-            <a:ext cx="3932237" cy="3364124"/>
+            <a:off x="895118" y="961178"/>
+            <a:ext cx="4191314" cy="3364124"/>
           </a:xfrm>
         </p:spPr>
         <p:txBody>
           <a:bodyPr anchor="b"/>
           <a:lstStyle>
             <a:lvl1pPr>
-              <a:defRPr sz="4267"/>
+              <a:defRPr sz="4548"/>
             </a:lvl1pPr>
           </a:lstStyle>
           <a:p>
@@ -2550,39 +2550,39 @@
         </p:nvSpPr>
         <p:spPr>
           <a:xfrm>
-            <a:off x="5183188" y="2075881"/>
-            <a:ext cx="6172200" cy="10245894"/>
+            <a:off x="5524684" y="2075881"/>
+            <a:ext cx="6578858" cy="10245894"/>
           </a:xfrm>
         </p:spPr>
         <p:txBody>
           <a:bodyPr/>
           <a:lstStyle>
             <a:lvl1pPr>
-              <a:defRPr sz="4267"/>
+              <a:defRPr sz="4548"/>
             </a:lvl1pPr>
             <a:lvl2pPr>
-              <a:defRPr sz="3733"/>
+              <a:defRPr sz="3979"/>
             </a:lvl2pPr>
             <a:lvl3pPr>
-              <a:defRPr sz="3200"/>
+              <a:defRPr sz="3411"/>
             </a:lvl3pPr>
             <a:lvl4pPr>
-              <a:defRPr sz="2667"/>
+              <a:defRPr sz="2842"/>
             </a:lvl4pPr>
             <a:lvl5pPr>
-              <a:defRPr sz="2667"/>
+              <a:defRPr sz="2842"/>
             </a:lvl5pPr>
             <a:lvl6pPr>
-              <a:defRPr sz="2667"/>
+              <a:defRPr sz="2842"/>
             </a:lvl6pPr>
             <a:lvl7pPr>
-              <a:defRPr sz="2667"/>
+              <a:defRPr sz="2842"/>
             </a:lvl7pPr>
             <a:lvl8pPr>
-              <a:defRPr sz="2667"/>
+              <a:defRPr sz="2842"/>
             </a:lvl8pPr>
             <a:lvl9pPr>
-              <a:defRPr sz="2667"/>
+              <a:defRPr sz="2842"/>
             </a:lvl9pPr>
           </a:lstStyle>
           <a:p>
@@ -2667,8 +2667,8 @@
         </p:nvSpPr>
         <p:spPr>
           <a:xfrm>
-            <a:off x="839789" y="4325302"/>
-            <a:ext cx="3932237" cy="8013158"/>
+            <a:off x="895118" y="4325302"/>
+            <a:ext cx="4191314" cy="8013158"/>
           </a:xfrm>
         </p:spPr>
         <p:txBody>
@@ -2676,39 +2676,39 @@
           <a:lstStyle>
             <a:lvl1pPr marL="0" indent="0">
               <a:buNone/>
-              <a:defRPr sz="2133"/>
+              <a:defRPr sz="2274"/>
             </a:lvl1pPr>
-            <a:lvl2pPr marL="609594" indent="0">
+            <a:lvl2pPr marL="649773" indent="0">
               <a:buNone/>
-              <a:defRPr sz="1867"/>
+              <a:defRPr sz="1990"/>
             </a:lvl2pPr>
-            <a:lvl3pPr marL="1219188" indent="0">
+            <a:lvl3pPr marL="1299545" indent="0">
               <a:buNone/>
-              <a:defRPr sz="1600"/>
+              <a:defRPr sz="1705"/>
             </a:lvl3pPr>
-            <a:lvl4pPr marL="1828780" indent="0">
+            <a:lvl4pPr marL="1949318" indent="0">
               <a:buNone/>
-              <a:defRPr sz="1333"/>
+              <a:defRPr sz="1421"/>
             </a:lvl4pPr>
-            <a:lvl5pPr marL="2438374" indent="0">
+            <a:lvl5pPr marL="2599091" indent="0">
               <a:buNone/>
-              <a:defRPr sz="1333"/>
+              <a:defRPr sz="1421"/>
             </a:lvl5pPr>
-            <a:lvl6pPr marL="3047968" indent="0">
+            <a:lvl6pPr marL="3248863" indent="0">
               <a:buNone/>
-              <a:defRPr sz="1333"/>
+              <a:defRPr sz="1421"/>
             </a:lvl6pPr>
-            <a:lvl7pPr marL="3657563" indent="0">
+            <a:lvl7pPr marL="3898636" indent="0">
               <a:buNone/>
-              <a:defRPr sz="1333"/>
+              <a:defRPr sz="1421"/>
             </a:lvl7pPr>
-            <a:lvl8pPr marL="4267156" indent="0">
+            <a:lvl8pPr marL="4548408" indent="0">
               <a:buNone/>
-              <a:defRPr sz="1333"/>
+              <a:defRPr sz="1421"/>
             </a:lvl8pPr>
-            <a:lvl9pPr marL="4876749" indent="0">
+            <a:lvl9pPr marL="5198181" indent="0">
               <a:buNone/>
-              <a:defRPr sz="1333"/>
+              <a:defRPr sz="1421"/>
             </a:lvl9pPr>
           </a:lstStyle>
           <a:p>
@@ -2737,7 +2737,7 @@
           <a:p>
             <a:fld id="{AA641DB4-C951-4763-94FC-F650C3AA7E65}" type="datetimeFigureOut">
               <a:rPr kumimoji="1" lang="ja-JP" altLang="en-US" smtClean="0"/>
-              <a:t>2016/12/20</a:t>
+              <a:t>2017/1/24</a:t>
             </a:fld>
             <a:endParaRPr kumimoji="1" lang="ja-JP" altLang="en-US"/>
           </a:p>
@@ -2788,7 +2788,7 @@
     </p:spTree>
     <p:extLst>
       <p:ext uri="{BB962C8B-B14F-4D97-AF65-F5344CB8AC3E}">
-        <p14:creationId xmlns:p14="http://schemas.microsoft.com/office/powerpoint/2010/main" val="4041359414"/>
+        <p14:creationId xmlns:p14="http://schemas.microsoft.com/office/powerpoint/2010/main" val="2727710908"/>
       </p:ext>
     </p:extLst>
   </p:cSld>
@@ -2827,15 +2827,15 @@
         </p:nvSpPr>
         <p:spPr>
           <a:xfrm>
-            <a:off x="839789" y="961178"/>
-            <a:ext cx="3932237" cy="3364124"/>
+            <a:off x="895118" y="961178"/>
+            <a:ext cx="4191314" cy="3364124"/>
           </a:xfrm>
         </p:spPr>
         <p:txBody>
           <a:bodyPr anchor="b"/>
           <a:lstStyle>
             <a:lvl1pPr>
-              <a:defRPr sz="4267"/>
+              <a:defRPr sz="4548"/>
             </a:lvl1pPr>
           </a:lstStyle>
           <a:p>
@@ -2859,8 +2859,8 @@
         </p:nvSpPr>
         <p:spPr>
           <a:xfrm>
-            <a:off x="5183188" y="2075881"/>
-            <a:ext cx="6172200" cy="10245894"/>
+            <a:off x="5524684" y="2075881"/>
+            <a:ext cx="6578858" cy="10245894"/>
           </a:xfrm>
         </p:spPr>
         <p:txBody>
@@ -2868,39 +2868,39 @@
           <a:lstStyle>
             <a:lvl1pPr marL="0" indent="0">
               <a:buNone/>
-              <a:defRPr sz="4267"/>
+              <a:defRPr sz="4548"/>
             </a:lvl1pPr>
-            <a:lvl2pPr marL="609594" indent="0">
+            <a:lvl2pPr marL="649773" indent="0">
               <a:buNone/>
-              <a:defRPr sz="3733"/>
+              <a:defRPr sz="3979"/>
             </a:lvl2pPr>
-            <a:lvl3pPr marL="1219188" indent="0">
+            <a:lvl3pPr marL="1299545" indent="0">
               <a:buNone/>
-              <a:defRPr sz="3200"/>
+              <a:defRPr sz="3411"/>
             </a:lvl3pPr>
-            <a:lvl4pPr marL="1828780" indent="0">
+            <a:lvl4pPr marL="1949318" indent="0">
               <a:buNone/>
-              <a:defRPr sz="2667"/>
+              <a:defRPr sz="2842"/>
             </a:lvl4pPr>
-            <a:lvl5pPr marL="2438374" indent="0">
+            <a:lvl5pPr marL="2599091" indent="0">
               <a:buNone/>
-              <a:defRPr sz="2667"/>
+              <a:defRPr sz="2842"/>
             </a:lvl5pPr>
-            <a:lvl6pPr marL="3047968" indent="0">
+            <a:lvl6pPr marL="3248863" indent="0">
               <a:buNone/>
-              <a:defRPr sz="2667"/>
+              <a:defRPr sz="2842"/>
             </a:lvl6pPr>
-            <a:lvl7pPr marL="3657563" indent="0">
+            <a:lvl7pPr marL="3898636" indent="0">
               <a:buNone/>
-              <a:defRPr sz="2667"/>
+              <a:defRPr sz="2842"/>
             </a:lvl7pPr>
-            <a:lvl8pPr marL="4267156" indent="0">
+            <a:lvl8pPr marL="4548408" indent="0">
               <a:buNone/>
-              <a:defRPr sz="2667"/>
+              <a:defRPr sz="2842"/>
             </a:lvl8pPr>
-            <a:lvl9pPr marL="4876749" indent="0">
+            <a:lvl9pPr marL="5198181" indent="0">
               <a:buNone/>
-              <a:defRPr sz="2667"/>
+              <a:defRPr sz="2842"/>
             </a:lvl9pPr>
           </a:lstStyle>
           <a:p>
@@ -2924,8 +2924,8 @@
         </p:nvSpPr>
         <p:spPr>
           <a:xfrm>
-            <a:off x="839789" y="4325302"/>
-            <a:ext cx="3932237" cy="8013158"/>
+            <a:off x="895118" y="4325302"/>
+            <a:ext cx="4191314" cy="8013158"/>
           </a:xfrm>
         </p:spPr>
         <p:txBody>
@@ -2933,39 +2933,39 @@
           <a:lstStyle>
             <a:lvl1pPr marL="0" indent="0">
               <a:buNone/>
-              <a:defRPr sz="2133"/>
+              <a:defRPr sz="2274"/>
             </a:lvl1pPr>
-            <a:lvl2pPr marL="609594" indent="0">
+            <a:lvl2pPr marL="649773" indent="0">
               <a:buNone/>
-              <a:defRPr sz="1867"/>
+              <a:defRPr sz="1990"/>
             </a:lvl2pPr>
-            <a:lvl3pPr marL="1219188" indent="0">
+            <a:lvl3pPr marL="1299545" indent="0">
               <a:buNone/>
-              <a:defRPr sz="1600"/>
+              <a:defRPr sz="1705"/>
             </a:lvl3pPr>
-            <a:lvl4pPr marL="1828780" indent="0">
+            <a:lvl4pPr marL="1949318" indent="0">
               <a:buNone/>
-              <a:defRPr sz="1333"/>
+              <a:defRPr sz="1421"/>
             </a:lvl4pPr>
-            <a:lvl5pPr marL="2438374" indent="0">
+            <a:lvl5pPr marL="2599091" indent="0">
               <a:buNone/>
-              <a:defRPr sz="1333"/>
+              <a:defRPr sz="1421"/>
             </a:lvl5pPr>
-            <a:lvl6pPr marL="3047968" indent="0">
+            <a:lvl6pPr marL="3248863" indent="0">
               <a:buNone/>
-              <a:defRPr sz="1333"/>
+              <a:defRPr sz="1421"/>
             </a:lvl6pPr>
-            <a:lvl7pPr marL="3657563" indent="0">
+            <a:lvl7pPr marL="3898636" indent="0">
               <a:buNone/>
-              <a:defRPr sz="1333"/>
+              <a:defRPr sz="1421"/>
             </a:lvl7pPr>
-            <a:lvl8pPr marL="4267156" indent="0">
+            <a:lvl8pPr marL="4548408" indent="0">
               <a:buNone/>
-              <a:defRPr sz="1333"/>
+              <a:defRPr sz="1421"/>
             </a:lvl8pPr>
-            <a:lvl9pPr marL="4876749" indent="0">
+            <a:lvl9pPr marL="5198181" indent="0">
               <a:buNone/>
-              <a:defRPr sz="1333"/>
+              <a:defRPr sz="1421"/>
             </a:lvl9pPr>
           </a:lstStyle>
           <a:p>
@@ -2994,7 +2994,7 @@
           <a:p>
             <a:fld id="{AA641DB4-C951-4763-94FC-F650C3AA7E65}" type="datetimeFigureOut">
               <a:rPr kumimoji="1" lang="ja-JP" altLang="en-US" smtClean="0"/>
-              <a:t>2016/12/20</a:t>
+              <a:t>2017/1/24</a:t>
             </a:fld>
             <a:endParaRPr kumimoji="1" lang="ja-JP" altLang="en-US"/>
           </a:p>
@@ -3045,7 +3045,7 @@
     </p:spTree>
     <p:extLst>
       <p:ext uri="{BB962C8B-B14F-4D97-AF65-F5344CB8AC3E}">
-        <p14:creationId xmlns:p14="http://schemas.microsoft.com/office/powerpoint/2010/main" val="2523571933"/>
+        <p14:creationId xmlns:p14="http://schemas.microsoft.com/office/powerpoint/2010/main" val="3004272342"/>
       </p:ext>
     </p:extLst>
   </p:cSld>
@@ -3089,8 +3089,8 @@
         </p:nvSpPr>
         <p:spPr>
           <a:xfrm>
-            <a:off x="838200" y="767613"/>
-            <a:ext cx="10515600" cy="2786751"/>
+            <a:off x="893425" y="767611"/>
+            <a:ext cx="11208425" cy="2786751"/>
           </a:xfrm>
           <a:prstGeom prst="rect">
             <a:avLst/>
@@ -3122,8 +3122,8 @@
         </p:nvSpPr>
         <p:spPr>
           <a:xfrm>
-            <a:off x="838200" y="3838039"/>
-            <a:ext cx="10515600" cy="9147882"/>
+            <a:off x="893425" y="3838039"/>
+            <a:ext cx="11208425" cy="9147882"/>
           </a:xfrm>
           <a:prstGeom prst="rect">
             <a:avLst/>
@@ -3216,8 +3216,8 @@
         </p:nvSpPr>
         <p:spPr>
           <a:xfrm>
-            <a:off x="838200" y="13363052"/>
-            <a:ext cx="2743200" cy="767608"/>
+            <a:off x="893425" y="13363052"/>
+            <a:ext cx="2923937" cy="767608"/>
           </a:xfrm>
           <a:prstGeom prst="rect">
             <a:avLst/>
@@ -3227,7 +3227,7 @@
           <a:bodyPr vert="horz" lIns="91440" tIns="45720" rIns="91440" bIns="45720" rtlCol="0" anchor="ctr"/>
           <a:lstStyle>
             <a:lvl1pPr algn="l">
-              <a:defRPr sz="1600">
+              <a:defRPr sz="1705">
                 <a:solidFill>
                   <a:schemeClr val="tx1">
                     <a:tint val="75000"/>
@@ -3239,7 +3239,7 @@
           <a:p>
             <a:fld id="{AA641DB4-C951-4763-94FC-F650C3AA7E65}" type="datetimeFigureOut">
               <a:rPr kumimoji="1" lang="ja-JP" altLang="en-US" smtClean="0"/>
-              <a:t>2016/12/20</a:t>
+              <a:t>2017/1/24</a:t>
             </a:fld>
             <a:endParaRPr kumimoji="1" lang="ja-JP" altLang="en-US"/>
           </a:p>
@@ -3257,8 +3257,8 @@
         </p:nvSpPr>
         <p:spPr>
           <a:xfrm>
-            <a:off x="4038600" y="13363052"/>
-            <a:ext cx="4114800" cy="767608"/>
+            <a:off x="4304685" y="13363052"/>
+            <a:ext cx="4385905" cy="767608"/>
           </a:xfrm>
           <a:prstGeom prst="rect">
             <a:avLst/>
@@ -3268,7 +3268,7 @@
           <a:bodyPr vert="horz" lIns="91440" tIns="45720" rIns="91440" bIns="45720" rtlCol="0" anchor="ctr"/>
           <a:lstStyle>
             <a:lvl1pPr algn="ctr">
-              <a:defRPr sz="1600">
+              <a:defRPr sz="1705">
                 <a:solidFill>
                   <a:schemeClr val="tx1">
                     <a:tint val="75000"/>
@@ -3294,8 +3294,8 @@
         </p:nvSpPr>
         <p:spPr>
           <a:xfrm>
-            <a:off x="8610601" y="13363052"/>
-            <a:ext cx="2743200" cy="767608"/>
+            <a:off x="9177913" y="13363052"/>
+            <a:ext cx="2923937" cy="767608"/>
           </a:xfrm>
           <a:prstGeom prst="rect">
             <a:avLst/>
@@ -3305,7 +3305,7 @@
           <a:bodyPr vert="horz" lIns="91440" tIns="45720" rIns="91440" bIns="45720" rtlCol="0" anchor="ctr"/>
           <a:lstStyle>
             <a:lvl1pPr algn="r">
-              <a:defRPr sz="1600">
+              <a:defRPr sz="1705">
                 <a:solidFill>
                   <a:schemeClr val="tx1">
                     <a:tint val="75000"/>
@@ -3326,27 +3326,27 @@
     </p:spTree>
     <p:extLst>
       <p:ext uri="{BB962C8B-B14F-4D97-AF65-F5344CB8AC3E}">
-        <p14:creationId xmlns:p14="http://schemas.microsoft.com/office/powerpoint/2010/main" val="3515140173"/>
+        <p14:creationId xmlns:p14="http://schemas.microsoft.com/office/powerpoint/2010/main" val="628619568"/>
       </p:ext>
     </p:extLst>
   </p:cSld>
   <p:clrMap bg1="lt1" tx1="dk1" bg2="lt2" tx2="dk2" accent1="accent1" accent2="accent2" accent3="accent3" accent4="accent4" accent5="accent5" accent6="accent6" hlink="hlink" folHlink="folHlink"/>
   <p:sldLayoutIdLst>
-    <p:sldLayoutId id="2147483685" r:id="rId1"/>
-    <p:sldLayoutId id="2147483686" r:id="rId2"/>
-    <p:sldLayoutId id="2147483687" r:id="rId3"/>
-    <p:sldLayoutId id="2147483688" r:id="rId4"/>
-    <p:sldLayoutId id="2147483689" r:id="rId5"/>
-    <p:sldLayoutId id="2147483690" r:id="rId6"/>
-    <p:sldLayoutId id="2147483691" r:id="rId7"/>
-    <p:sldLayoutId id="2147483692" r:id="rId8"/>
-    <p:sldLayoutId id="2147483693" r:id="rId9"/>
-    <p:sldLayoutId id="2147483694" r:id="rId10"/>
-    <p:sldLayoutId id="2147483695" r:id="rId11"/>
+    <p:sldLayoutId id="2147483697" r:id="rId1"/>
+    <p:sldLayoutId id="2147483698" r:id="rId2"/>
+    <p:sldLayoutId id="2147483699" r:id="rId3"/>
+    <p:sldLayoutId id="2147483700" r:id="rId4"/>
+    <p:sldLayoutId id="2147483701" r:id="rId5"/>
+    <p:sldLayoutId id="2147483702" r:id="rId6"/>
+    <p:sldLayoutId id="2147483703" r:id="rId7"/>
+    <p:sldLayoutId id="2147483704" r:id="rId8"/>
+    <p:sldLayoutId id="2147483705" r:id="rId9"/>
+    <p:sldLayoutId id="2147483706" r:id="rId10"/>
+    <p:sldLayoutId id="2147483707" r:id="rId11"/>
   </p:sldLayoutIdLst>
   <p:txStyles>
     <p:titleStyle>
-      <a:lvl1pPr algn="l" defTabSz="1219188" rtl="0" eaLnBrk="1" latinLnBrk="0" hangingPunct="1">
+      <a:lvl1pPr algn="l" defTabSz="1299545" rtl="0" eaLnBrk="1" latinLnBrk="0" hangingPunct="1">
         <a:lnSpc>
           <a:spcPct val="90000"/>
         </a:lnSpc>
@@ -3354,7 +3354,7 @@
           <a:spcPct val="0"/>
         </a:spcBef>
         <a:buNone/>
-        <a:defRPr kumimoji="1" sz="5868" kern="1200">
+        <a:defRPr kumimoji="1" sz="6253" kern="1200">
           <a:solidFill>
             <a:schemeClr val="tx1"/>
           </a:solidFill>
@@ -3365,16 +3365,16 @@
       </a:lvl1pPr>
     </p:titleStyle>
     <p:bodyStyle>
-      <a:lvl1pPr marL="304797" indent="-304797" algn="l" defTabSz="1219188" rtl="0" eaLnBrk="1" latinLnBrk="0" hangingPunct="1">
+      <a:lvl1pPr marL="324886" indent="-324886" algn="l" defTabSz="1299545" rtl="0" eaLnBrk="1" latinLnBrk="0" hangingPunct="1">
         <a:lnSpc>
           <a:spcPct val="90000"/>
         </a:lnSpc>
         <a:spcBef>
-          <a:spcPts val="1333"/>
+          <a:spcPts val="1421"/>
         </a:spcBef>
         <a:buFont typeface="Arial" panose="020B0604020202020204" pitchFamily="34" charset="0"/>
         <a:buChar char="•"/>
-        <a:defRPr kumimoji="1" sz="3733" kern="1200">
+        <a:defRPr kumimoji="1" sz="3979" kern="1200">
           <a:solidFill>
             <a:schemeClr val="tx1"/>
           </a:solidFill>
@@ -3383,16 +3383,16 @@
           <a:cs typeface="+mn-cs"/>
         </a:defRPr>
       </a:lvl1pPr>
-      <a:lvl2pPr marL="914391" indent="-304797" algn="l" defTabSz="1219188" rtl="0" eaLnBrk="1" latinLnBrk="0" hangingPunct="1">
+      <a:lvl2pPr marL="974659" indent="-324886" algn="l" defTabSz="1299545" rtl="0" eaLnBrk="1" latinLnBrk="0" hangingPunct="1">
         <a:lnSpc>
           <a:spcPct val="90000"/>
         </a:lnSpc>
         <a:spcBef>
-          <a:spcPts val="667"/>
+          <a:spcPts val="711"/>
         </a:spcBef>
         <a:buFont typeface="Arial" panose="020B0604020202020204" pitchFamily="34" charset="0"/>
         <a:buChar char="•"/>
-        <a:defRPr kumimoji="1" sz="3200" kern="1200">
+        <a:defRPr kumimoji="1" sz="3411" kern="1200">
           <a:solidFill>
             <a:schemeClr val="tx1"/>
           </a:solidFill>
@@ -3401,16 +3401,16 @@
           <a:cs typeface="+mn-cs"/>
         </a:defRPr>
       </a:lvl2pPr>
-      <a:lvl3pPr marL="1523985" indent="-304797" algn="l" defTabSz="1219188" rtl="0" eaLnBrk="1" latinLnBrk="0" hangingPunct="1">
+      <a:lvl3pPr marL="1624432" indent="-324886" algn="l" defTabSz="1299545" rtl="0" eaLnBrk="1" latinLnBrk="0" hangingPunct="1">
         <a:lnSpc>
           <a:spcPct val="90000"/>
         </a:lnSpc>
         <a:spcBef>
-          <a:spcPts val="667"/>
+          <a:spcPts val="711"/>
         </a:spcBef>
         <a:buFont typeface="Arial" panose="020B0604020202020204" pitchFamily="34" charset="0"/>
         <a:buChar char="•"/>
-        <a:defRPr kumimoji="1" sz="2667" kern="1200">
+        <a:defRPr kumimoji="1" sz="2842" kern="1200">
           <a:solidFill>
             <a:schemeClr val="tx1"/>
           </a:solidFill>
@@ -3419,16 +3419,16 @@
           <a:cs typeface="+mn-cs"/>
         </a:defRPr>
       </a:lvl3pPr>
-      <a:lvl4pPr marL="2133578" indent="-304797" algn="l" defTabSz="1219188" rtl="0" eaLnBrk="1" latinLnBrk="0" hangingPunct="1">
+      <a:lvl4pPr marL="2274204" indent="-324886" algn="l" defTabSz="1299545" rtl="0" eaLnBrk="1" latinLnBrk="0" hangingPunct="1">
         <a:lnSpc>
           <a:spcPct val="90000"/>
         </a:lnSpc>
         <a:spcBef>
-          <a:spcPts val="667"/>
+          <a:spcPts val="711"/>
         </a:spcBef>
         <a:buFont typeface="Arial" panose="020B0604020202020204" pitchFamily="34" charset="0"/>
         <a:buChar char="•"/>
-        <a:defRPr kumimoji="1" sz="2400" kern="1200">
+        <a:defRPr kumimoji="1" sz="2558" kern="1200">
           <a:solidFill>
             <a:schemeClr val="tx1"/>
           </a:solidFill>
@@ -3437,16 +3437,16 @@
           <a:cs typeface="+mn-cs"/>
         </a:defRPr>
       </a:lvl4pPr>
-      <a:lvl5pPr marL="2743171" indent="-304797" algn="l" defTabSz="1219188" rtl="0" eaLnBrk="1" latinLnBrk="0" hangingPunct="1">
+      <a:lvl5pPr marL="2923977" indent="-324886" algn="l" defTabSz="1299545" rtl="0" eaLnBrk="1" latinLnBrk="0" hangingPunct="1">
         <a:lnSpc>
           <a:spcPct val="90000"/>
         </a:lnSpc>
         <a:spcBef>
-          <a:spcPts val="667"/>
+          <a:spcPts val="711"/>
         </a:spcBef>
         <a:buFont typeface="Arial" panose="020B0604020202020204" pitchFamily="34" charset="0"/>
         <a:buChar char="•"/>
-        <a:defRPr kumimoji="1" sz="2400" kern="1200">
+        <a:defRPr kumimoji="1" sz="2558" kern="1200">
           <a:solidFill>
             <a:schemeClr val="tx1"/>
           </a:solidFill>
@@ -3455,16 +3455,16 @@
           <a:cs typeface="+mn-cs"/>
         </a:defRPr>
       </a:lvl5pPr>
-      <a:lvl6pPr marL="3352765" indent="-304797" algn="l" defTabSz="1219188" rtl="0" eaLnBrk="1" latinLnBrk="0" hangingPunct="1">
+      <a:lvl6pPr marL="3573750" indent="-324886" algn="l" defTabSz="1299545" rtl="0" eaLnBrk="1" latinLnBrk="0" hangingPunct="1">
         <a:lnSpc>
           <a:spcPct val="90000"/>
         </a:lnSpc>
         <a:spcBef>
-          <a:spcPts val="667"/>
+          <a:spcPts val="711"/>
         </a:spcBef>
         <a:buFont typeface="Arial" panose="020B0604020202020204" pitchFamily="34" charset="0"/>
         <a:buChar char="•"/>
-        <a:defRPr kumimoji="1" sz="2400" kern="1200">
+        <a:defRPr kumimoji="1" sz="2558" kern="1200">
           <a:solidFill>
             <a:schemeClr val="tx1"/>
           </a:solidFill>
@@ -3473,16 +3473,16 @@
           <a:cs typeface="+mn-cs"/>
         </a:defRPr>
       </a:lvl6pPr>
-      <a:lvl7pPr marL="3962359" indent="-304797" algn="l" defTabSz="1219188" rtl="0" eaLnBrk="1" latinLnBrk="0" hangingPunct="1">
+      <a:lvl7pPr marL="4223522" indent="-324886" algn="l" defTabSz="1299545" rtl="0" eaLnBrk="1" latinLnBrk="0" hangingPunct="1">
         <a:lnSpc>
           <a:spcPct val="90000"/>
         </a:lnSpc>
         <a:spcBef>
-          <a:spcPts val="667"/>
+          <a:spcPts val="711"/>
         </a:spcBef>
         <a:buFont typeface="Arial" panose="020B0604020202020204" pitchFamily="34" charset="0"/>
         <a:buChar char="•"/>
-        <a:defRPr kumimoji="1" sz="2400" kern="1200">
+        <a:defRPr kumimoji="1" sz="2558" kern="1200">
           <a:solidFill>
             <a:schemeClr val="tx1"/>
           </a:solidFill>
@@ -3491,16 +3491,16 @@
           <a:cs typeface="+mn-cs"/>
         </a:defRPr>
       </a:lvl7pPr>
-      <a:lvl8pPr marL="4571953" indent="-304797" algn="l" defTabSz="1219188" rtl="0" eaLnBrk="1" latinLnBrk="0" hangingPunct="1">
+      <a:lvl8pPr marL="4873295" indent="-324886" algn="l" defTabSz="1299545" rtl="0" eaLnBrk="1" latinLnBrk="0" hangingPunct="1">
         <a:lnSpc>
           <a:spcPct val="90000"/>
         </a:lnSpc>
         <a:spcBef>
-          <a:spcPts val="667"/>
+          <a:spcPts val="711"/>
         </a:spcBef>
         <a:buFont typeface="Arial" panose="020B0604020202020204" pitchFamily="34" charset="0"/>
         <a:buChar char="•"/>
-        <a:defRPr kumimoji="1" sz="2400" kern="1200">
+        <a:defRPr kumimoji="1" sz="2558" kern="1200">
           <a:solidFill>
             <a:schemeClr val="tx1"/>
           </a:solidFill>
@@ -3509,16 +3509,16 @@
           <a:cs typeface="+mn-cs"/>
         </a:defRPr>
       </a:lvl8pPr>
-      <a:lvl9pPr marL="5181545" indent="-304797" algn="l" defTabSz="1219188" rtl="0" eaLnBrk="1" latinLnBrk="0" hangingPunct="1">
+      <a:lvl9pPr marL="5523067" indent="-324886" algn="l" defTabSz="1299545" rtl="0" eaLnBrk="1" latinLnBrk="0" hangingPunct="1">
         <a:lnSpc>
           <a:spcPct val="90000"/>
         </a:lnSpc>
         <a:spcBef>
-          <a:spcPts val="667"/>
+          <a:spcPts val="711"/>
         </a:spcBef>
         <a:buFont typeface="Arial" panose="020B0604020202020204" pitchFamily="34" charset="0"/>
         <a:buChar char="•"/>
-        <a:defRPr kumimoji="1" sz="2400" kern="1200">
+        <a:defRPr kumimoji="1" sz="2558" kern="1200">
           <a:solidFill>
             <a:schemeClr val="tx1"/>
           </a:solidFill>
@@ -3532,8 +3532,8 @@
       <a:defPPr>
         <a:defRPr lang="en-US"/>
       </a:defPPr>
-      <a:lvl1pPr marL="0" algn="l" defTabSz="1219188" rtl="0" eaLnBrk="1" latinLnBrk="0" hangingPunct="1">
-        <a:defRPr kumimoji="1" sz="2400" kern="1200">
+      <a:lvl1pPr marL="0" algn="l" defTabSz="1299545" rtl="0" eaLnBrk="1" latinLnBrk="0" hangingPunct="1">
+        <a:defRPr kumimoji="1" sz="2558" kern="1200">
           <a:solidFill>
             <a:schemeClr val="tx1"/>
           </a:solidFill>
@@ -3542,8 +3542,8 @@
           <a:cs typeface="+mn-cs"/>
         </a:defRPr>
       </a:lvl1pPr>
-      <a:lvl2pPr marL="609594" algn="l" defTabSz="1219188" rtl="0" eaLnBrk="1" latinLnBrk="0" hangingPunct="1">
-        <a:defRPr kumimoji="1" sz="2400" kern="1200">
+      <a:lvl2pPr marL="649773" algn="l" defTabSz="1299545" rtl="0" eaLnBrk="1" latinLnBrk="0" hangingPunct="1">
+        <a:defRPr kumimoji="1" sz="2558" kern="1200">
           <a:solidFill>
             <a:schemeClr val="tx1"/>
           </a:solidFill>
@@ -3552,8 +3552,8 @@
           <a:cs typeface="+mn-cs"/>
         </a:defRPr>
       </a:lvl2pPr>
-      <a:lvl3pPr marL="1219188" algn="l" defTabSz="1219188" rtl="0" eaLnBrk="1" latinLnBrk="0" hangingPunct="1">
-        <a:defRPr kumimoji="1" sz="2400" kern="1200">
+      <a:lvl3pPr marL="1299545" algn="l" defTabSz="1299545" rtl="0" eaLnBrk="1" latinLnBrk="0" hangingPunct="1">
+        <a:defRPr kumimoji="1" sz="2558" kern="1200">
           <a:solidFill>
             <a:schemeClr val="tx1"/>
           </a:solidFill>
@@ -3562,8 +3562,8 @@
           <a:cs typeface="+mn-cs"/>
         </a:defRPr>
       </a:lvl3pPr>
-      <a:lvl4pPr marL="1828780" algn="l" defTabSz="1219188" rtl="0" eaLnBrk="1" latinLnBrk="0" hangingPunct="1">
-        <a:defRPr kumimoji="1" sz="2400" kern="1200">
+      <a:lvl4pPr marL="1949318" algn="l" defTabSz="1299545" rtl="0" eaLnBrk="1" latinLnBrk="0" hangingPunct="1">
+        <a:defRPr kumimoji="1" sz="2558" kern="1200">
           <a:solidFill>
             <a:schemeClr val="tx1"/>
           </a:solidFill>
@@ -3572,8 +3572,8 @@
           <a:cs typeface="+mn-cs"/>
         </a:defRPr>
       </a:lvl4pPr>
-      <a:lvl5pPr marL="2438374" algn="l" defTabSz="1219188" rtl="0" eaLnBrk="1" latinLnBrk="0" hangingPunct="1">
-        <a:defRPr kumimoji="1" sz="2400" kern="1200">
+      <a:lvl5pPr marL="2599091" algn="l" defTabSz="1299545" rtl="0" eaLnBrk="1" latinLnBrk="0" hangingPunct="1">
+        <a:defRPr kumimoji="1" sz="2558" kern="1200">
           <a:solidFill>
             <a:schemeClr val="tx1"/>
           </a:solidFill>
@@ -3582,8 +3582,8 @@
           <a:cs typeface="+mn-cs"/>
         </a:defRPr>
       </a:lvl5pPr>
-      <a:lvl6pPr marL="3047968" algn="l" defTabSz="1219188" rtl="0" eaLnBrk="1" latinLnBrk="0" hangingPunct="1">
-        <a:defRPr kumimoji="1" sz="2400" kern="1200">
+      <a:lvl6pPr marL="3248863" algn="l" defTabSz="1299545" rtl="0" eaLnBrk="1" latinLnBrk="0" hangingPunct="1">
+        <a:defRPr kumimoji="1" sz="2558" kern="1200">
           <a:solidFill>
             <a:schemeClr val="tx1"/>
           </a:solidFill>
@@ -3592,8 +3592,8 @@
           <a:cs typeface="+mn-cs"/>
         </a:defRPr>
       </a:lvl6pPr>
-      <a:lvl7pPr marL="3657563" algn="l" defTabSz="1219188" rtl="0" eaLnBrk="1" latinLnBrk="0" hangingPunct="1">
-        <a:defRPr kumimoji="1" sz="2400" kern="1200">
+      <a:lvl7pPr marL="3898636" algn="l" defTabSz="1299545" rtl="0" eaLnBrk="1" latinLnBrk="0" hangingPunct="1">
+        <a:defRPr kumimoji="1" sz="2558" kern="1200">
           <a:solidFill>
             <a:schemeClr val="tx1"/>
           </a:solidFill>
@@ -3602,8 +3602,8 @@
           <a:cs typeface="+mn-cs"/>
         </a:defRPr>
       </a:lvl7pPr>
-      <a:lvl8pPr marL="4267156" algn="l" defTabSz="1219188" rtl="0" eaLnBrk="1" latinLnBrk="0" hangingPunct="1">
-        <a:defRPr kumimoji="1" sz="2400" kern="1200">
+      <a:lvl8pPr marL="4548408" algn="l" defTabSz="1299545" rtl="0" eaLnBrk="1" latinLnBrk="0" hangingPunct="1">
+        <a:defRPr kumimoji="1" sz="2558" kern="1200">
           <a:solidFill>
             <a:schemeClr val="tx1"/>
           </a:solidFill>
@@ -3612,8 +3612,8 @@
           <a:cs typeface="+mn-cs"/>
         </a:defRPr>
       </a:lvl8pPr>
-      <a:lvl9pPr marL="4876749" algn="l" defTabSz="1219188" rtl="0" eaLnBrk="1" latinLnBrk="0" hangingPunct="1">
-        <a:defRPr kumimoji="1" sz="2400" kern="1200">
+      <a:lvl9pPr marL="5198181" algn="l" defTabSz="1299545" rtl="0" eaLnBrk="1" latinLnBrk="0" hangingPunct="1">
+        <a:defRPr kumimoji="1" sz="2558" kern="1200">
           <a:solidFill>
             <a:schemeClr val="tx1"/>
           </a:solidFill>
@@ -3652,13 +3652,13 @@
         </p:nvCxnSpPr>
         <p:spPr>
           <a:xfrm>
-            <a:off x="0" y="2533989"/>
-            <a:ext cx="12192000" cy="15781"/>
+            <a:off x="0" y="2486025"/>
+            <a:ext cx="12995275" cy="0"/>
           </a:xfrm>
           <a:prstGeom prst="line">
             <a:avLst/>
           </a:prstGeom>
-          <a:ln w="38100">
+          <a:ln w="63500">
             <a:solidFill>
               <a:schemeClr val="bg1">
                 <a:lumMod val="50000"/>
@@ -3690,7 +3690,7 @@
         </p:nvSpPr>
         <p:spPr bwMode="auto">
           <a:xfrm>
-            <a:off x="340244" y="480980"/>
+            <a:off x="1199080" y="480980"/>
             <a:ext cx="11525693" cy="733250"/>
           </a:xfrm>
           <a:prstGeom prst="rect">
@@ -3737,7 +3737,7 @@
               </a:spcAft>
             </a:pPr>
             <a:r>
-              <a:rPr lang="en-US" altLang="ja-JP" sz="2801" dirty="0" err="1">
+              <a:rPr lang="en-US" altLang="ja-JP" sz="2800" dirty="0" err="1">
                 <a:solidFill>
                   <a:schemeClr val="tx1"/>
                 </a:solidFill>
@@ -3766,7 +3766,7 @@
         </p:nvSpPr>
         <p:spPr bwMode="auto">
           <a:xfrm>
-            <a:off x="352499" y="11274395"/>
+            <a:off x="1211334" y="11274396"/>
             <a:ext cx="4302628" cy="1437271"/>
           </a:xfrm>
           <a:prstGeom prst="rect">
@@ -3813,7 +3813,7 @@
               </a:spcAft>
             </a:pPr>
             <a:r>
-              <a:rPr lang="en-US" altLang="ja-JP" sz="2801" dirty="0" err="1">
+              <a:rPr lang="en-US" altLang="ja-JP" sz="2800" dirty="0" err="1">
                 <a:solidFill>
                   <a:schemeClr val="tx1"/>
                 </a:solidFill>
@@ -3823,7 +3823,7 @@
               </a:rPr>
               <a:t>tEthernetInput</a:t>
             </a:r>
-            <a:endParaRPr lang="en-US" altLang="ja-JP" sz="2801" dirty="0">
+            <a:endParaRPr lang="en-US" altLang="ja-JP" sz="2800" dirty="0">
               <a:solidFill>
                 <a:schemeClr val="tx1"/>
               </a:solidFill>
@@ -3845,7 +3845,7 @@
               </a:spcAft>
             </a:pPr>
             <a:r>
-              <a:rPr lang="en-US" altLang="ja-JP" sz="2801" dirty="0" err="1">
+              <a:rPr lang="en-US" altLang="ja-JP" sz="2800" dirty="0" err="1">
                 <a:solidFill>
                   <a:schemeClr val="tx1"/>
                 </a:solidFill>
@@ -3855,7 +3855,7 @@
               </a:rPr>
               <a:t>TaskBody</a:t>
             </a:r>
-            <a:endParaRPr lang="en-US" altLang="ja-JP" sz="2801" dirty="0">
+            <a:endParaRPr lang="en-US" altLang="ja-JP" sz="2800" dirty="0">
               <a:solidFill>
                 <a:schemeClr val="tx1"/>
               </a:solidFill>
@@ -3874,7 +3874,7 @@
         </p:nvSpPr>
         <p:spPr bwMode="auto">
           <a:xfrm>
-            <a:off x="8774143" y="5870238"/>
+            <a:off x="9632979" y="5870239"/>
             <a:ext cx="1878999" cy="870821"/>
           </a:xfrm>
           <a:prstGeom prst="rect">
@@ -3921,7 +3921,7 @@
               </a:spcAft>
             </a:pPr>
             <a:r>
-              <a:rPr lang="en-US" altLang="ja-JP" sz="2801" dirty="0" err="1" smtClean="0">
+              <a:rPr lang="en-US" altLang="ja-JP" sz="2800" dirty="0" err="1">
                 <a:solidFill>
                   <a:schemeClr val="tx1"/>
                 </a:solidFill>
@@ -3931,7 +3931,7 @@
               </a:rPr>
               <a:t>tICMP</a:t>
             </a:r>
-            <a:endParaRPr lang="en-US" altLang="ja-JP" sz="2801" dirty="0">
+            <a:endParaRPr lang="en-US" altLang="ja-JP" sz="2800" dirty="0">
               <a:solidFill>
                 <a:schemeClr val="tx1"/>
               </a:solidFill>
@@ -3950,7 +3950,7 @@
         </p:nvSpPr>
         <p:spPr bwMode="auto">
           <a:xfrm>
-            <a:off x="352499" y="7393778"/>
+            <a:off x="1211334" y="7393779"/>
             <a:ext cx="2843128" cy="1095423"/>
           </a:xfrm>
           <a:prstGeom prst="rect">
@@ -3997,7 +3997,7 @@
               </a:spcAft>
             </a:pPr>
             <a:r>
-              <a:rPr lang="en-US" altLang="ja-JP" sz="2801" dirty="0">
+              <a:rPr lang="en-US" altLang="ja-JP" sz="2800" dirty="0">
                 <a:solidFill>
                   <a:schemeClr val="tx1"/>
                 </a:solidFill>
@@ -4021,7 +4021,7 @@
               </a:spcAft>
             </a:pPr>
             <a:r>
-              <a:rPr lang="en-US" altLang="ja-JP" sz="2801" dirty="0">
+              <a:rPr lang="en-US" altLang="ja-JP" sz="2800" dirty="0">
                 <a:solidFill>
                   <a:schemeClr val="tx1"/>
                 </a:solidFill>
@@ -4042,7 +4042,7 @@
         </p:nvSpPr>
         <p:spPr bwMode="auto">
           <a:xfrm>
-            <a:off x="5211808" y="9590382"/>
+            <a:off x="6070644" y="9590382"/>
             <a:ext cx="1759085" cy="870820"/>
           </a:xfrm>
           <a:prstGeom prst="rect">
@@ -4089,7 +4089,7 @@
               </a:spcAft>
             </a:pPr>
             <a:r>
-              <a:rPr lang="en-US" altLang="ja-JP" sz="2801" dirty="0" err="1">
+              <a:rPr lang="en-US" altLang="ja-JP" sz="2800" dirty="0" err="1">
                 <a:solidFill>
                   <a:schemeClr val="tx1"/>
                 </a:solidFill>
@@ -4099,7 +4099,7 @@
               </a:rPr>
               <a:t>tArp</a:t>
             </a:r>
-            <a:endParaRPr lang="en-US" altLang="ja-JP" sz="2801" dirty="0">
+            <a:endParaRPr lang="en-US" altLang="ja-JP" sz="2800" dirty="0">
               <a:solidFill>
                 <a:schemeClr val="tx1"/>
               </a:solidFill>
@@ -4118,7 +4118,7 @@
         </p:nvSpPr>
         <p:spPr bwMode="auto">
           <a:xfrm>
-            <a:off x="328503" y="13270097"/>
+            <a:off x="1187339" y="13270098"/>
             <a:ext cx="11525693" cy="936183"/>
           </a:xfrm>
           <a:prstGeom prst="rect">
@@ -4165,7 +4165,7 @@
               </a:spcAft>
             </a:pPr>
             <a:r>
-              <a:rPr lang="en-US" altLang="ja-JP" sz="2801" dirty="0" err="1">
+              <a:rPr lang="en-US" altLang="ja-JP" sz="2800" dirty="0" err="1">
                 <a:solidFill>
                   <a:schemeClr val="tx1"/>
                 </a:solidFill>
@@ -4176,7 +4176,7 @@
               <a:t>tNetworkInterfaceController</a:t>
             </a:r>
             <a:r>
-              <a:rPr lang="en-US" altLang="ja-JP" sz="2801" dirty="0">
+              <a:rPr lang="en-US" altLang="ja-JP" sz="2800" dirty="0">
                 <a:solidFill>
                   <a:schemeClr val="tx1"/>
                 </a:solidFill>
@@ -4230,7 +4230,7 @@
         </p:nvSpPr>
         <p:spPr bwMode="auto">
           <a:xfrm>
-            <a:off x="7550727" y="11274397"/>
+            <a:off x="8409563" y="11274397"/>
             <a:ext cx="4325833" cy="1437270"/>
           </a:xfrm>
           <a:prstGeom prst="rect">
@@ -4277,7 +4277,7 @@
               </a:spcAft>
             </a:pPr>
             <a:r>
-              <a:rPr lang="en-US" altLang="ja-JP" sz="2801" dirty="0" err="1">
+              <a:rPr lang="en-US" altLang="ja-JP" sz="2800" dirty="0" err="1">
                 <a:solidFill>
                   <a:schemeClr val="tx1"/>
                 </a:solidFill>
@@ -4287,7 +4287,7 @@
               </a:rPr>
               <a:t>tEthernetOutput</a:t>
             </a:r>
-            <a:endParaRPr lang="en-US" altLang="ja-JP" sz="2801" dirty="0">
+            <a:endParaRPr lang="en-US" altLang="ja-JP" sz="2800" dirty="0">
               <a:solidFill>
                 <a:schemeClr val="tx1"/>
               </a:solidFill>
@@ -4309,7 +4309,7 @@
               </a:spcAft>
             </a:pPr>
             <a:r>
-              <a:rPr lang="en-US" altLang="ja-JP" sz="2801" dirty="0" err="1">
+              <a:rPr lang="en-US" altLang="ja-JP" sz="2800" dirty="0" err="1">
                 <a:solidFill>
                   <a:schemeClr val="tx1"/>
                 </a:solidFill>
@@ -4319,7 +4319,7 @@
               </a:rPr>
               <a:t>TaskBody</a:t>
             </a:r>
-            <a:endParaRPr lang="en-US" altLang="ja-JP" sz="2801" dirty="0">
+            <a:endParaRPr lang="en-US" altLang="ja-JP" sz="2800" dirty="0">
               <a:solidFill>
                 <a:schemeClr val="tx1"/>
               </a:solidFill>
@@ -4338,7 +4338,7 @@
         </p:nvSpPr>
         <p:spPr bwMode="auto">
           <a:xfrm>
-            <a:off x="8197160" y="9762054"/>
+            <a:off x="9055996" y="9762055"/>
             <a:ext cx="3668777" cy="844793"/>
           </a:xfrm>
           <a:prstGeom prst="rect">
@@ -4385,7 +4385,7 @@
               </a:spcAft>
             </a:pPr>
             <a:r>
-              <a:rPr lang="en-US" altLang="ja-JP" sz="2801" dirty="0" err="1">
+              <a:rPr lang="en-US" altLang="ja-JP" sz="2800" dirty="0" err="1">
                 <a:solidFill>
                   <a:schemeClr val="tx1"/>
                 </a:solidFill>
@@ -4414,7 +4414,7 @@
         </p:nvSpPr>
         <p:spPr bwMode="auto">
           <a:xfrm>
-            <a:off x="8995147" y="7393778"/>
+            <a:off x="9853982" y="7393778"/>
             <a:ext cx="2895130" cy="1285112"/>
           </a:xfrm>
           <a:prstGeom prst="rect">
@@ -4461,7 +4461,7 @@
               </a:spcAft>
             </a:pPr>
             <a:r>
-              <a:rPr lang="en-US" altLang="ja-JP" sz="2801" dirty="0">
+              <a:rPr lang="en-US" altLang="ja-JP" sz="2800" dirty="0">
                 <a:solidFill>
                   <a:schemeClr val="tx1"/>
                 </a:solidFill>
@@ -4485,7 +4485,7 @@
               </a:spcAft>
             </a:pPr>
             <a:r>
-              <a:rPr lang="en-US" altLang="ja-JP" sz="2801" dirty="0">
+              <a:rPr lang="en-US" altLang="ja-JP" sz="2800" dirty="0">
                 <a:solidFill>
                   <a:schemeClr val="tx1"/>
                 </a:solidFill>
@@ -4506,7 +4506,7 @@
         </p:nvSpPr>
         <p:spPr bwMode="auto">
           <a:xfrm>
-            <a:off x="4301836" y="5870238"/>
+            <a:off x="5160671" y="5870238"/>
             <a:ext cx="3595256" cy="870822"/>
           </a:xfrm>
           <a:prstGeom prst="rect">
@@ -4553,7 +4553,7 @@
               </a:spcAft>
             </a:pPr>
             <a:r>
-              <a:rPr lang="en-US" altLang="ja-JP" sz="2801" dirty="0">
+              <a:rPr lang="en-US" altLang="ja-JP" sz="2800" dirty="0">
                 <a:solidFill>
                   <a:schemeClr val="tx1"/>
                 </a:solidFill>
@@ -4574,7 +4574,7 @@
         </p:nvSpPr>
         <p:spPr bwMode="auto">
           <a:xfrm>
-            <a:off x="352498" y="3591262"/>
+            <a:off x="1211333" y="3591262"/>
             <a:ext cx="2158812" cy="1550344"/>
           </a:xfrm>
           <a:prstGeom prst="rect">
@@ -4621,7 +4621,7 @@
               </a:spcAft>
             </a:pPr>
             <a:r>
-              <a:rPr lang="en-US" altLang="ja-JP" sz="2801" dirty="0" err="1">
+              <a:rPr lang="en-US" altLang="ja-JP" sz="2800" dirty="0" err="1">
                 <a:solidFill>
                   <a:schemeClr val="tx1"/>
                 </a:solidFill>
@@ -4631,7 +4631,7 @@
               </a:rPr>
               <a:t>tUDP</a:t>
             </a:r>
-            <a:endParaRPr lang="en-US" altLang="ja-JP" sz="2801" dirty="0">
+            <a:endParaRPr lang="en-US" altLang="ja-JP" sz="2800" dirty="0">
               <a:solidFill>
                 <a:schemeClr val="tx1"/>
               </a:solidFill>
@@ -4653,7 +4653,7 @@
               </a:spcAft>
             </a:pPr>
             <a:r>
-              <a:rPr lang="en-US" altLang="ja-JP" sz="2801" dirty="0">
+              <a:rPr lang="en-US" altLang="ja-JP" sz="2800" dirty="0">
                 <a:solidFill>
                   <a:schemeClr val="tx1"/>
                 </a:solidFill>
@@ -4663,7 +4663,7 @@
               </a:rPr>
               <a:t>Input</a:t>
             </a:r>
-            <a:endParaRPr lang="ja-JP" altLang="en-US" sz="2801" dirty="0">
+            <a:endParaRPr lang="ja-JP" altLang="en-US" sz="2800" dirty="0">
               <a:solidFill>
                 <a:schemeClr val="tx1"/>
               </a:solidFill>
@@ -4682,7 +4682,7 @@
         </p:nvSpPr>
         <p:spPr bwMode="auto">
           <a:xfrm>
-            <a:off x="3291033" y="3591268"/>
+            <a:off x="4149868" y="3591268"/>
             <a:ext cx="2124486" cy="1550344"/>
           </a:xfrm>
           <a:prstGeom prst="rect">
@@ -4729,7 +4729,7 @@
               </a:spcAft>
             </a:pPr>
             <a:r>
-              <a:rPr lang="en-US" altLang="ja-JP" sz="2801" dirty="0" err="1">
+              <a:rPr lang="en-US" altLang="ja-JP" sz="2800" dirty="0" err="1">
                 <a:solidFill>
                   <a:schemeClr val="tx1"/>
                 </a:solidFill>
@@ -4739,7 +4739,7 @@
               </a:rPr>
               <a:t>tUDP</a:t>
             </a:r>
-            <a:endParaRPr lang="en-US" altLang="ja-JP" sz="2801" dirty="0">
+            <a:endParaRPr lang="en-US" altLang="ja-JP" sz="2800" dirty="0">
               <a:solidFill>
                 <a:schemeClr val="tx1"/>
               </a:solidFill>
@@ -4761,7 +4761,7 @@
               </a:spcAft>
             </a:pPr>
             <a:r>
-              <a:rPr lang="en-US" altLang="ja-JP" sz="2801" dirty="0">
+              <a:rPr lang="en-US" altLang="ja-JP" sz="2800" dirty="0">
                 <a:solidFill>
                   <a:schemeClr val="tx1"/>
                 </a:solidFill>
@@ -4771,7 +4771,7 @@
               </a:rPr>
               <a:t>Output</a:t>
             </a:r>
-            <a:endParaRPr lang="ja-JP" altLang="en-US" sz="2801" dirty="0">
+            <a:endParaRPr lang="ja-JP" altLang="en-US" sz="2800" dirty="0">
               <a:solidFill>
                 <a:schemeClr val="tx1"/>
               </a:solidFill>
@@ -4790,7 +4790,7 @@
         </p:nvSpPr>
         <p:spPr bwMode="auto">
           <a:xfrm>
-            <a:off x="346205" y="2130256"/>
+            <a:off x="1205041" y="2130256"/>
             <a:ext cx="3570309" cy="870822"/>
           </a:xfrm>
           <a:prstGeom prst="rect">
@@ -4837,7 +4837,7 @@
               </a:spcAft>
             </a:pPr>
             <a:r>
-              <a:rPr lang="en-US" altLang="ja-JP" sz="2801" dirty="0" err="1">
+              <a:rPr lang="en-US" altLang="ja-JP" sz="2800" dirty="0" err="1">
                 <a:solidFill>
                   <a:schemeClr val="tx1"/>
                 </a:solidFill>
@@ -4866,7 +4866,7 @@
         </p:nvSpPr>
         <p:spPr bwMode="auto">
           <a:xfrm>
-            <a:off x="5018567" y="2130255"/>
+            <a:off x="5877402" y="2130256"/>
             <a:ext cx="2169042" cy="870821"/>
           </a:xfrm>
           <a:prstGeom prst="rect">
@@ -4913,7 +4913,7 @@
               </a:spcAft>
             </a:pPr>
             <a:r>
-              <a:rPr lang="en-US" altLang="ja-JP" sz="2801" dirty="0" err="1">
+              <a:rPr lang="en-US" altLang="ja-JP" sz="2800" dirty="0" err="1">
                 <a:solidFill>
                   <a:schemeClr val="tx1"/>
                 </a:solidFill>
@@ -4942,7 +4942,7 @@
         </p:nvSpPr>
         <p:spPr bwMode="auto">
           <a:xfrm>
-            <a:off x="6868420" y="3591265"/>
+            <a:off x="7727256" y="3591266"/>
             <a:ext cx="2126727" cy="1550345"/>
           </a:xfrm>
           <a:prstGeom prst="rect">
@@ -4989,7 +4989,7 @@
               </a:spcAft>
             </a:pPr>
             <a:r>
-              <a:rPr lang="en-US" altLang="ja-JP" sz="2801" dirty="0" err="1">
+              <a:rPr lang="en-US" altLang="ja-JP" sz="2800" dirty="0" err="1">
                 <a:solidFill>
                   <a:schemeClr val="tx1"/>
                 </a:solidFill>
@@ -4999,7 +4999,7 @@
               </a:rPr>
               <a:t>tTCP</a:t>
             </a:r>
-            <a:endParaRPr lang="en-US" altLang="ja-JP" sz="2801" dirty="0">
+            <a:endParaRPr lang="en-US" altLang="ja-JP" sz="2800" dirty="0">
               <a:solidFill>
                 <a:schemeClr val="tx1"/>
               </a:solidFill>
@@ -5021,7 +5021,7 @@
               </a:spcAft>
             </a:pPr>
             <a:r>
-              <a:rPr lang="en-US" altLang="ja-JP" sz="2801" dirty="0">
+              <a:rPr lang="en-US" altLang="ja-JP" sz="2800" dirty="0">
                 <a:solidFill>
                   <a:schemeClr val="tx1"/>
                 </a:solidFill>
@@ -5042,7 +5042,7 @@
         </p:nvSpPr>
         <p:spPr bwMode="auto">
           <a:xfrm>
-            <a:off x="8221500" y="2130255"/>
+            <a:off x="9080335" y="2130256"/>
             <a:ext cx="3655060" cy="870821"/>
           </a:xfrm>
           <a:prstGeom prst="rect">
@@ -5089,7 +5089,7 @@
               </a:spcAft>
             </a:pPr>
             <a:r>
-              <a:rPr lang="en-US" altLang="ja-JP" sz="2801" dirty="0" err="1">
+              <a:rPr lang="en-US" altLang="ja-JP" sz="2800" dirty="0" err="1">
                 <a:solidFill>
                   <a:schemeClr val="tx1"/>
                 </a:solidFill>
@@ -5118,7 +5118,7 @@
         </p:nvSpPr>
         <p:spPr bwMode="auto">
           <a:xfrm>
-            <a:off x="9466731" y="3551776"/>
+            <a:off x="10325566" y="3551777"/>
             <a:ext cx="2409830" cy="1589837"/>
           </a:xfrm>
           <a:prstGeom prst="rect">
@@ -5165,7 +5165,7 @@
               </a:spcAft>
             </a:pPr>
             <a:r>
-              <a:rPr lang="en-US" altLang="ja-JP" sz="2801" dirty="0" err="1" smtClean="0">
+              <a:rPr lang="en-US" altLang="ja-JP" sz="2800" dirty="0" err="1">
                 <a:solidFill>
                   <a:schemeClr val="tx1"/>
                 </a:solidFill>
@@ -5175,7 +5175,7 @@
               </a:rPr>
               <a:t>tTCPOutput</a:t>
             </a:r>
-            <a:endParaRPr lang="en-US" altLang="ja-JP" sz="2801" dirty="0" smtClean="0">
+            <a:endParaRPr lang="en-US" altLang="ja-JP" sz="2800" dirty="0">
               <a:solidFill>
                 <a:schemeClr val="tx1"/>
               </a:solidFill>
@@ -5197,7 +5197,7 @@
               </a:spcAft>
             </a:pPr>
             <a:r>
-              <a:rPr lang="en-US" altLang="ja-JP" sz="2801" dirty="0" err="1" smtClean="0">
+              <a:rPr lang="en-US" altLang="ja-JP" sz="2800" dirty="0" err="1">
                 <a:solidFill>
                   <a:schemeClr val="tx1"/>
                 </a:solidFill>
@@ -5207,7 +5207,7 @@
               </a:rPr>
               <a:t>TaskBody</a:t>
             </a:r>
-            <a:endParaRPr lang="en-US" altLang="ja-JP" sz="2801" dirty="0">
+            <a:endParaRPr lang="en-US" altLang="ja-JP" sz="2800" dirty="0">
               <a:solidFill>
                 <a:schemeClr val="tx1"/>
               </a:solidFill>
@@ -5226,7 +5226,7 @@
         </p:nvSpPr>
         <p:spPr>
           <a:xfrm rot="10800000">
-            <a:off x="1927847" y="2138368"/>
+            <a:off x="2786682" y="2138368"/>
             <a:ext cx="407024" cy="282104"/>
           </a:xfrm>
           <a:prstGeom prst="triangle">
@@ -5254,7 +5254,7 @@
           <a:lstStyle/>
           <a:p>
             <a:pPr algn="ctr"/>
-            <a:endParaRPr kumimoji="1" lang="ja-JP" altLang="en-US"/>
+            <a:endParaRPr lang="ja-JP" altLang="en-US"/>
           </a:p>
         </p:txBody>
       </p:sp>
@@ -5266,7 +5266,7 @@
         </p:nvSpPr>
         <p:spPr>
           <a:xfrm rot="10800000">
-            <a:off x="5899576" y="2138368"/>
+            <a:off x="6758411" y="2138368"/>
             <a:ext cx="407024" cy="282104"/>
           </a:xfrm>
           <a:prstGeom prst="triangle">
@@ -5294,7 +5294,7 @@
           <a:lstStyle/>
           <a:p>
             <a:pPr algn="ctr"/>
-            <a:endParaRPr kumimoji="1" lang="ja-JP" altLang="en-US"/>
+            <a:endParaRPr lang="ja-JP" altLang="en-US"/>
           </a:p>
         </p:txBody>
       </p:sp>
@@ -5306,7 +5306,7 @@
         </p:nvSpPr>
         <p:spPr>
           <a:xfrm rot="10800000">
-            <a:off x="9852376" y="2130255"/>
+            <a:off x="10711211" y="2130255"/>
             <a:ext cx="407024" cy="282104"/>
           </a:xfrm>
           <a:prstGeom prst="triangle">
@@ -5334,7 +5334,7 @@
           <a:lstStyle/>
           <a:p>
             <a:pPr algn="ctr"/>
-            <a:endParaRPr kumimoji="1" lang="ja-JP" altLang="en-US"/>
+            <a:endParaRPr lang="ja-JP" altLang="en-US"/>
           </a:p>
         </p:txBody>
       </p:sp>
@@ -5346,7 +5346,7 @@
         </p:nvCxnSpPr>
         <p:spPr>
           <a:xfrm>
-            <a:off x="2131358" y="1214230"/>
+            <a:off x="2990193" y="1214230"/>
             <a:ext cx="0" cy="1170790"/>
           </a:xfrm>
           <a:prstGeom prst="line">
@@ -5376,7 +5376,7 @@
         </p:nvCxnSpPr>
         <p:spPr>
           <a:xfrm>
-            <a:off x="6091349" y="1214230"/>
+            <a:off x="6950184" y="1214230"/>
             <a:ext cx="0" cy="1170790"/>
           </a:xfrm>
           <a:prstGeom prst="line">
@@ -5406,7 +5406,7 @@
         </p:nvCxnSpPr>
         <p:spPr>
           <a:xfrm>
-            <a:off x="10055888" y="1241569"/>
+            <a:off x="10914723" y="1241569"/>
             <a:ext cx="0" cy="1170790"/>
           </a:xfrm>
           <a:prstGeom prst="line">
@@ -5438,7 +5438,7 @@
         </p:nvCxnSpPr>
         <p:spPr>
           <a:xfrm>
-            <a:off x="1431904" y="3033661"/>
+            <a:off x="2290739" y="3033662"/>
             <a:ext cx="0" cy="557601"/>
           </a:xfrm>
           <a:prstGeom prst="line">
@@ -5468,7 +5468,7 @@
         </p:nvSpPr>
         <p:spPr>
           <a:xfrm>
-            <a:off x="1228392" y="2718963"/>
+            <a:off x="2087227" y="2718963"/>
             <a:ext cx="407024" cy="282104"/>
           </a:xfrm>
           <a:prstGeom prst="triangle">
@@ -5496,7 +5496,7 @@
           <a:lstStyle/>
           <a:p>
             <a:pPr algn="ctr"/>
-            <a:endParaRPr kumimoji="1" lang="ja-JP" altLang="en-US"/>
+            <a:endParaRPr lang="ja-JP" altLang="en-US"/>
           </a:p>
         </p:txBody>
       </p:sp>
@@ -5508,7 +5508,7 @@
         </p:nvSpPr>
         <p:spPr>
           <a:xfrm>
-            <a:off x="8588123" y="2731031"/>
+            <a:off x="9446958" y="2731031"/>
             <a:ext cx="407024" cy="282104"/>
           </a:xfrm>
           <a:prstGeom prst="triangle">
@@ -5536,7 +5536,7 @@
           <a:lstStyle/>
           <a:p>
             <a:pPr algn="ctr"/>
-            <a:endParaRPr kumimoji="1" lang="ja-JP" altLang="en-US"/>
+            <a:endParaRPr lang="ja-JP" altLang="en-US"/>
           </a:p>
         </p:txBody>
       </p:sp>
@@ -5548,7 +5548,7 @@
         </p:nvSpPr>
         <p:spPr>
           <a:xfrm>
-            <a:off x="10468134" y="2715998"/>
+            <a:off x="11326969" y="2715998"/>
             <a:ext cx="407024" cy="282104"/>
           </a:xfrm>
           <a:prstGeom prst="triangle">
@@ -5576,7 +5576,7 @@
           <a:lstStyle/>
           <a:p>
             <a:pPr algn="ctr"/>
-            <a:endParaRPr kumimoji="1" lang="ja-JP" altLang="en-US"/>
+            <a:endParaRPr lang="ja-JP" altLang="en-US"/>
           </a:p>
         </p:txBody>
       </p:sp>
@@ -5588,7 +5588,7 @@
         </p:nvCxnSpPr>
         <p:spPr>
           <a:xfrm>
-            <a:off x="8791635" y="3001076"/>
+            <a:off x="9650470" y="3001077"/>
             <a:ext cx="2242" cy="605135"/>
           </a:xfrm>
           <a:prstGeom prst="line">
@@ -5618,7 +5618,7 @@
         </p:nvCxnSpPr>
         <p:spPr>
           <a:xfrm>
-            <a:off x="10671646" y="2953348"/>
+            <a:off x="11530481" y="2953349"/>
             <a:ext cx="2242" cy="605135"/>
           </a:xfrm>
           <a:prstGeom prst="line">
@@ -5648,7 +5648,7 @@
         </p:nvSpPr>
         <p:spPr>
           <a:xfrm rot="10800000">
-            <a:off x="3387205" y="3609190"/>
+            <a:off x="4246040" y="3609190"/>
             <a:ext cx="407024" cy="282104"/>
           </a:xfrm>
           <a:prstGeom prst="triangle">
@@ -5676,7 +5676,7 @@
           <a:lstStyle/>
           <a:p>
             <a:pPr algn="ctr"/>
-            <a:endParaRPr kumimoji="1" lang="ja-JP" altLang="en-US"/>
+            <a:endParaRPr lang="ja-JP" altLang="en-US"/>
           </a:p>
         </p:txBody>
       </p:sp>
@@ -5688,7 +5688,7 @@
         </p:nvCxnSpPr>
         <p:spPr>
           <a:xfrm>
-            <a:off x="3590716" y="3019000"/>
+            <a:off x="4449551" y="3019000"/>
             <a:ext cx="0" cy="836842"/>
           </a:xfrm>
           <a:prstGeom prst="line">
@@ -5718,7 +5718,7 @@
         </p:nvSpPr>
         <p:spPr>
           <a:xfrm rot="10800000">
-            <a:off x="11189078" y="3573738"/>
+            <a:off x="12047913" y="3573738"/>
             <a:ext cx="407024" cy="282104"/>
           </a:xfrm>
           <a:prstGeom prst="triangle">
@@ -5746,7 +5746,7 @@
           <a:lstStyle/>
           <a:p>
             <a:pPr algn="ctr"/>
-            <a:endParaRPr kumimoji="1" lang="ja-JP" altLang="en-US"/>
+            <a:endParaRPr lang="ja-JP" altLang="en-US"/>
           </a:p>
         </p:txBody>
       </p:sp>
@@ -5758,7 +5758,7 @@
         </p:nvCxnSpPr>
         <p:spPr>
           <a:xfrm>
-            <a:off x="11378986" y="2998102"/>
+            <a:off x="12237821" y="2998102"/>
             <a:ext cx="0" cy="836842"/>
           </a:xfrm>
           <a:prstGeom prst="line">
@@ -5782,19 +5782,1251 @@
       </p:cxnSp>
       <p:cxnSp>
         <p:nvCxnSpPr>
-          <p:cNvPr id="56" name="直線コネクタ 55"/>
+          <p:cNvPr id="59" name="直線コネクタ 58"/>
           <p:cNvCxnSpPr/>
           <p:nvPr/>
         </p:nvCxnSpPr>
         <p:spPr>
           <a:xfrm>
-            <a:off x="-23450" y="5499926"/>
-            <a:ext cx="12192000" cy="15781"/>
+            <a:off x="2284683" y="5163493"/>
+            <a:ext cx="6057" cy="2228523"/>
           </a:xfrm>
           <a:prstGeom prst="line">
             <a:avLst/>
           </a:prstGeom>
-          <a:ln w="38100">
+        </p:spPr>
+        <p:style>
+          <a:lnRef idx="1">
+            <a:schemeClr val="dk1"/>
+          </a:lnRef>
+          <a:fillRef idx="0">
+            <a:schemeClr val="dk1"/>
+          </a:fillRef>
+          <a:effectRef idx="0">
+            <a:schemeClr val="dk1"/>
+          </a:effectRef>
+          <a:fontRef idx="minor">
+            <a:schemeClr val="tx1"/>
+          </a:fontRef>
+        </p:style>
+      </p:cxnSp>
+      <p:sp>
+        <p:nvSpPr>
+          <p:cNvPr id="60" name="二等辺三角形 59"/>
+          <p:cNvSpPr/>
+          <p:nvPr/>
+        </p:nvSpPr>
+        <p:spPr>
+          <a:xfrm>
+            <a:off x="2081170" y="4848794"/>
+            <a:ext cx="407024" cy="282104"/>
+          </a:xfrm>
+          <a:prstGeom prst="triangle">
+            <a:avLst/>
+          </a:prstGeom>
+        </p:spPr>
+        <p:style>
+          <a:lnRef idx="2">
+            <a:schemeClr val="dk1">
+              <a:shade val="50000"/>
+            </a:schemeClr>
+          </a:lnRef>
+          <a:fillRef idx="1">
+            <a:schemeClr val="dk1"/>
+          </a:fillRef>
+          <a:effectRef idx="0">
+            <a:schemeClr val="dk1"/>
+          </a:effectRef>
+          <a:fontRef idx="minor">
+            <a:schemeClr val="lt1"/>
+          </a:fontRef>
+        </p:style>
+        <p:txBody>
+          <a:bodyPr rtlCol="0" anchor="ctr"/>
+          <a:lstStyle/>
+          <a:p>
+            <a:pPr algn="ctr"/>
+            <a:endParaRPr lang="ja-JP" altLang="en-US"/>
+          </a:p>
+        </p:txBody>
+      </p:sp>
+      <p:cxnSp>
+        <p:nvCxnSpPr>
+          <p:cNvPr id="62" name="直線コネクタ 61"/>
+          <p:cNvCxnSpPr>
+            <a:endCxn id="24" idx="0"/>
+          </p:cNvCxnSpPr>
+          <p:nvPr/>
+        </p:nvCxnSpPr>
+        <p:spPr>
+          <a:xfrm flipH="1">
+            <a:off x="3362648" y="8489201"/>
+            <a:ext cx="7498" cy="2785194"/>
+          </a:xfrm>
+          <a:prstGeom prst="line">
+            <a:avLst/>
+          </a:prstGeom>
+        </p:spPr>
+        <p:style>
+          <a:lnRef idx="1">
+            <a:schemeClr val="dk1"/>
+          </a:lnRef>
+          <a:fillRef idx="0">
+            <a:schemeClr val="dk1"/>
+          </a:fillRef>
+          <a:effectRef idx="0">
+            <a:schemeClr val="dk1"/>
+          </a:effectRef>
+          <a:fontRef idx="minor">
+            <a:schemeClr val="tx1"/>
+          </a:fontRef>
+        </p:style>
+      </p:cxnSp>
+      <p:sp>
+        <p:nvSpPr>
+          <p:cNvPr id="63" name="二等辺三角形 62"/>
+          <p:cNvSpPr/>
+          <p:nvPr/>
+        </p:nvSpPr>
+        <p:spPr>
+          <a:xfrm>
+            <a:off x="3159136" y="8207097"/>
+            <a:ext cx="407024" cy="282104"/>
+          </a:xfrm>
+          <a:prstGeom prst="triangle">
+            <a:avLst/>
+          </a:prstGeom>
+        </p:spPr>
+        <p:style>
+          <a:lnRef idx="2">
+            <a:schemeClr val="dk1">
+              <a:shade val="50000"/>
+            </a:schemeClr>
+          </a:lnRef>
+          <a:fillRef idx="1">
+            <a:schemeClr val="dk1"/>
+          </a:fillRef>
+          <a:effectRef idx="0">
+            <a:schemeClr val="dk1"/>
+          </a:effectRef>
+          <a:fontRef idx="minor">
+            <a:schemeClr val="lt1"/>
+          </a:fontRef>
+        </p:style>
+        <p:txBody>
+          <a:bodyPr rtlCol="0" anchor="ctr"/>
+          <a:lstStyle/>
+          <a:p>
+            <a:pPr algn="ctr"/>
+            <a:endParaRPr lang="ja-JP" altLang="en-US"/>
+          </a:p>
+        </p:txBody>
+      </p:sp>
+      <p:cxnSp>
+        <p:nvCxnSpPr>
+          <p:cNvPr id="65" name="直線コネクタ 64"/>
+          <p:cNvCxnSpPr>
+            <a:endCxn id="22" idx="0"/>
+          </p:cNvCxnSpPr>
+          <p:nvPr/>
+        </p:nvCxnSpPr>
+        <p:spPr>
+          <a:xfrm flipH="1">
+            <a:off x="6950186" y="6765234"/>
+            <a:ext cx="8072" cy="2825149"/>
+          </a:xfrm>
+          <a:prstGeom prst="line">
+            <a:avLst/>
+          </a:prstGeom>
+        </p:spPr>
+        <p:style>
+          <a:lnRef idx="1">
+            <a:schemeClr val="dk1"/>
+          </a:lnRef>
+          <a:fillRef idx="0">
+            <a:schemeClr val="dk1"/>
+          </a:fillRef>
+          <a:effectRef idx="0">
+            <a:schemeClr val="dk1"/>
+          </a:effectRef>
+          <a:fontRef idx="minor">
+            <a:schemeClr val="tx1"/>
+          </a:fontRef>
+        </p:style>
+      </p:cxnSp>
+      <p:sp>
+        <p:nvSpPr>
+          <p:cNvPr id="66" name="二等辺三角形 65"/>
+          <p:cNvSpPr/>
+          <p:nvPr/>
+        </p:nvSpPr>
+        <p:spPr>
+          <a:xfrm>
+            <a:off x="6754746" y="6450535"/>
+            <a:ext cx="407024" cy="282104"/>
+          </a:xfrm>
+          <a:prstGeom prst="triangle">
+            <a:avLst/>
+          </a:prstGeom>
+        </p:spPr>
+        <p:style>
+          <a:lnRef idx="2">
+            <a:schemeClr val="dk1">
+              <a:shade val="50000"/>
+            </a:schemeClr>
+          </a:lnRef>
+          <a:fillRef idx="1">
+            <a:schemeClr val="dk1"/>
+          </a:fillRef>
+          <a:effectRef idx="0">
+            <a:schemeClr val="dk1"/>
+          </a:effectRef>
+          <a:fontRef idx="minor">
+            <a:schemeClr val="lt1"/>
+          </a:fontRef>
+        </p:style>
+        <p:txBody>
+          <a:bodyPr rtlCol="0" anchor="ctr"/>
+          <a:lstStyle/>
+          <a:p>
+            <a:pPr algn="ctr"/>
+            <a:endParaRPr lang="ja-JP" altLang="en-US"/>
+          </a:p>
+        </p:txBody>
+      </p:sp>
+      <p:sp>
+        <p:nvSpPr>
+          <p:cNvPr id="21" name="正方形/長方形 20"/>
+          <p:cNvSpPr/>
+          <p:nvPr/>
+        </p:nvSpPr>
+        <p:spPr bwMode="auto">
+          <a:xfrm>
+            <a:off x="7153698" y="7840567"/>
+            <a:ext cx="2443118" cy="836380"/>
+          </a:xfrm>
+          <a:prstGeom prst="rect">
+            <a:avLst/>
+          </a:prstGeom>
+          <a:ln>
+            <a:headEnd type="none" w="med" len="med"/>
+            <a:tailEnd type="triangle" w="med" len="med"/>
+          </a:ln>
+          <a:extLst/>
+        </p:spPr>
+        <p:style>
+          <a:lnRef idx="2">
+            <a:schemeClr val="dk1"/>
+          </a:lnRef>
+          <a:fillRef idx="1">
+            <a:schemeClr val="lt1"/>
+          </a:fillRef>
+          <a:effectRef idx="0">
+            <a:schemeClr val="dk1"/>
+          </a:effectRef>
+          <a:fontRef idx="minor">
+            <a:schemeClr val="dk1"/>
+          </a:fontRef>
+        </p:style>
+        <p:txBody>
+          <a:bodyPr vert="horz" wrap="square" lIns="189208" tIns="98388" rIns="189208" bIns="98388" numCol="1" rtlCol="0" anchor="ctr" anchorCtr="0" compatLnSpc="1">
+            <a:prstTxWarp prst="textNoShape">
+              <a:avLst/>
+            </a:prstTxWarp>
+            <a:noAutofit/>
+          </a:bodyPr>
+          <a:lstStyle/>
+          <a:p>
+            <a:pPr algn="ctr" defTabSz="1922240" fontAlgn="base">
+              <a:lnSpc>
+                <a:spcPct val="90000"/>
+              </a:lnSpc>
+              <a:spcBef>
+                <a:spcPct val="20000"/>
+              </a:spcBef>
+              <a:spcAft>
+                <a:spcPct val="0"/>
+              </a:spcAft>
+            </a:pPr>
+            <a:r>
+              <a:rPr lang="en-US" altLang="ja-JP" sz="2400" dirty="0">
+                <a:solidFill>
+                  <a:schemeClr val="tx1"/>
+                </a:solidFill>
+                <a:latin typeface="メイリオ" panose="020B0604030504040204" pitchFamily="50" charset="-128"/>
+                <a:ea typeface="メイリオ" panose="020B0604030504040204" pitchFamily="50" charset="-128"/>
+                <a:cs typeface="メイリオ" pitchFamily="50" charset="-128"/>
+              </a:rPr>
+              <a:t>tIPv4</a:t>
+            </a:r>
+          </a:p>
+          <a:p>
+            <a:pPr algn="ctr" defTabSz="1922240" fontAlgn="base">
+              <a:lnSpc>
+                <a:spcPct val="90000"/>
+              </a:lnSpc>
+              <a:spcBef>
+                <a:spcPct val="20000"/>
+              </a:spcBef>
+              <a:spcAft>
+                <a:spcPct val="0"/>
+              </a:spcAft>
+            </a:pPr>
+            <a:r>
+              <a:rPr lang="en-US" altLang="ja-JP" sz="2400" dirty="0" err="1">
+                <a:solidFill>
+                  <a:schemeClr val="tx1"/>
+                </a:solidFill>
+                <a:latin typeface="メイリオ" panose="020B0604030504040204" pitchFamily="50" charset="-128"/>
+                <a:ea typeface="メイリオ" panose="020B0604030504040204" pitchFamily="50" charset="-128"/>
+                <a:cs typeface="メイリオ" pitchFamily="50" charset="-128"/>
+              </a:rPr>
+              <a:t>RoutingTable</a:t>
+            </a:r>
+            <a:endParaRPr lang="en-US" altLang="ja-JP" sz="2400" dirty="0">
+              <a:solidFill>
+                <a:schemeClr val="tx1"/>
+              </a:solidFill>
+              <a:latin typeface="メイリオ" panose="020B0604030504040204" pitchFamily="50" charset="-128"/>
+              <a:ea typeface="メイリオ" panose="020B0604030504040204" pitchFamily="50" charset="-128"/>
+              <a:cs typeface="メイリオ" pitchFamily="50" charset="-128"/>
+            </a:endParaRPr>
+          </a:p>
+        </p:txBody>
+      </p:sp>
+      <p:sp>
+        <p:nvSpPr>
+          <p:cNvPr id="68" name="二等辺三角形 67"/>
+          <p:cNvSpPr/>
+          <p:nvPr/>
+        </p:nvSpPr>
+        <p:spPr>
+          <a:xfrm rot="10800000">
+            <a:off x="10711211" y="11240617"/>
+            <a:ext cx="407024" cy="282104"/>
+          </a:xfrm>
+          <a:prstGeom prst="triangle">
+            <a:avLst/>
+          </a:prstGeom>
+        </p:spPr>
+        <p:style>
+          <a:lnRef idx="2">
+            <a:schemeClr val="dk1">
+              <a:shade val="50000"/>
+            </a:schemeClr>
+          </a:lnRef>
+          <a:fillRef idx="1">
+            <a:schemeClr val="dk1"/>
+          </a:fillRef>
+          <a:effectRef idx="0">
+            <a:schemeClr val="dk1"/>
+          </a:effectRef>
+          <a:fontRef idx="minor">
+            <a:schemeClr val="lt1"/>
+          </a:fontRef>
+        </p:style>
+        <p:txBody>
+          <a:bodyPr rtlCol="0" anchor="ctr"/>
+          <a:lstStyle/>
+          <a:p>
+            <a:pPr algn="ctr"/>
+            <a:endParaRPr lang="ja-JP" altLang="en-US"/>
+          </a:p>
+        </p:txBody>
+      </p:sp>
+      <p:cxnSp>
+        <p:nvCxnSpPr>
+          <p:cNvPr id="69" name="直線コネクタ 68"/>
+          <p:cNvCxnSpPr>
+            <a:stCxn id="23" idx="2"/>
+          </p:cNvCxnSpPr>
+          <p:nvPr/>
+        </p:nvCxnSpPr>
+        <p:spPr>
+          <a:xfrm flipH="1">
+            <a:off x="10890384" y="10606848"/>
+            <a:ext cx="1" cy="915875"/>
+          </a:xfrm>
+          <a:prstGeom prst="line">
+            <a:avLst/>
+          </a:prstGeom>
+        </p:spPr>
+        <p:style>
+          <a:lnRef idx="1">
+            <a:schemeClr val="dk1"/>
+          </a:lnRef>
+          <a:fillRef idx="0">
+            <a:schemeClr val="dk1"/>
+          </a:fillRef>
+          <a:effectRef idx="0">
+            <a:schemeClr val="dk1"/>
+          </a:effectRef>
+          <a:fontRef idx="minor">
+            <a:schemeClr val="tx1"/>
+          </a:fontRef>
+        </p:style>
+      </p:cxnSp>
+      <p:sp>
+        <p:nvSpPr>
+          <p:cNvPr id="76" name="二等辺三角形 75"/>
+          <p:cNvSpPr/>
+          <p:nvPr/>
+        </p:nvSpPr>
+        <p:spPr>
+          <a:xfrm rot="10800000">
+            <a:off x="11123457" y="9767323"/>
+            <a:ext cx="407024" cy="282104"/>
+          </a:xfrm>
+          <a:prstGeom prst="triangle">
+            <a:avLst/>
+          </a:prstGeom>
+        </p:spPr>
+        <p:style>
+          <a:lnRef idx="2">
+            <a:schemeClr val="dk1">
+              <a:shade val="50000"/>
+            </a:schemeClr>
+          </a:lnRef>
+          <a:fillRef idx="1">
+            <a:schemeClr val="dk1"/>
+          </a:fillRef>
+          <a:effectRef idx="0">
+            <a:schemeClr val="dk1"/>
+          </a:effectRef>
+          <a:fontRef idx="minor">
+            <a:schemeClr val="lt1"/>
+          </a:fontRef>
+        </p:style>
+        <p:txBody>
+          <a:bodyPr rtlCol="0" anchor="ctr"/>
+          <a:lstStyle/>
+          <a:p>
+            <a:pPr algn="ctr"/>
+            <a:endParaRPr lang="ja-JP" altLang="en-US"/>
+          </a:p>
+        </p:txBody>
+      </p:sp>
+      <p:cxnSp>
+        <p:nvCxnSpPr>
+          <p:cNvPr id="77" name="直線コネクタ 76"/>
+          <p:cNvCxnSpPr>
+            <a:endCxn id="76" idx="0"/>
+          </p:cNvCxnSpPr>
+          <p:nvPr/>
+        </p:nvCxnSpPr>
+        <p:spPr>
+          <a:xfrm>
+            <a:off x="11326969" y="8676947"/>
+            <a:ext cx="1" cy="1372480"/>
+          </a:xfrm>
+          <a:prstGeom prst="line">
+            <a:avLst/>
+          </a:prstGeom>
+        </p:spPr>
+        <p:style>
+          <a:lnRef idx="1">
+            <a:schemeClr val="dk1"/>
+          </a:lnRef>
+          <a:fillRef idx="0">
+            <a:schemeClr val="dk1"/>
+          </a:fillRef>
+          <a:effectRef idx="0">
+            <a:schemeClr val="dk1"/>
+          </a:effectRef>
+          <a:fontRef idx="minor">
+            <a:schemeClr val="tx1"/>
+          </a:fontRef>
+        </p:style>
+      </p:cxnSp>
+      <p:sp>
+        <p:nvSpPr>
+          <p:cNvPr id="84" name="二等辺三角形 83"/>
+          <p:cNvSpPr/>
+          <p:nvPr/>
+        </p:nvSpPr>
+        <p:spPr>
+          <a:xfrm rot="10800000">
+            <a:off x="6739593" y="13277882"/>
+            <a:ext cx="407024" cy="282104"/>
+          </a:xfrm>
+          <a:prstGeom prst="triangle">
+            <a:avLst/>
+          </a:prstGeom>
+        </p:spPr>
+        <p:style>
+          <a:lnRef idx="2">
+            <a:schemeClr val="dk1">
+              <a:shade val="50000"/>
+            </a:schemeClr>
+          </a:lnRef>
+          <a:fillRef idx="1">
+            <a:schemeClr val="dk1"/>
+          </a:fillRef>
+          <a:effectRef idx="0">
+            <a:schemeClr val="dk1"/>
+          </a:effectRef>
+          <a:fontRef idx="minor">
+            <a:schemeClr val="lt1"/>
+          </a:fontRef>
+        </p:style>
+        <p:txBody>
+          <a:bodyPr rtlCol="0" anchor="ctr"/>
+          <a:lstStyle/>
+          <a:p>
+            <a:pPr algn="ctr"/>
+            <a:endParaRPr lang="ja-JP" altLang="en-US"/>
+          </a:p>
+        </p:txBody>
+      </p:sp>
+      <p:cxnSp>
+        <p:nvCxnSpPr>
+          <p:cNvPr id="85" name="直線コネクタ 84"/>
+          <p:cNvCxnSpPr>
+            <a:endCxn id="84" idx="0"/>
+          </p:cNvCxnSpPr>
+          <p:nvPr/>
+        </p:nvCxnSpPr>
+        <p:spPr>
+          <a:xfrm flipH="1">
+            <a:off x="6943106" y="11993032"/>
+            <a:ext cx="15153" cy="1566955"/>
+          </a:xfrm>
+          <a:prstGeom prst="line">
+            <a:avLst/>
+          </a:prstGeom>
+        </p:spPr>
+        <p:style>
+          <a:lnRef idx="1">
+            <a:schemeClr val="dk1"/>
+          </a:lnRef>
+          <a:fillRef idx="0">
+            <a:schemeClr val="dk1"/>
+          </a:fillRef>
+          <a:effectRef idx="0">
+            <a:schemeClr val="dk1"/>
+          </a:effectRef>
+          <a:fontRef idx="minor">
+            <a:schemeClr val="tx1"/>
+          </a:fontRef>
+        </p:style>
+      </p:cxnSp>
+      <p:cxnSp>
+        <p:nvCxnSpPr>
+          <p:cNvPr id="87" name="直線コネクタ 86"/>
+          <p:cNvCxnSpPr>
+            <a:stCxn id="24" idx="3"/>
+            <a:endCxn id="25" idx="1"/>
+          </p:cNvCxnSpPr>
+          <p:nvPr/>
+        </p:nvCxnSpPr>
+        <p:spPr>
+          <a:xfrm>
+            <a:off x="5513962" y="11993032"/>
+            <a:ext cx="2895600" cy="1"/>
+          </a:xfrm>
+          <a:prstGeom prst="line">
+            <a:avLst/>
+          </a:prstGeom>
+        </p:spPr>
+        <p:style>
+          <a:lnRef idx="1">
+            <a:schemeClr val="dk1"/>
+          </a:lnRef>
+          <a:fillRef idx="0">
+            <a:schemeClr val="dk1"/>
+          </a:fillRef>
+          <a:effectRef idx="0">
+            <a:schemeClr val="dk1"/>
+          </a:effectRef>
+          <a:fontRef idx="minor">
+            <a:schemeClr val="tx1"/>
+          </a:fontRef>
+        </p:style>
+      </p:cxnSp>
+      <p:cxnSp>
+        <p:nvCxnSpPr>
+          <p:cNvPr id="101" name="直線コネクタ 100"/>
+          <p:cNvCxnSpPr/>
+          <p:nvPr/>
+        </p:nvCxnSpPr>
+        <p:spPr>
+          <a:xfrm>
+            <a:off x="4066162" y="7561032"/>
+            <a:ext cx="5787820" cy="7403"/>
+          </a:xfrm>
+          <a:prstGeom prst="line">
+            <a:avLst/>
+          </a:prstGeom>
+        </p:spPr>
+        <p:style>
+          <a:lnRef idx="1">
+            <a:schemeClr val="dk1"/>
+          </a:lnRef>
+          <a:fillRef idx="0">
+            <a:schemeClr val="dk1"/>
+          </a:fillRef>
+          <a:effectRef idx="0">
+            <a:schemeClr val="dk1"/>
+          </a:effectRef>
+          <a:fontRef idx="minor">
+            <a:schemeClr val="tx1"/>
+          </a:fontRef>
+        </p:style>
+      </p:cxnSp>
+      <p:sp>
+        <p:nvSpPr>
+          <p:cNvPr id="103" name="円/楕円 102"/>
+          <p:cNvSpPr/>
+          <p:nvPr/>
+        </p:nvSpPr>
+        <p:spPr>
+          <a:xfrm>
+            <a:off x="6909767" y="7515182"/>
+            <a:ext cx="96982" cy="79971"/>
+          </a:xfrm>
+          <a:prstGeom prst="ellipse">
+            <a:avLst/>
+          </a:prstGeom>
+        </p:spPr>
+        <p:style>
+          <a:lnRef idx="2">
+            <a:schemeClr val="dk1">
+              <a:shade val="50000"/>
+            </a:schemeClr>
+          </a:lnRef>
+          <a:fillRef idx="1">
+            <a:schemeClr val="dk1"/>
+          </a:fillRef>
+          <a:effectRef idx="0">
+            <a:schemeClr val="dk1"/>
+          </a:effectRef>
+          <a:fontRef idx="minor">
+            <a:schemeClr val="lt1"/>
+          </a:fontRef>
+        </p:style>
+        <p:txBody>
+          <a:bodyPr rtlCol="0" anchor="ctr"/>
+          <a:lstStyle/>
+          <a:p>
+            <a:pPr algn="ctr"/>
+            <a:endParaRPr lang="ja-JP" altLang="en-US"/>
+          </a:p>
+        </p:txBody>
+      </p:sp>
+      <p:sp>
+        <p:nvSpPr>
+          <p:cNvPr id="104" name="円/楕円 103"/>
+          <p:cNvSpPr/>
+          <p:nvPr/>
+        </p:nvSpPr>
+        <p:spPr>
+          <a:xfrm>
+            <a:off x="6909767" y="11953045"/>
+            <a:ext cx="96982" cy="79971"/>
+          </a:xfrm>
+          <a:prstGeom prst="ellipse">
+            <a:avLst/>
+          </a:prstGeom>
+        </p:spPr>
+        <p:style>
+          <a:lnRef idx="2">
+            <a:schemeClr val="dk1">
+              <a:shade val="50000"/>
+            </a:schemeClr>
+          </a:lnRef>
+          <a:fillRef idx="1">
+            <a:schemeClr val="dk1"/>
+          </a:fillRef>
+          <a:effectRef idx="0">
+            <a:schemeClr val="dk1"/>
+          </a:effectRef>
+          <a:fontRef idx="minor">
+            <a:schemeClr val="lt1"/>
+          </a:fontRef>
+        </p:style>
+        <p:txBody>
+          <a:bodyPr rtlCol="0" anchor="ctr"/>
+          <a:lstStyle/>
+          <a:p>
+            <a:pPr algn="ctr"/>
+            <a:endParaRPr lang="ja-JP" altLang="en-US"/>
+          </a:p>
+        </p:txBody>
+      </p:sp>
+      <p:cxnSp>
+        <p:nvCxnSpPr>
+          <p:cNvPr id="105" name="直線コネクタ 104"/>
+          <p:cNvCxnSpPr/>
+          <p:nvPr/>
+        </p:nvCxnSpPr>
+        <p:spPr>
+          <a:xfrm>
+            <a:off x="6955742" y="10443709"/>
+            <a:ext cx="2517" cy="417898"/>
+          </a:xfrm>
+          <a:prstGeom prst="line">
+            <a:avLst/>
+          </a:prstGeom>
+        </p:spPr>
+        <p:style>
+          <a:lnRef idx="1">
+            <a:schemeClr val="dk1"/>
+          </a:lnRef>
+          <a:fillRef idx="0">
+            <a:schemeClr val="dk1"/>
+          </a:fillRef>
+          <a:effectRef idx="0">
+            <a:schemeClr val="dk1"/>
+          </a:effectRef>
+          <a:fontRef idx="minor">
+            <a:schemeClr val="tx1"/>
+          </a:fontRef>
+        </p:style>
+      </p:cxnSp>
+      <p:cxnSp>
+        <p:nvCxnSpPr>
+          <p:cNvPr id="107" name="直線コネクタ 106"/>
+          <p:cNvCxnSpPr/>
+          <p:nvPr/>
+        </p:nvCxnSpPr>
+        <p:spPr>
+          <a:xfrm>
+            <a:off x="6961763" y="10861607"/>
+            <a:ext cx="3928621" cy="1"/>
+          </a:xfrm>
+          <a:prstGeom prst="line">
+            <a:avLst/>
+          </a:prstGeom>
+        </p:spPr>
+        <p:style>
+          <a:lnRef idx="1">
+            <a:schemeClr val="dk1"/>
+          </a:lnRef>
+          <a:fillRef idx="0">
+            <a:schemeClr val="dk1"/>
+          </a:fillRef>
+          <a:effectRef idx="0">
+            <a:schemeClr val="dk1"/>
+          </a:effectRef>
+          <a:fontRef idx="minor">
+            <a:schemeClr val="tx1"/>
+          </a:fontRef>
+        </p:style>
+      </p:cxnSp>
+      <p:sp>
+        <p:nvSpPr>
+          <p:cNvPr id="109" name="円/楕円 108"/>
+          <p:cNvSpPr/>
+          <p:nvPr/>
+        </p:nvSpPr>
+        <p:spPr>
+          <a:xfrm>
+            <a:off x="10841892" y="10826253"/>
+            <a:ext cx="96982" cy="79971"/>
+          </a:xfrm>
+          <a:prstGeom prst="ellipse">
+            <a:avLst/>
+          </a:prstGeom>
+        </p:spPr>
+        <p:style>
+          <a:lnRef idx="2">
+            <a:schemeClr val="dk1">
+              <a:shade val="50000"/>
+            </a:schemeClr>
+          </a:lnRef>
+          <a:fillRef idx="1">
+            <a:schemeClr val="dk1"/>
+          </a:fillRef>
+          <a:effectRef idx="0">
+            <a:schemeClr val="dk1"/>
+          </a:effectRef>
+          <a:fontRef idx="minor">
+            <a:schemeClr val="lt1"/>
+          </a:fontRef>
+        </p:style>
+        <p:txBody>
+          <a:bodyPr rtlCol="0" anchor="ctr"/>
+          <a:lstStyle/>
+          <a:p>
+            <a:pPr algn="ctr"/>
+            <a:endParaRPr lang="ja-JP" altLang="en-US"/>
+          </a:p>
+        </p:txBody>
+      </p:sp>
+      <p:cxnSp>
+        <p:nvCxnSpPr>
+          <p:cNvPr id="110" name="直線コネクタ 109"/>
+          <p:cNvCxnSpPr/>
+          <p:nvPr/>
+        </p:nvCxnSpPr>
+        <p:spPr>
+          <a:xfrm>
+            <a:off x="4775349" y="10060984"/>
+            <a:ext cx="1295294" cy="3312"/>
+          </a:xfrm>
+          <a:prstGeom prst="line">
+            <a:avLst/>
+          </a:prstGeom>
+        </p:spPr>
+        <p:style>
+          <a:lnRef idx="1">
+            <a:schemeClr val="dk1"/>
+          </a:lnRef>
+          <a:fillRef idx="0">
+            <a:schemeClr val="dk1"/>
+          </a:fillRef>
+          <a:effectRef idx="0">
+            <a:schemeClr val="dk1"/>
+          </a:effectRef>
+          <a:fontRef idx="minor">
+            <a:schemeClr val="tx1"/>
+          </a:fontRef>
+        </p:style>
+      </p:cxnSp>
+      <p:cxnSp>
+        <p:nvCxnSpPr>
+          <p:cNvPr id="112" name="直線コネクタ 111"/>
+          <p:cNvCxnSpPr/>
+          <p:nvPr/>
+        </p:nvCxnSpPr>
+        <p:spPr>
+          <a:xfrm flipH="1">
+            <a:off x="4771846" y="10049427"/>
+            <a:ext cx="1" cy="1224968"/>
+          </a:xfrm>
+          <a:prstGeom prst="line">
+            <a:avLst/>
+          </a:prstGeom>
+        </p:spPr>
+        <p:style>
+          <a:lnRef idx="1">
+            <a:schemeClr val="dk1"/>
+          </a:lnRef>
+          <a:fillRef idx="0">
+            <a:schemeClr val="dk1"/>
+          </a:fillRef>
+          <a:effectRef idx="0">
+            <a:schemeClr val="dk1"/>
+          </a:effectRef>
+          <a:fontRef idx="minor">
+            <a:schemeClr val="tx1"/>
+          </a:fontRef>
+        </p:style>
+      </p:cxnSp>
+      <p:sp>
+        <p:nvSpPr>
+          <p:cNvPr id="114" name="二等辺三角形 113"/>
+          <p:cNvSpPr/>
+          <p:nvPr/>
+        </p:nvSpPr>
+        <p:spPr>
+          <a:xfrm rot="5400000">
+            <a:off x="6004680" y="9933118"/>
+            <a:ext cx="407024" cy="282104"/>
+          </a:xfrm>
+          <a:prstGeom prst="triangle">
+            <a:avLst/>
+          </a:prstGeom>
+        </p:spPr>
+        <p:style>
+          <a:lnRef idx="2">
+            <a:schemeClr val="dk1">
+              <a:shade val="50000"/>
+            </a:schemeClr>
+          </a:lnRef>
+          <a:fillRef idx="1">
+            <a:schemeClr val="dk1"/>
+          </a:fillRef>
+          <a:effectRef idx="0">
+            <a:schemeClr val="dk1"/>
+          </a:effectRef>
+          <a:fontRef idx="minor">
+            <a:schemeClr val="lt1"/>
+          </a:fontRef>
+        </p:style>
+        <p:txBody>
+          <a:bodyPr rtlCol="0" anchor="ctr"/>
+          <a:lstStyle/>
+          <a:p>
+            <a:pPr algn="ctr"/>
+            <a:endParaRPr lang="ja-JP" altLang="en-US"/>
+          </a:p>
+        </p:txBody>
+      </p:sp>
+      <p:cxnSp>
+        <p:nvCxnSpPr>
+          <p:cNvPr id="115" name="直線コネクタ 114"/>
+          <p:cNvCxnSpPr>
+            <a:endCxn id="23" idx="1"/>
+          </p:cNvCxnSpPr>
+          <p:nvPr/>
+        </p:nvCxnSpPr>
+        <p:spPr>
+          <a:xfrm>
+            <a:off x="7829729" y="10184451"/>
+            <a:ext cx="1226267" cy="1"/>
+          </a:xfrm>
+          <a:prstGeom prst="line">
+            <a:avLst/>
+          </a:prstGeom>
+        </p:spPr>
+        <p:style>
+          <a:lnRef idx="1">
+            <a:schemeClr val="dk1"/>
+          </a:lnRef>
+          <a:fillRef idx="0">
+            <a:schemeClr val="dk1"/>
+          </a:fillRef>
+          <a:effectRef idx="0">
+            <a:schemeClr val="dk1"/>
+          </a:effectRef>
+          <a:fontRef idx="minor">
+            <a:schemeClr val="tx1"/>
+          </a:fontRef>
+        </p:style>
+      </p:cxnSp>
+      <p:sp>
+        <p:nvSpPr>
+          <p:cNvPr id="119" name="二等辺三角形 118"/>
+          <p:cNvSpPr/>
+          <p:nvPr/>
+        </p:nvSpPr>
+        <p:spPr>
+          <a:xfrm rot="16200000">
+            <a:off x="7477142" y="10039430"/>
+            <a:ext cx="407024" cy="282104"/>
+          </a:xfrm>
+          <a:prstGeom prst="triangle">
+            <a:avLst/>
+          </a:prstGeom>
+        </p:spPr>
+        <p:style>
+          <a:lnRef idx="2">
+            <a:schemeClr val="dk1">
+              <a:shade val="50000"/>
+            </a:schemeClr>
+          </a:lnRef>
+          <a:fillRef idx="1">
+            <a:schemeClr val="dk1"/>
+          </a:fillRef>
+          <a:effectRef idx="0">
+            <a:schemeClr val="dk1"/>
+          </a:effectRef>
+          <a:fontRef idx="minor">
+            <a:schemeClr val="lt1"/>
+          </a:fontRef>
+        </p:style>
+        <p:txBody>
+          <a:bodyPr rtlCol="0" anchor="ctr"/>
+          <a:lstStyle/>
+          <a:p>
+            <a:pPr algn="ctr"/>
+            <a:endParaRPr lang="ja-JP" altLang="en-US"/>
+          </a:p>
+        </p:txBody>
+      </p:sp>
+      <p:cxnSp>
+        <p:nvCxnSpPr>
+          <p:cNvPr id="120" name="直線コネクタ 119"/>
+          <p:cNvCxnSpPr/>
+          <p:nvPr/>
+        </p:nvCxnSpPr>
+        <p:spPr>
+          <a:xfrm flipV="1">
+            <a:off x="9592986" y="8152761"/>
+            <a:ext cx="260996" cy="3615"/>
+          </a:xfrm>
+          <a:prstGeom prst="line">
+            <a:avLst/>
+          </a:prstGeom>
+        </p:spPr>
+        <p:style>
+          <a:lnRef idx="1">
+            <a:schemeClr val="dk1"/>
+          </a:lnRef>
+          <a:fillRef idx="0">
+            <a:schemeClr val="dk1"/>
+          </a:fillRef>
+          <a:effectRef idx="0">
+            <a:schemeClr val="dk1"/>
+          </a:effectRef>
+          <a:fontRef idx="minor">
+            <a:schemeClr val="tx1"/>
+          </a:fontRef>
+        </p:style>
+      </p:cxnSp>
+      <p:sp>
+        <p:nvSpPr>
+          <p:cNvPr id="121" name="二等辺三角形 120"/>
+          <p:cNvSpPr/>
+          <p:nvPr/>
+        </p:nvSpPr>
+        <p:spPr>
+          <a:xfrm rot="16200000">
+            <a:off x="9248422" y="8011355"/>
+            <a:ext cx="407024" cy="282104"/>
+          </a:xfrm>
+          <a:prstGeom prst="triangle">
+            <a:avLst/>
+          </a:prstGeom>
+        </p:spPr>
+        <p:style>
+          <a:lnRef idx="2">
+            <a:schemeClr val="dk1">
+              <a:shade val="50000"/>
+            </a:schemeClr>
+          </a:lnRef>
+          <a:fillRef idx="1">
+            <a:schemeClr val="dk1"/>
+          </a:fillRef>
+          <a:effectRef idx="0">
+            <a:schemeClr val="dk1"/>
+          </a:effectRef>
+          <a:fontRef idx="minor">
+            <a:schemeClr val="lt1"/>
+          </a:fontRef>
+        </p:style>
+        <p:txBody>
+          <a:bodyPr rtlCol="0" anchor="ctr"/>
+          <a:lstStyle/>
+          <a:p>
+            <a:pPr algn="ctr"/>
+            <a:endParaRPr lang="ja-JP" altLang="en-US"/>
+          </a:p>
+        </p:txBody>
+      </p:sp>
+      <p:sp>
+        <p:nvSpPr>
+          <p:cNvPr id="124" name="二等辺三角形 123"/>
+          <p:cNvSpPr/>
+          <p:nvPr/>
+        </p:nvSpPr>
+        <p:spPr>
+          <a:xfrm rot="10800000">
+            <a:off x="12047913" y="7384196"/>
+            <a:ext cx="407024" cy="282104"/>
+          </a:xfrm>
+          <a:prstGeom prst="triangle">
+            <a:avLst/>
+          </a:prstGeom>
+        </p:spPr>
+        <p:style>
+          <a:lnRef idx="2">
+            <a:schemeClr val="dk1">
+              <a:shade val="50000"/>
+            </a:schemeClr>
+          </a:lnRef>
+          <a:fillRef idx="1">
+            <a:schemeClr val="dk1"/>
+          </a:fillRef>
+          <a:effectRef idx="0">
+            <a:schemeClr val="dk1"/>
+          </a:effectRef>
+          <a:fontRef idx="minor">
+            <a:schemeClr val="lt1"/>
+          </a:fontRef>
+        </p:style>
+        <p:txBody>
+          <a:bodyPr rtlCol="0" anchor="ctr"/>
+          <a:lstStyle/>
+          <a:p>
+            <a:pPr algn="ctr"/>
+            <a:endParaRPr lang="ja-JP" altLang="en-US"/>
+          </a:p>
+        </p:txBody>
+      </p:sp>
+      <p:cxnSp>
+        <p:nvCxnSpPr>
+          <p:cNvPr id="125" name="直線コネクタ 124"/>
+          <p:cNvCxnSpPr>
+            <a:endCxn id="124" idx="0"/>
+          </p:cNvCxnSpPr>
+          <p:nvPr/>
+        </p:nvCxnSpPr>
+        <p:spPr>
+          <a:xfrm>
+            <a:off x="12237821" y="5139610"/>
+            <a:ext cx="13604" cy="2526690"/>
+          </a:xfrm>
+          <a:prstGeom prst="line">
+            <a:avLst/>
+          </a:prstGeom>
+        </p:spPr>
+        <p:style>
+          <a:lnRef idx="1">
+            <a:schemeClr val="dk1"/>
+          </a:lnRef>
+          <a:fillRef idx="0">
+            <a:schemeClr val="dk1"/>
+          </a:fillRef>
+          <a:effectRef idx="0">
+            <a:schemeClr val="dk1"/>
+          </a:effectRef>
+          <a:fontRef idx="minor">
+            <a:schemeClr val="tx1"/>
+          </a:fontRef>
+        </p:style>
+      </p:cxnSp>
+      <p:cxnSp>
+        <p:nvCxnSpPr>
+          <p:cNvPr id="128" name="直線コネクタ 127"/>
+          <p:cNvCxnSpPr>
+            <a:stCxn id="12" idx="3"/>
+          </p:cNvCxnSpPr>
+          <p:nvPr/>
+        </p:nvCxnSpPr>
+        <p:spPr>
+          <a:xfrm flipV="1">
+            <a:off x="11511978" y="6305649"/>
+            <a:ext cx="739447" cy="1"/>
+          </a:xfrm>
+          <a:prstGeom prst="line">
+            <a:avLst/>
+          </a:prstGeom>
+        </p:spPr>
+        <p:style>
+          <a:lnRef idx="1">
+            <a:schemeClr val="dk1"/>
+          </a:lnRef>
+          <a:fillRef idx="0">
+            <a:schemeClr val="dk1"/>
+          </a:fillRef>
+          <a:effectRef idx="0">
+            <a:schemeClr val="dk1"/>
+          </a:effectRef>
+          <a:fontRef idx="minor">
+            <a:schemeClr val="tx1"/>
+          </a:fontRef>
+        </p:style>
+      </p:cxnSp>
+      <p:sp>
+        <p:nvSpPr>
+          <p:cNvPr id="131" name="円/楕円 130"/>
+          <p:cNvSpPr/>
+          <p:nvPr/>
+        </p:nvSpPr>
+        <p:spPr>
+          <a:xfrm>
+            <a:off x="12189330" y="6255176"/>
+            <a:ext cx="96982" cy="79971"/>
+          </a:xfrm>
+          <a:prstGeom prst="ellipse">
+            <a:avLst/>
+          </a:prstGeom>
+        </p:spPr>
+        <p:style>
+          <a:lnRef idx="2">
+            <a:schemeClr val="dk1">
+              <a:shade val="50000"/>
+            </a:schemeClr>
+          </a:lnRef>
+          <a:fillRef idx="1">
+            <a:schemeClr val="dk1"/>
+          </a:fillRef>
+          <a:effectRef idx="0">
+            <a:schemeClr val="dk1"/>
+          </a:effectRef>
+          <a:fontRef idx="minor">
+            <a:schemeClr val="lt1"/>
+          </a:fontRef>
+        </p:style>
+        <p:txBody>
+          <a:bodyPr rtlCol="0" anchor="ctr"/>
+          <a:lstStyle/>
+          <a:p>
+            <a:pPr algn="ctr"/>
+            <a:endParaRPr lang="ja-JP" altLang="en-US"/>
+          </a:p>
+        </p:txBody>
+      </p:sp>
+      <p:cxnSp>
+        <p:nvCxnSpPr>
+          <p:cNvPr id="132" name="直線コネクタ 131"/>
+          <p:cNvCxnSpPr>
+            <a:stCxn id="11" idx="3"/>
+            <a:endCxn id="133" idx="0"/>
+          </p:cNvCxnSpPr>
+          <p:nvPr/>
+        </p:nvCxnSpPr>
+        <p:spPr>
+          <a:xfrm>
+            <a:off x="8755928" y="6305649"/>
+            <a:ext cx="1158553" cy="5876"/>
+          </a:xfrm>
+          <a:prstGeom prst="line">
+            <a:avLst/>
+          </a:prstGeom>
+        </p:spPr>
+        <p:style>
+          <a:lnRef idx="1">
+            <a:schemeClr val="dk1"/>
+          </a:lnRef>
+          <a:fillRef idx="0">
+            <a:schemeClr val="dk1"/>
+          </a:fillRef>
+          <a:effectRef idx="0">
+            <a:schemeClr val="dk1"/>
+          </a:effectRef>
+          <a:fontRef idx="minor">
+            <a:schemeClr val="tx1"/>
+          </a:fontRef>
+        </p:style>
+      </p:cxnSp>
+      <p:sp>
+        <p:nvSpPr>
+          <p:cNvPr id="133" name="二等辺三角形 132"/>
+          <p:cNvSpPr/>
+          <p:nvPr/>
+        </p:nvSpPr>
+        <p:spPr>
+          <a:xfrm rot="5400000">
+            <a:off x="9569916" y="6170473"/>
+            <a:ext cx="407024" cy="282104"/>
+          </a:xfrm>
+          <a:prstGeom prst="triangle">
+            <a:avLst/>
+          </a:prstGeom>
+        </p:spPr>
+        <p:style>
+          <a:lnRef idx="2">
+            <a:schemeClr val="dk1">
+              <a:shade val="50000"/>
+            </a:schemeClr>
+          </a:lnRef>
+          <a:fillRef idx="1">
+            <a:schemeClr val="dk1"/>
+          </a:fillRef>
+          <a:effectRef idx="0">
+            <a:schemeClr val="dk1"/>
+          </a:effectRef>
+          <a:fontRef idx="minor">
+            <a:schemeClr val="lt1"/>
+          </a:fontRef>
+        </p:style>
+        <p:txBody>
+          <a:bodyPr rtlCol="0" anchor="ctr"/>
+          <a:lstStyle/>
+          <a:p>
+            <a:pPr algn="ctr"/>
+            <a:endParaRPr lang="ja-JP" altLang="en-US"/>
+          </a:p>
+        </p:txBody>
+      </p:sp>
+      <p:cxnSp>
+        <p:nvCxnSpPr>
+          <p:cNvPr id="74" name="直線コネクタ 73"/>
+          <p:cNvCxnSpPr/>
+          <p:nvPr/>
+        </p:nvCxnSpPr>
+        <p:spPr>
+          <a:xfrm>
+            <a:off x="-19050" y="12839700"/>
+            <a:ext cx="12995275" cy="0"/>
+          </a:xfrm>
+          <a:prstGeom prst="line">
+            <a:avLst/>
+          </a:prstGeom>
+          <a:ln w="63500">
             <a:solidFill>
               <a:schemeClr val="bg1">
                 <a:lumMod val="50000"/>
@@ -5820,19 +7052,19 @@
       </p:cxnSp>
       <p:cxnSp>
         <p:nvCxnSpPr>
-          <p:cNvPr id="57" name="直線コネクタ 56"/>
+          <p:cNvPr id="75" name="直線コネクタ 74"/>
           <p:cNvCxnSpPr/>
           <p:nvPr/>
         </p:nvCxnSpPr>
         <p:spPr>
           <a:xfrm>
-            <a:off x="-11730" y="9550428"/>
-            <a:ext cx="12192000" cy="15781"/>
+            <a:off x="9525" y="9467850"/>
+            <a:ext cx="12995275" cy="0"/>
           </a:xfrm>
           <a:prstGeom prst="line">
             <a:avLst/>
           </a:prstGeom>
-          <a:ln w="38100">
+          <a:ln w="63500">
             <a:solidFill>
               <a:schemeClr val="bg1">
                 <a:lumMod val="50000"/>
@@ -5858,19 +7090,19 @@
       </p:cxnSp>
       <p:cxnSp>
         <p:nvCxnSpPr>
-          <p:cNvPr id="58" name="直線コネクタ 57"/>
+          <p:cNvPr id="78" name="直線コネクタ 77"/>
           <p:cNvCxnSpPr/>
           <p:nvPr/>
         </p:nvCxnSpPr>
         <p:spPr>
           <a:xfrm>
-            <a:off x="-36312" y="13124452"/>
-            <a:ext cx="12192000" cy="15781"/>
+            <a:off x="9525" y="5553075"/>
+            <a:ext cx="12995275" cy="0"/>
           </a:xfrm>
           <a:prstGeom prst="line">
             <a:avLst/>
           </a:prstGeom>
-          <a:ln w="38100">
+          <a:ln w="63500">
             <a:solidFill>
               <a:schemeClr val="bg1">
                 <a:lumMod val="50000"/>
@@ -5894,239 +7126,26 @@
           </a:fontRef>
         </p:style>
       </p:cxnSp>
-      <p:cxnSp>
-        <p:nvCxnSpPr>
-          <p:cNvPr id="59" name="直線コネクタ 58"/>
-          <p:cNvCxnSpPr/>
-          <p:nvPr/>
-        </p:nvCxnSpPr>
-        <p:spPr>
-          <a:xfrm>
-            <a:off x="1425847" y="5163492"/>
-            <a:ext cx="6057" cy="2228523"/>
-          </a:xfrm>
-          <a:prstGeom prst="line">
-            <a:avLst/>
-          </a:prstGeom>
-        </p:spPr>
-        <p:style>
-          <a:lnRef idx="1">
-            <a:schemeClr val="dk1"/>
-          </a:lnRef>
-          <a:fillRef idx="0">
-            <a:schemeClr val="dk1"/>
-          </a:fillRef>
-          <a:effectRef idx="0">
-            <a:schemeClr val="dk1"/>
-          </a:effectRef>
-          <a:fontRef idx="minor">
-            <a:schemeClr val="tx1"/>
-          </a:fontRef>
-        </p:style>
-      </p:cxnSp>
-      <p:sp>
-        <p:nvSpPr>
-          <p:cNvPr id="60" name="二等辺三角形 59"/>
+      <p:sp>
+        <p:nvSpPr>
+          <p:cNvPr id="79" name="正方形/長方形 78"/>
           <p:cNvSpPr/>
           <p:nvPr/>
         </p:nvSpPr>
         <p:spPr>
-          <a:xfrm>
-            <a:off x="1222335" y="4848794"/>
-            <a:ext cx="407024" cy="282104"/>
-          </a:xfrm>
-          <a:prstGeom prst="triangle">
-            <a:avLst/>
-          </a:prstGeom>
-        </p:spPr>
-        <p:style>
-          <a:lnRef idx="2">
-            <a:schemeClr val="dk1">
-              <a:shade val="50000"/>
-            </a:schemeClr>
-          </a:lnRef>
-          <a:fillRef idx="1">
-            <a:schemeClr val="dk1"/>
-          </a:fillRef>
-          <a:effectRef idx="0">
-            <a:schemeClr val="dk1"/>
-          </a:effectRef>
-          <a:fontRef idx="minor">
-            <a:schemeClr val="lt1"/>
-          </a:fontRef>
-        </p:style>
-        <p:txBody>
-          <a:bodyPr rtlCol="0" anchor="ctr"/>
-          <a:lstStyle/>
-          <a:p>
-            <a:pPr algn="ctr"/>
-            <a:endParaRPr kumimoji="1" lang="ja-JP" altLang="en-US"/>
-          </a:p>
-        </p:txBody>
-      </p:sp>
-      <p:cxnSp>
-        <p:nvCxnSpPr>
-          <p:cNvPr id="62" name="直線コネクタ 61"/>
-          <p:cNvCxnSpPr>
-            <a:endCxn id="24" idx="0"/>
-          </p:cNvCxnSpPr>
-          <p:nvPr/>
-        </p:nvCxnSpPr>
-        <p:spPr>
-          <a:xfrm flipH="1">
-            <a:off x="2503813" y="8489201"/>
-            <a:ext cx="7498" cy="2785194"/>
-          </a:xfrm>
-          <a:prstGeom prst="line">
-            <a:avLst/>
-          </a:prstGeom>
-        </p:spPr>
-        <p:style>
-          <a:lnRef idx="1">
-            <a:schemeClr val="dk1"/>
-          </a:lnRef>
-          <a:fillRef idx="0">
-            <a:schemeClr val="dk1"/>
-          </a:fillRef>
-          <a:effectRef idx="0">
-            <a:schemeClr val="dk1"/>
-          </a:effectRef>
-          <a:fontRef idx="minor">
-            <a:schemeClr val="tx1"/>
-          </a:fontRef>
-        </p:style>
-      </p:cxnSp>
-      <p:sp>
-        <p:nvSpPr>
-          <p:cNvPr id="63" name="二等辺三角形 62"/>
-          <p:cNvSpPr/>
-          <p:nvPr/>
-        </p:nvSpPr>
-        <p:spPr>
-          <a:xfrm>
-            <a:off x="2300301" y="8207097"/>
-            <a:ext cx="407024" cy="282104"/>
-          </a:xfrm>
-          <a:prstGeom prst="triangle">
-            <a:avLst/>
-          </a:prstGeom>
-        </p:spPr>
-        <p:style>
-          <a:lnRef idx="2">
-            <a:schemeClr val="dk1">
-              <a:shade val="50000"/>
-            </a:schemeClr>
-          </a:lnRef>
-          <a:fillRef idx="1">
-            <a:schemeClr val="dk1"/>
-          </a:fillRef>
-          <a:effectRef idx="0">
-            <a:schemeClr val="dk1"/>
-          </a:effectRef>
-          <a:fontRef idx="minor">
-            <a:schemeClr val="lt1"/>
-          </a:fontRef>
-        </p:style>
-        <p:txBody>
-          <a:bodyPr rtlCol="0" anchor="ctr"/>
-          <a:lstStyle/>
-          <a:p>
-            <a:pPr algn="ctr"/>
-            <a:endParaRPr kumimoji="1" lang="ja-JP" altLang="en-US"/>
-          </a:p>
-        </p:txBody>
-      </p:sp>
-      <p:cxnSp>
-        <p:nvCxnSpPr>
-          <p:cNvPr id="65" name="直線コネクタ 64"/>
-          <p:cNvCxnSpPr>
-            <a:endCxn id="22" idx="0"/>
-          </p:cNvCxnSpPr>
-          <p:nvPr/>
-        </p:nvCxnSpPr>
-        <p:spPr>
-          <a:xfrm flipH="1">
-            <a:off x="6091351" y="6765233"/>
-            <a:ext cx="8072" cy="2825149"/>
-          </a:xfrm>
-          <a:prstGeom prst="line">
-            <a:avLst/>
-          </a:prstGeom>
-        </p:spPr>
-        <p:style>
-          <a:lnRef idx="1">
-            <a:schemeClr val="dk1"/>
-          </a:lnRef>
-          <a:fillRef idx="0">
-            <a:schemeClr val="dk1"/>
-          </a:fillRef>
-          <a:effectRef idx="0">
-            <a:schemeClr val="dk1"/>
-          </a:effectRef>
-          <a:fontRef idx="minor">
-            <a:schemeClr val="tx1"/>
-          </a:fontRef>
-        </p:style>
-      </p:cxnSp>
-      <p:sp>
-        <p:nvSpPr>
-          <p:cNvPr id="66" name="二等辺三角形 65"/>
-          <p:cNvSpPr/>
-          <p:nvPr/>
-        </p:nvSpPr>
-        <p:spPr>
-          <a:xfrm>
-            <a:off x="5895911" y="6450535"/>
-            <a:ext cx="407024" cy="282104"/>
-          </a:xfrm>
-          <a:prstGeom prst="triangle">
-            <a:avLst/>
-          </a:prstGeom>
-        </p:spPr>
-        <p:style>
-          <a:lnRef idx="2">
-            <a:schemeClr val="dk1">
-              <a:shade val="50000"/>
-            </a:schemeClr>
-          </a:lnRef>
-          <a:fillRef idx="1">
-            <a:schemeClr val="dk1"/>
-          </a:fillRef>
-          <a:effectRef idx="0">
-            <a:schemeClr val="dk1"/>
-          </a:effectRef>
-          <a:fontRef idx="minor">
-            <a:schemeClr val="lt1"/>
-          </a:fontRef>
-        </p:style>
-        <p:txBody>
-          <a:bodyPr rtlCol="0" anchor="ctr"/>
-          <a:lstStyle/>
-          <a:p>
-            <a:pPr algn="ctr"/>
-            <a:endParaRPr kumimoji="1" lang="ja-JP" altLang="en-US"/>
-          </a:p>
-        </p:txBody>
-      </p:sp>
-      <p:sp>
-        <p:nvSpPr>
-          <p:cNvPr id="21" name="正方形/長方形 20"/>
-          <p:cNvSpPr/>
-          <p:nvPr/>
-        </p:nvSpPr>
-        <p:spPr bwMode="auto">
-          <a:xfrm>
-            <a:off x="6294863" y="7840567"/>
-            <a:ext cx="2443118" cy="836380"/>
+          <a:xfrm rot="-5400000">
+            <a:off x="-1105389" y="672775"/>
+            <a:ext cx="3348329" cy="914400"/>
           </a:xfrm>
           <a:prstGeom prst="rect">
             <a:avLst/>
           </a:prstGeom>
+          <a:noFill/>
           <a:ln>
-            <a:headEnd type="none" w="med" len="med"/>
-            <a:tailEnd type="triangle" w="med" len="med"/>
+            <a:solidFill>
+              <a:schemeClr val="bg1"/>
+            </a:solidFill>
           </a:ln>
-          <a:extLst/>
         </p:spPr>
         <p:style>
           <a:lnRef idx="2">
@@ -6143,100 +7162,67 @@
           </a:fontRef>
         </p:style>
         <p:txBody>
-          <a:bodyPr vert="horz" wrap="square" lIns="189208" tIns="98388" rIns="189208" bIns="98388" numCol="1" rtlCol="0" anchor="ctr" anchorCtr="0" compatLnSpc="1">
-            <a:prstTxWarp prst="textNoShape">
-              <a:avLst/>
-            </a:prstTxWarp>
-            <a:noAutofit/>
-          </a:bodyPr>
-          <a:lstStyle/>
-          <a:p>
-            <a:pPr algn="ctr" defTabSz="1922240" fontAlgn="base">
-              <a:lnSpc>
-                <a:spcPct val="90000"/>
-              </a:lnSpc>
-              <a:spcBef>
-                <a:spcPct val="20000"/>
-              </a:spcBef>
-              <a:spcAft>
-                <a:spcPct val="0"/>
-              </a:spcAft>
-            </a:pPr>
-            <a:r>
-              <a:rPr lang="en-US" altLang="ja-JP" sz="2400" dirty="0">
-                <a:solidFill>
-                  <a:schemeClr val="tx1"/>
-                </a:solidFill>
+          <a:bodyPr rtlCol="0" anchor="ctr"/>
+          <a:lstStyle/>
+          <a:p>
+            <a:pPr algn="ctr"/>
+            <a:r>
+              <a:rPr lang="en-US" altLang="ja-JP" sz="2800" dirty="0" smtClean="0">
                 <a:latin typeface="メイリオ" panose="020B0604030504040204" pitchFamily="50" charset="-128"/>
                 <a:ea typeface="メイリオ" panose="020B0604030504040204" pitchFamily="50" charset="-128"/>
-                <a:cs typeface="メイリオ" pitchFamily="50" charset="-128"/>
               </a:rPr>
-              <a:t>tIPv4</a:t>
-            </a:r>
-          </a:p>
-          <a:p>
-            <a:pPr algn="ctr" defTabSz="1922240" fontAlgn="base">
-              <a:lnSpc>
-                <a:spcPct val="90000"/>
-              </a:lnSpc>
-              <a:spcBef>
-                <a:spcPct val="20000"/>
-              </a:spcBef>
-              <a:spcAft>
-                <a:spcPct val="0"/>
-              </a:spcAft>
-            </a:pPr>
-            <a:r>
-              <a:rPr lang="en-US" altLang="ja-JP" sz="2400" dirty="0" err="1">
-                <a:solidFill>
-                  <a:schemeClr val="tx1"/>
-                </a:solidFill>
+              <a:t>Application</a:t>
+            </a:r>
+          </a:p>
+          <a:p>
+            <a:pPr algn="ctr"/>
+            <a:r>
+              <a:rPr lang="en-US" altLang="ja-JP" sz="2800" dirty="0" smtClean="0">
                 <a:latin typeface="メイリオ" panose="020B0604030504040204" pitchFamily="50" charset="-128"/>
                 <a:ea typeface="メイリオ" panose="020B0604030504040204" pitchFamily="50" charset="-128"/>
-                <a:cs typeface="メイリオ" pitchFamily="50" charset="-128"/>
               </a:rPr>
-              <a:t>RoutingTable</a:t>
-            </a:r>
-            <a:endParaRPr lang="en-US" altLang="ja-JP" sz="2400" dirty="0">
-              <a:solidFill>
-                <a:schemeClr val="tx1"/>
-              </a:solidFill>
+              <a:t>Layer</a:t>
+            </a:r>
+            <a:endParaRPr kumimoji="1" lang="ja-JP" altLang="en-US" sz="2800" dirty="0">
               <a:latin typeface="メイリオ" panose="020B0604030504040204" pitchFamily="50" charset="-128"/>
               <a:ea typeface="メイリオ" panose="020B0604030504040204" pitchFamily="50" charset="-128"/>
-              <a:cs typeface="メイリオ" pitchFamily="50" charset="-128"/>
             </a:endParaRPr>
           </a:p>
         </p:txBody>
       </p:sp>
       <p:sp>
         <p:nvSpPr>
-          <p:cNvPr id="68" name="二等辺三角形 67"/>
+          <p:cNvPr id="80" name="正方形/長方形 79"/>
           <p:cNvSpPr/>
           <p:nvPr/>
         </p:nvSpPr>
         <p:spPr>
-          <a:xfrm rot="10800000">
-            <a:off x="9852376" y="11240617"/>
-            <a:ext cx="407024" cy="282104"/>
-          </a:xfrm>
-          <a:prstGeom prst="triangle">
-            <a:avLst/>
-          </a:prstGeom>
+          <a:xfrm rot="-5400000">
+            <a:off x="-1094831" y="3458871"/>
+            <a:ext cx="3348329" cy="914400"/>
+          </a:xfrm>
+          <a:prstGeom prst="rect">
+            <a:avLst/>
+          </a:prstGeom>
+          <a:noFill/>
+          <a:ln>
+            <a:solidFill>
+              <a:schemeClr val="bg1"/>
+            </a:solidFill>
+          </a:ln>
         </p:spPr>
         <p:style>
           <a:lnRef idx="2">
-            <a:schemeClr val="dk1">
-              <a:shade val="50000"/>
-            </a:schemeClr>
+            <a:schemeClr val="dk1"/>
           </a:lnRef>
           <a:fillRef idx="1">
-            <a:schemeClr val="dk1"/>
+            <a:schemeClr val="lt1"/>
           </a:fillRef>
           <a:effectRef idx="0">
             <a:schemeClr val="dk1"/>
           </a:effectRef>
           <a:fontRef idx="minor">
-            <a:schemeClr val="lt1"/>
+            <a:schemeClr val="dk1"/>
           </a:fontRef>
         </p:style>
         <p:txBody>
@@ -6244,71 +7230,127 @@
           <a:lstStyle/>
           <a:p>
             <a:pPr algn="ctr"/>
-            <a:endParaRPr kumimoji="1" lang="ja-JP" altLang="en-US"/>
-          </a:p>
-        </p:txBody>
-      </p:sp>
-      <p:cxnSp>
-        <p:nvCxnSpPr>
-          <p:cNvPr id="69" name="直線コネクタ 68"/>
-          <p:cNvCxnSpPr>
-            <a:stCxn id="23" idx="2"/>
-          </p:cNvCxnSpPr>
+            <a:r>
+              <a:rPr lang="en-US" altLang="ja-JP" sz="2800" dirty="0" smtClean="0">
+                <a:latin typeface="メイリオ" panose="020B0604030504040204" pitchFamily="50" charset="-128"/>
+                <a:ea typeface="メイリオ" panose="020B0604030504040204" pitchFamily="50" charset="-128"/>
+              </a:rPr>
+              <a:t>Transport</a:t>
+            </a:r>
+          </a:p>
+          <a:p>
+            <a:pPr algn="ctr"/>
+            <a:r>
+              <a:rPr lang="en-US" altLang="ja-JP" sz="2800" dirty="0" smtClean="0">
+                <a:latin typeface="メイリオ" panose="020B0604030504040204" pitchFamily="50" charset="-128"/>
+                <a:ea typeface="メイリオ" panose="020B0604030504040204" pitchFamily="50" charset="-128"/>
+              </a:rPr>
+              <a:t>Layer</a:t>
+            </a:r>
+            <a:endParaRPr kumimoji="1" lang="ja-JP" altLang="en-US" sz="2800" dirty="0">
+              <a:latin typeface="メイリオ" panose="020B0604030504040204" pitchFamily="50" charset="-128"/>
+              <a:ea typeface="メイリオ" panose="020B0604030504040204" pitchFamily="50" charset="-128"/>
+            </a:endParaRPr>
+          </a:p>
+        </p:txBody>
+      </p:sp>
+      <p:sp>
+        <p:nvSpPr>
+          <p:cNvPr id="81" name="正方形/長方形 80"/>
+          <p:cNvSpPr/>
           <p:nvPr/>
-        </p:nvCxnSpPr>
-        <p:spPr>
-          <a:xfrm flipH="1">
-            <a:off x="10031548" y="10606847"/>
-            <a:ext cx="1" cy="915875"/>
-          </a:xfrm>
-          <a:prstGeom prst="line">
-            <a:avLst/>
-          </a:prstGeom>
+        </p:nvSpPr>
+        <p:spPr>
+          <a:xfrm rot="-5400000">
+            <a:off x="-1116045" y="7097967"/>
+            <a:ext cx="3348329" cy="914400"/>
+          </a:xfrm>
+          <a:prstGeom prst="rect">
+            <a:avLst/>
+          </a:prstGeom>
+          <a:noFill/>
+          <a:ln>
+            <a:solidFill>
+              <a:schemeClr val="bg1"/>
+            </a:solidFill>
+          </a:ln>
         </p:spPr>
         <p:style>
-          <a:lnRef idx="1">
+          <a:lnRef idx="2">
             <a:schemeClr val="dk1"/>
           </a:lnRef>
-          <a:fillRef idx="0">
-            <a:schemeClr val="dk1"/>
+          <a:fillRef idx="1">
+            <a:schemeClr val="lt1"/>
           </a:fillRef>
           <a:effectRef idx="0">
             <a:schemeClr val="dk1"/>
           </a:effectRef>
           <a:fontRef idx="minor">
-            <a:schemeClr val="tx1"/>
+            <a:schemeClr val="dk1"/>
           </a:fontRef>
         </p:style>
-      </p:cxnSp>
-      <p:sp>
-        <p:nvSpPr>
-          <p:cNvPr id="76" name="二等辺三角形 75"/>
+        <p:txBody>
+          <a:bodyPr rtlCol="0" anchor="ctr"/>
+          <a:lstStyle/>
+          <a:p>
+            <a:pPr algn="ctr"/>
+            <a:r>
+              <a:rPr lang="en-US" altLang="ja-JP" sz="2800" dirty="0" smtClean="0">
+                <a:latin typeface="メイリオ" panose="020B0604030504040204" pitchFamily="50" charset="-128"/>
+                <a:ea typeface="メイリオ" panose="020B0604030504040204" pitchFamily="50" charset="-128"/>
+              </a:rPr>
+              <a:t>Network</a:t>
+            </a:r>
+          </a:p>
+          <a:p>
+            <a:pPr algn="ctr"/>
+            <a:r>
+              <a:rPr lang="en-US" altLang="ja-JP" sz="2800" dirty="0" smtClean="0">
+                <a:latin typeface="メイリオ" panose="020B0604030504040204" pitchFamily="50" charset="-128"/>
+                <a:ea typeface="メイリオ" panose="020B0604030504040204" pitchFamily="50" charset="-128"/>
+              </a:rPr>
+              <a:t>Layer</a:t>
+            </a:r>
+            <a:endParaRPr kumimoji="1" lang="ja-JP" altLang="en-US" sz="2800" dirty="0">
+              <a:latin typeface="メイリオ" panose="020B0604030504040204" pitchFamily="50" charset="-128"/>
+              <a:ea typeface="メイリオ" panose="020B0604030504040204" pitchFamily="50" charset="-128"/>
+            </a:endParaRPr>
+          </a:p>
+        </p:txBody>
+      </p:sp>
+      <p:sp>
+        <p:nvSpPr>
+          <p:cNvPr id="82" name="正方形/長方形 81"/>
           <p:cNvSpPr/>
           <p:nvPr/>
         </p:nvSpPr>
         <p:spPr>
-          <a:xfrm rot="10800000">
-            <a:off x="10264622" y="9767323"/>
-            <a:ext cx="407024" cy="282104"/>
-          </a:xfrm>
-          <a:prstGeom prst="triangle">
-            <a:avLst/>
-          </a:prstGeom>
+          <a:xfrm rot="-5400000">
+            <a:off x="-1123406" y="13244242"/>
+            <a:ext cx="3348329" cy="914400"/>
+          </a:xfrm>
+          <a:prstGeom prst="rect">
+            <a:avLst/>
+          </a:prstGeom>
+          <a:noFill/>
+          <a:ln>
+            <a:solidFill>
+              <a:schemeClr val="bg1"/>
+            </a:solidFill>
+          </a:ln>
         </p:spPr>
         <p:style>
           <a:lnRef idx="2">
-            <a:schemeClr val="dk1">
-              <a:shade val="50000"/>
-            </a:schemeClr>
+            <a:schemeClr val="dk1"/>
           </a:lnRef>
           <a:fillRef idx="1">
-            <a:schemeClr val="dk1"/>
+            <a:schemeClr val="lt1"/>
           </a:fillRef>
           <a:effectRef idx="0">
             <a:schemeClr val="dk1"/>
           </a:effectRef>
           <a:fontRef idx="minor">
-            <a:schemeClr val="lt1"/>
+            <a:schemeClr val="dk1"/>
           </a:fontRef>
         </p:style>
         <p:txBody>
@@ -6316,813 +7358,91 @@
           <a:lstStyle/>
           <a:p>
             <a:pPr algn="ctr"/>
-            <a:endParaRPr kumimoji="1" lang="ja-JP" altLang="en-US"/>
-          </a:p>
-        </p:txBody>
-      </p:sp>
-      <p:cxnSp>
-        <p:nvCxnSpPr>
-          <p:cNvPr id="77" name="直線コネクタ 76"/>
-          <p:cNvCxnSpPr>
-            <a:endCxn id="76" idx="0"/>
-          </p:cNvCxnSpPr>
+            <a:r>
+              <a:rPr lang="en-US" altLang="ja-JP" sz="2800" dirty="0" smtClean="0">
+                <a:latin typeface="メイリオ" panose="020B0604030504040204" pitchFamily="50" charset="-128"/>
+                <a:ea typeface="メイリオ" panose="020B0604030504040204" pitchFamily="50" charset="-128"/>
+              </a:rPr>
+              <a:t>Physical</a:t>
+            </a:r>
+          </a:p>
+          <a:p>
+            <a:pPr algn="ctr"/>
+            <a:r>
+              <a:rPr lang="en-US" altLang="ja-JP" sz="2800" dirty="0" smtClean="0">
+                <a:latin typeface="メイリオ" panose="020B0604030504040204" pitchFamily="50" charset="-128"/>
+                <a:ea typeface="メイリオ" panose="020B0604030504040204" pitchFamily="50" charset="-128"/>
+              </a:rPr>
+              <a:t>Layer</a:t>
+            </a:r>
+            <a:endParaRPr kumimoji="1" lang="ja-JP" altLang="en-US" sz="2800" dirty="0">
+              <a:latin typeface="メイリオ" panose="020B0604030504040204" pitchFamily="50" charset="-128"/>
+              <a:ea typeface="メイリオ" panose="020B0604030504040204" pitchFamily="50" charset="-128"/>
+            </a:endParaRPr>
+          </a:p>
+        </p:txBody>
+      </p:sp>
+      <p:sp>
+        <p:nvSpPr>
+          <p:cNvPr id="83" name="正方形/長方形 82"/>
+          <p:cNvSpPr/>
           <p:nvPr/>
-        </p:nvCxnSpPr>
-        <p:spPr>
-          <a:xfrm>
-            <a:off x="10468133" y="8676947"/>
-            <a:ext cx="1" cy="1372480"/>
-          </a:xfrm>
-          <a:prstGeom prst="line">
-            <a:avLst/>
-          </a:prstGeom>
+        </p:nvSpPr>
+        <p:spPr>
+          <a:xfrm rot="-5400000">
+            <a:off x="-1097861" y="10547998"/>
+            <a:ext cx="3348329" cy="914400"/>
+          </a:xfrm>
+          <a:prstGeom prst="rect">
+            <a:avLst/>
+          </a:prstGeom>
+          <a:noFill/>
+          <a:ln>
+            <a:solidFill>
+              <a:schemeClr val="bg1"/>
+            </a:solidFill>
+          </a:ln>
         </p:spPr>
         <p:style>
-          <a:lnRef idx="1">
+          <a:lnRef idx="2">
             <a:schemeClr val="dk1"/>
           </a:lnRef>
-          <a:fillRef idx="0">
-            <a:schemeClr val="dk1"/>
+          <a:fillRef idx="1">
+            <a:schemeClr val="lt1"/>
           </a:fillRef>
           <a:effectRef idx="0">
             <a:schemeClr val="dk1"/>
           </a:effectRef>
           <a:fontRef idx="minor">
-            <a:schemeClr val="tx1"/>
+            <a:schemeClr val="dk1"/>
           </a:fontRef>
         </p:style>
-      </p:cxnSp>
-      <p:sp>
-        <p:nvSpPr>
-          <p:cNvPr id="84" name="二等辺三角形 83"/>
-          <p:cNvSpPr/>
-          <p:nvPr/>
-        </p:nvSpPr>
-        <p:spPr>
-          <a:xfrm rot="10800000">
-            <a:off x="5880758" y="13277882"/>
-            <a:ext cx="407024" cy="282104"/>
-          </a:xfrm>
-          <a:prstGeom prst="triangle">
-            <a:avLst/>
-          </a:prstGeom>
-        </p:spPr>
-        <p:style>
-          <a:lnRef idx="2">
-            <a:schemeClr val="dk1">
-              <a:shade val="50000"/>
-            </a:schemeClr>
-          </a:lnRef>
-          <a:fillRef idx="1">
-            <a:schemeClr val="dk1"/>
-          </a:fillRef>
-          <a:effectRef idx="0">
-            <a:schemeClr val="dk1"/>
-          </a:effectRef>
-          <a:fontRef idx="minor">
-            <a:schemeClr val="lt1"/>
-          </a:fontRef>
-        </p:style>
         <p:txBody>
           <a:bodyPr rtlCol="0" anchor="ctr"/>
           <a:lstStyle/>
           <a:p>
             <a:pPr algn="ctr"/>
-            <a:endParaRPr kumimoji="1" lang="ja-JP" altLang="en-US"/>
-          </a:p>
-        </p:txBody>
-      </p:sp>
-      <p:cxnSp>
-        <p:nvCxnSpPr>
-          <p:cNvPr id="85" name="直線コネクタ 84"/>
-          <p:cNvCxnSpPr>
-            <a:endCxn id="84" idx="0"/>
-          </p:cNvCxnSpPr>
-          <p:nvPr/>
-        </p:nvCxnSpPr>
-        <p:spPr>
-          <a:xfrm flipH="1">
-            <a:off x="6084270" y="11993031"/>
-            <a:ext cx="15153" cy="1566955"/>
-          </a:xfrm>
-          <a:prstGeom prst="line">
-            <a:avLst/>
-          </a:prstGeom>
-        </p:spPr>
-        <p:style>
-          <a:lnRef idx="1">
-            <a:schemeClr val="dk1"/>
-          </a:lnRef>
-          <a:fillRef idx="0">
-            <a:schemeClr val="dk1"/>
-          </a:fillRef>
-          <a:effectRef idx="0">
-            <a:schemeClr val="dk1"/>
-          </a:effectRef>
-          <a:fontRef idx="minor">
-            <a:schemeClr val="tx1"/>
-          </a:fontRef>
-        </p:style>
-      </p:cxnSp>
-      <p:cxnSp>
-        <p:nvCxnSpPr>
-          <p:cNvPr id="87" name="直線コネクタ 86"/>
-          <p:cNvCxnSpPr>
-            <a:stCxn id="24" idx="3"/>
-            <a:endCxn id="25" idx="1"/>
-          </p:cNvCxnSpPr>
-          <p:nvPr/>
-        </p:nvCxnSpPr>
-        <p:spPr>
-          <a:xfrm>
-            <a:off x="4655127" y="11993031"/>
-            <a:ext cx="2895600" cy="1"/>
-          </a:xfrm>
-          <a:prstGeom prst="line">
-            <a:avLst/>
-          </a:prstGeom>
-        </p:spPr>
-        <p:style>
-          <a:lnRef idx="1">
-            <a:schemeClr val="dk1"/>
-          </a:lnRef>
-          <a:fillRef idx="0">
-            <a:schemeClr val="dk1"/>
-          </a:fillRef>
-          <a:effectRef idx="0">
-            <a:schemeClr val="dk1"/>
-          </a:effectRef>
-          <a:fontRef idx="minor">
-            <a:schemeClr val="tx1"/>
-          </a:fontRef>
-        </p:style>
-      </p:cxnSp>
-      <p:cxnSp>
-        <p:nvCxnSpPr>
-          <p:cNvPr id="101" name="直線コネクタ 100"/>
-          <p:cNvCxnSpPr/>
-          <p:nvPr/>
-        </p:nvCxnSpPr>
-        <p:spPr>
-          <a:xfrm>
-            <a:off x="3207327" y="7561031"/>
-            <a:ext cx="5787820" cy="7403"/>
-          </a:xfrm>
-          <a:prstGeom prst="line">
-            <a:avLst/>
-          </a:prstGeom>
-        </p:spPr>
-        <p:style>
-          <a:lnRef idx="1">
-            <a:schemeClr val="dk1"/>
-          </a:lnRef>
-          <a:fillRef idx="0">
-            <a:schemeClr val="dk1"/>
-          </a:fillRef>
-          <a:effectRef idx="0">
-            <a:schemeClr val="dk1"/>
-          </a:effectRef>
-          <a:fontRef idx="minor">
-            <a:schemeClr val="tx1"/>
-          </a:fontRef>
-        </p:style>
-      </p:cxnSp>
-      <p:sp>
-        <p:nvSpPr>
-          <p:cNvPr id="103" name="円/楕円 102"/>
-          <p:cNvSpPr/>
-          <p:nvPr/>
-        </p:nvSpPr>
-        <p:spPr>
-          <a:xfrm>
-            <a:off x="6050932" y="7515181"/>
-            <a:ext cx="96982" cy="79971"/>
-          </a:xfrm>
-          <a:prstGeom prst="ellipse">
-            <a:avLst/>
-          </a:prstGeom>
-        </p:spPr>
-        <p:style>
-          <a:lnRef idx="2">
-            <a:schemeClr val="dk1">
-              <a:shade val="50000"/>
-            </a:schemeClr>
-          </a:lnRef>
-          <a:fillRef idx="1">
-            <a:schemeClr val="dk1"/>
-          </a:fillRef>
-          <a:effectRef idx="0">
-            <a:schemeClr val="dk1"/>
-          </a:effectRef>
-          <a:fontRef idx="minor">
-            <a:schemeClr val="lt1"/>
-          </a:fontRef>
-        </p:style>
-        <p:txBody>
-          <a:bodyPr rtlCol="0" anchor="ctr"/>
-          <a:lstStyle/>
+            <a:r>
+              <a:rPr lang="en-US" altLang="ja-JP" sz="2800" dirty="0" smtClean="0">
+                <a:latin typeface="メイリオ" panose="020B0604030504040204" pitchFamily="50" charset="-128"/>
+                <a:ea typeface="メイリオ" panose="020B0604030504040204" pitchFamily="50" charset="-128"/>
+              </a:rPr>
+              <a:t>Data Link</a:t>
+            </a:r>
+          </a:p>
           <a:p>
             <a:pPr algn="ctr"/>
-            <a:endParaRPr kumimoji="1" lang="ja-JP" altLang="en-US"/>
-          </a:p>
-        </p:txBody>
-      </p:sp>
-      <p:sp>
-        <p:nvSpPr>
-          <p:cNvPr id="104" name="円/楕円 103"/>
-          <p:cNvSpPr/>
-          <p:nvPr/>
-        </p:nvSpPr>
-        <p:spPr>
-          <a:xfrm>
-            <a:off x="6050932" y="11953044"/>
-            <a:ext cx="96982" cy="79971"/>
-          </a:xfrm>
-          <a:prstGeom prst="ellipse">
-            <a:avLst/>
-          </a:prstGeom>
-        </p:spPr>
-        <p:style>
-          <a:lnRef idx="2">
-            <a:schemeClr val="dk1">
-              <a:shade val="50000"/>
-            </a:schemeClr>
-          </a:lnRef>
-          <a:fillRef idx="1">
-            <a:schemeClr val="dk1"/>
-          </a:fillRef>
-          <a:effectRef idx="0">
-            <a:schemeClr val="dk1"/>
-          </a:effectRef>
-          <a:fontRef idx="minor">
-            <a:schemeClr val="lt1"/>
-          </a:fontRef>
-        </p:style>
-        <p:txBody>
-          <a:bodyPr rtlCol="0" anchor="ctr"/>
-          <a:lstStyle/>
-          <a:p>
-            <a:pPr algn="ctr"/>
-            <a:endParaRPr kumimoji="1" lang="ja-JP" altLang="en-US"/>
-          </a:p>
-        </p:txBody>
-      </p:sp>
-      <p:cxnSp>
-        <p:nvCxnSpPr>
-          <p:cNvPr id="105" name="直線コネクタ 104"/>
-          <p:cNvCxnSpPr/>
-          <p:nvPr/>
-        </p:nvCxnSpPr>
-        <p:spPr>
-          <a:xfrm>
-            <a:off x="6096906" y="10443709"/>
-            <a:ext cx="2517" cy="417898"/>
-          </a:xfrm>
-          <a:prstGeom prst="line">
-            <a:avLst/>
-          </a:prstGeom>
-        </p:spPr>
-        <p:style>
-          <a:lnRef idx="1">
-            <a:schemeClr val="dk1"/>
-          </a:lnRef>
-          <a:fillRef idx="0">
-            <a:schemeClr val="dk1"/>
-          </a:fillRef>
-          <a:effectRef idx="0">
-            <a:schemeClr val="dk1"/>
-          </a:effectRef>
-          <a:fontRef idx="minor">
-            <a:schemeClr val="tx1"/>
-          </a:fontRef>
-        </p:style>
-      </p:cxnSp>
-      <p:cxnSp>
-        <p:nvCxnSpPr>
-          <p:cNvPr id="107" name="直線コネクタ 106"/>
-          <p:cNvCxnSpPr/>
-          <p:nvPr/>
-        </p:nvCxnSpPr>
-        <p:spPr>
-          <a:xfrm>
-            <a:off x="6102927" y="10861606"/>
-            <a:ext cx="3928621" cy="1"/>
-          </a:xfrm>
-          <a:prstGeom prst="line">
-            <a:avLst/>
-          </a:prstGeom>
-        </p:spPr>
-        <p:style>
-          <a:lnRef idx="1">
-            <a:schemeClr val="dk1"/>
-          </a:lnRef>
-          <a:fillRef idx="0">
-            <a:schemeClr val="dk1"/>
-          </a:fillRef>
-          <a:effectRef idx="0">
-            <a:schemeClr val="dk1"/>
-          </a:effectRef>
-          <a:fontRef idx="minor">
-            <a:schemeClr val="tx1"/>
-          </a:fontRef>
-        </p:style>
-      </p:cxnSp>
-      <p:sp>
-        <p:nvSpPr>
-          <p:cNvPr id="109" name="円/楕円 108"/>
-          <p:cNvSpPr/>
-          <p:nvPr/>
-        </p:nvSpPr>
-        <p:spPr>
-          <a:xfrm>
-            <a:off x="9983057" y="10826252"/>
-            <a:ext cx="96982" cy="79971"/>
-          </a:xfrm>
-          <a:prstGeom prst="ellipse">
-            <a:avLst/>
-          </a:prstGeom>
-        </p:spPr>
-        <p:style>
-          <a:lnRef idx="2">
-            <a:schemeClr val="dk1">
-              <a:shade val="50000"/>
-            </a:schemeClr>
-          </a:lnRef>
-          <a:fillRef idx="1">
-            <a:schemeClr val="dk1"/>
-          </a:fillRef>
-          <a:effectRef idx="0">
-            <a:schemeClr val="dk1"/>
-          </a:effectRef>
-          <a:fontRef idx="minor">
-            <a:schemeClr val="lt1"/>
-          </a:fontRef>
-        </p:style>
-        <p:txBody>
-          <a:bodyPr rtlCol="0" anchor="ctr"/>
-          <a:lstStyle/>
-          <a:p>
-            <a:pPr algn="ctr"/>
-            <a:endParaRPr kumimoji="1" lang="ja-JP" altLang="en-US"/>
-          </a:p>
-        </p:txBody>
-      </p:sp>
-      <p:cxnSp>
-        <p:nvCxnSpPr>
-          <p:cNvPr id="110" name="直線コネクタ 109"/>
-          <p:cNvCxnSpPr/>
-          <p:nvPr/>
-        </p:nvCxnSpPr>
-        <p:spPr>
-          <a:xfrm>
-            <a:off x="3916514" y="10060984"/>
-            <a:ext cx="1295294" cy="3312"/>
-          </a:xfrm>
-          <a:prstGeom prst="line">
-            <a:avLst/>
-          </a:prstGeom>
-        </p:spPr>
-        <p:style>
-          <a:lnRef idx="1">
-            <a:schemeClr val="dk1"/>
-          </a:lnRef>
-          <a:fillRef idx="0">
-            <a:schemeClr val="dk1"/>
-          </a:fillRef>
-          <a:effectRef idx="0">
-            <a:schemeClr val="dk1"/>
-          </a:effectRef>
-          <a:fontRef idx="minor">
-            <a:schemeClr val="tx1"/>
-          </a:fontRef>
-        </p:style>
-      </p:cxnSp>
-      <p:cxnSp>
-        <p:nvCxnSpPr>
-          <p:cNvPr id="112" name="直線コネクタ 111"/>
-          <p:cNvCxnSpPr/>
-          <p:nvPr/>
-        </p:nvCxnSpPr>
-        <p:spPr>
-          <a:xfrm flipH="1">
-            <a:off x="3913010" y="10049427"/>
-            <a:ext cx="1" cy="1224968"/>
-          </a:xfrm>
-          <a:prstGeom prst="line">
-            <a:avLst/>
-          </a:prstGeom>
-        </p:spPr>
-        <p:style>
-          <a:lnRef idx="1">
-            <a:schemeClr val="dk1"/>
-          </a:lnRef>
-          <a:fillRef idx="0">
-            <a:schemeClr val="dk1"/>
-          </a:fillRef>
-          <a:effectRef idx="0">
-            <a:schemeClr val="dk1"/>
-          </a:effectRef>
-          <a:fontRef idx="minor">
-            <a:schemeClr val="tx1"/>
-          </a:fontRef>
-        </p:style>
-      </p:cxnSp>
-      <p:sp>
-        <p:nvSpPr>
-          <p:cNvPr id="114" name="二等辺三角形 113"/>
-          <p:cNvSpPr/>
-          <p:nvPr/>
-        </p:nvSpPr>
-        <p:spPr>
-          <a:xfrm rot="5400000">
-            <a:off x="5145845" y="9933118"/>
-            <a:ext cx="407024" cy="282104"/>
-          </a:xfrm>
-          <a:prstGeom prst="triangle">
-            <a:avLst/>
-          </a:prstGeom>
-        </p:spPr>
-        <p:style>
-          <a:lnRef idx="2">
-            <a:schemeClr val="dk1">
-              <a:shade val="50000"/>
-            </a:schemeClr>
-          </a:lnRef>
-          <a:fillRef idx="1">
-            <a:schemeClr val="dk1"/>
-          </a:fillRef>
-          <a:effectRef idx="0">
-            <a:schemeClr val="dk1"/>
-          </a:effectRef>
-          <a:fontRef idx="minor">
-            <a:schemeClr val="lt1"/>
-          </a:fontRef>
-        </p:style>
-        <p:txBody>
-          <a:bodyPr rtlCol="0" anchor="ctr"/>
-          <a:lstStyle/>
-          <a:p>
-            <a:pPr algn="ctr"/>
-            <a:endParaRPr kumimoji="1" lang="ja-JP" altLang="en-US"/>
-          </a:p>
-        </p:txBody>
-      </p:sp>
-      <p:cxnSp>
-        <p:nvCxnSpPr>
-          <p:cNvPr id="115" name="直線コネクタ 114"/>
-          <p:cNvCxnSpPr>
-            <a:endCxn id="23" idx="1"/>
-          </p:cNvCxnSpPr>
-          <p:nvPr/>
-        </p:nvCxnSpPr>
-        <p:spPr>
-          <a:xfrm>
-            <a:off x="6970893" y="10184450"/>
-            <a:ext cx="1226267" cy="1"/>
-          </a:xfrm>
-          <a:prstGeom prst="line">
-            <a:avLst/>
-          </a:prstGeom>
-        </p:spPr>
-        <p:style>
-          <a:lnRef idx="1">
-            <a:schemeClr val="dk1"/>
-          </a:lnRef>
-          <a:fillRef idx="0">
-            <a:schemeClr val="dk1"/>
-          </a:fillRef>
-          <a:effectRef idx="0">
-            <a:schemeClr val="dk1"/>
-          </a:effectRef>
-          <a:fontRef idx="minor">
-            <a:schemeClr val="tx1"/>
-          </a:fontRef>
-        </p:style>
-      </p:cxnSp>
-      <p:sp>
-        <p:nvSpPr>
-          <p:cNvPr id="119" name="二等辺三角形 118"/>
-          <p:cNvSpPr/>
-          <p:nvPr/>
-        </p:nvSpPr>
-        <p:spPr>
-          <a:xfrm rot="16200000">
-            <a:off x="6618307" y="10039430"/>
-            <a:ext cx="407024" cy="282104"/>
-          </a:xfrm>
-          <a:prstGeom prst="triangle">
-            <a:avLst/>
-          </a:prstGeom>
-        </p:spPr>
-        <p:style>
-          <a:lnRef idx="2">
-            <a:schemeClr val="dk1">
-              <a:shade val="50000"/>
-            </a:schemeClr>
-          </a:lnRef>
-          <a:fillRef idx="1">
-            <a:schemeClr val="dk1"/>
-          </a:fillRef>
-          <a:effectRef idx="0">
-            <a:schemeClr val="dk1"/>
-          </a:effectRef>
-          <a:fontRef idx="minor">
-            <a:schemeClr val="lt1"/>
-          </a:fontRef>
-        </p:style>
-        <p:txBody>
-          <a:bodyPr rtlCol="0" anchor="ctr"/>
-          <a:lstStyle/>
-          <a:p>
-            <a:pPr algn="ctr"/>
-            <a:endParaRPr kumimoji="1" lang="ja-JP" altLang="en-US"/>
-          </a:p>
-        </p:txBody>
-      </p:sp>
-      <p:cxnSp>
-        <p:nvCxnSpPr>
-          <p:cNvPr id="120" name="直線コネクタ 119"/>
-          <p:cNvCxnSpPr/>
-          <p:nvPr/>
-        </p:nvCxnSpPr>
-        <p:spPr>
-          <a:xfrm flipV="1">
-            <a:off x="8734151" y="8152760"/>
-            <a:ext cx="260996" cy="3615"/>
-          </a:xfrm>
-          <a:prstGeom prst="line">
-            <a:avLst/>
-          </a:prstGeom>
-        </p:spPr>
-        <p:style>
-          <a:lnRef idx="1">
-            <a:schemeClr val="dk1"/>
-          </a:lnRef>
-          <a:fillRef idx="0">
-            <a:schemeClr val="dk1"/>
-          </a:fillRef>
-          <a:effectRef idx="0">
-            <a:schemeClr val="dk1"/>
-          </a:effectRef>
-          <a:fontRef idx="minor">
-            <a:schemeClr val="tx1"/>
-          </a:fontRef>
-        </p:style>
-      </p:cxnSp>
-      <p:sp>
-        <p:nvSpPr>
-          <p:cNvPr id="121" name="二等辺三角形 120"/>
-          <p:cNvSpPr/>
-          <p:nvPr/>
-        </p:nvSpPr>
-        <p:spPr>
-          <a:xfrm rot="16200000">
-            <a:off x="8389587" y="8011355"/>
-            <a:ext cx="407024" cy="282104"/>
-          </a:xfrm>
-          <a:prstGeom prst="triangle">
-            <a:avLst/>
-          </a:prstGeom>
-        </p:spPr>
-        <p:style>
-          <a:lnRef idx="2">
-            <a:schemeClr val="dk1">
-              <a:shade val="50000"/>
-            </a:schemeClr>
-          </a:lnRef>
-          <a:fillRef idx="1">
-            <a:schemeClr val="dk1"/>
-          </a:fillRef>
-          <a:effectRef idx="0">
-            <a:schemeClr val="dk1"/>
-          </a:effectRef>
-          <a:fontRef idx="minor">
-            <a:schemeClr val="lt1"/>
-          </a:fontRef>
-        </p:style>
-        <p:txBody>
-          <a:bodyPr rtlCol="0" anchor="ctr"/>
-          <a:lstStyle/>
-          <a:p>
-            <a:pPr algn="ctr"/>
-            <a:endParaRPr kumimoji="1" lang="ja-JP" altLang="en-US"/>
-          </a:p>
-        </p:txBody>
-      </p:sp>
-      <p:sp>
-        <p:nvSpPr>
-          <p:cNvPr id="124" name="二等辺三角形 123"/>
-          <p:cNvSpPr/>
-          <p:nvPr/>
-        </p:nvSpPr>
-        <p:spPr>
-          <a:xfrm rot="10800000">
-            <a:off x="11189078" y="7384196"/>
-            <a:ext cx="407024" cy="282104"/>
-          </a:xfrm>
-          <a:prstGeom prst="triangle">
-            <a:avLst/>
-          </a:prstGeom>
-        </p:spPr>
-        <p:style>
-          <a:lnRef idx="2">
-            <a:schemeClr val="dk1">
-              <a:shade val="50000"/>
-            </a:schemeClr>
-          </a:lnRef>
-          <a:fillRef idx="1">
-            <a:schemeClr val="dk1"/>
-          </a:fillRef>
-          <a:effectRef idx="0">
-            <a:schemeClr val="dk1"/>
-          </a:effectRef>
-          <a:fontRef idx="minor">
-            <a:schemeClr val="lt1"/>
-          </a:fontRef>
-        </p:style>
-        <p:txBody>
-          <a:bodyPr rtlCol="0" anchor="ctr"/>
-          <a:lstStyle/>
-          <a:p>
-            <a:pPr algn="ctr"/>
-            <a:endParaRPr kumimoji="1" lang="ja-JP" altLang="en-US"/>
-          </a:p>
-        </p:txBody>
-      </p:sp>
-      <p:cxnSp>
-        <p:nvCxnSpPr>
-          <p:cNvPr id="125" name="直線コネクタ 124"/>
-          <p:cNvCxnSpPr>
-            <a:endCxn id="124" idx="0"/>
-          </p:cNvCxnSpPr>
-          <p:nvPr/>
-        </p:nvCxnSpPr>
-        <p:spPr>
-          <a:xfrm>
-            <a:off x="11378986" y="5139610"/>
-            <a:ext cx="13604" cy="2526690"/>
-          </a:xfrm>
-          <a:prstGeom prst="line">
-            <a:avLst/>
-          </a:prstGeom>
-        </p:spPr>
-        <p:style>
-          <a:lnRef idx="1">
-            <a:schemeClr val="dk1"/>
-          </a:lnRef>
-          <a:fillRef idx="0">
-            <a:schemeClr val="dk1"/>
-          </a:fillRef>
-          <a:effectRef idx="0">
-            <a:schemeClr val="dk1"/>
-          </a:effectRef>
-          <a:fontRef idx="minor">
-            <a:schemeClr val="tx1"/>
-          </a:fontRef>
-        </p:style>
-      </p:cxnSp>
-      <p:cxnSp>
-        <p:nvCxnSpPr>
-          <p:cNvPr id="128" name="直線コネクタ 127"/>
-          <p:cNvCxnSpPr>
-            <a:stCxn id="12" idx="3"/>
-          </p:cNvCxnSpPr>
-          <p:nvPr/>
-        </p:nvCxnSpPr>
-        <p:spPr>
-          <a:xfrm flipV="1">
-            <a:off x="10653142" y="6305648"/>
-            <a:ext cx="739447" cy="1"/>
-          </a:xfrm>
-          <a:prstGeom prst="line">
-            <a:avLst/>
-          </a:prstGeom>
-        </p:spPr>
-        <p:style>
-          <a:lnRef idx="1">
-            <a:schemeClr val="dk1"/>
-          </a:lnRef>
-          <a:fillRef idx="0">
-            <a:schemeClr val="dk1"/>
-          </a:fillRef>
-          <a:effectRef idx="0">
-            <a:schemeClr val="dk1"/>
-          </a:effectRef>
-          <a:fontRef idx="minor">
-            <a:schemeClr val="tx1"/>
-          </a:fontRef>
-        </p:style>
-      </p:cxnSp>
-      <p:sp>
-        <p:nvSpPr>
-          <p:cNvPr id="131" name="円/楕円 130"/>
-          <p:cNvSpPr/>
-          <p:nvPr/>
-        </p:nvSpPr>
-        <p:spPr>
-          <a:xfrm>
-            <a:off x="11330495" y="6255175"/>
-            <a:ext cx="96982" cy="79971"/>
-          </a:xfrm>
-          <a:prstGeom prst="ellipse">
-            <a:avLst/>
-          </a:prstGeom>
-        </p:spPr>
-        <p:style>
-          <a:lnRef idx="2">
-            <a:schemeClr val="dk1">
-              <a:shade val="50000"/>
-            </a:schemeClr>
-          </a:lnRef>
-          <a:fillRef idx="1">
-            <a:schemeClr val="dk1"/>
-          </a:fillRef>
-          <a:effectRef idx="0">
-            <a:schemeClr val="dk1"/>
-          </a:effectRef>
-          <a:fontRef idx="minor">
-            <a:schemeClr val="lt1"/>
-          </a:fontRef>
-        </p:style>
-        <p:txBody>
-          <a:bodyPr rtlCol="0" anchor="ctr"/>
-          <a:lstStyle/>
-          <a:p>
-            <a:pPr algn="ctr"/>
-            <a:endParaRPr kumimoji="1" lang="ja-JP" altLang="en-US"/>
-          </a:p>
-        </p:txBody>
-      </p:sp>
-      <p:cxnSp>
-        <p:nvCxnSpPr>
-          <p:cNvPr id="132" name="直線コネクタ 131"/>
-          <p:cNvCxnSpPr>
-            <a:stCxn id="11" idx="3"/>
-            <a:endCxn id="133" idx="0"/>
-          </p:cNvCxnSpPr>
-          <p:nvPr/>
-        </p:nvCxnSpPr>
-        <p:spPr>
-          <a:xfrm>
-            <a:off x="7897092" y="6305649"/>
-            <a:ext cx="1158553" cy="5876"/>
-          </a:xfrm>
-          <a:prstGeom prst="line">
-            <a:avLst/>
-          </a:prstGeom>
-        </p:spPr>
-        <p:style>
-          <a:lnRef idx="1">
-            <a:schemeClr val="dk1"/>
-          </a:lnRef>
-          <a:fillRef idx="0">
-            <a:schemeClr val="dk1"/>
-          </a:fillRef>
-          <a:effectRef idx="0">
-            <a:schemeClr val="dk1"/>
-          </a:effectRef>
-          <a:fontRef idx="minor">
-            <a:schemeClr val="tx1"/>
-          </a:fontRef>
-        </p:style>
-      </p:cxnSp>
-      <p:sp>
-        <p:nvSpPr>
-          <p:cNvPr id="133" name="二等辺三角形 132"/>
-          <p:cNvSpPr/>
-          <p:nvPr/>
-        </p:nvSpPr>
-        <p:spPr>
-          <a:xfrm rot="5400000">
-            <a:off x="8711081" y="6170473"/>
-            <a:ext cx="407024" cy="282104"/>
-          </a:xfrm>
-          <a:prstGeom prst="triangle">
-            <a:avLst/>
-          </a:prstGeom>
-        </p:spPr>
-        <p:style>
-          <a:lnRef idx="2">
-            <a:schemeClr val="dk1">
-              <a:shade val="50000"/>
-            </a:schemeClr>
-          </a:lnRef>
-          <a:fillRef idx="1">
-            <a:schemeClr val="dk1"/>
-          </a:fillRef>
-          <a:effectRef idx="0">
-            <a:schemeClr val="dk1"/>
-          </a:effectRef>
-          <a:fontRef idx="minor">
-            <a:schemeClr val="lt1"/>
-          </a:fontRef>
-        </p:style>
-        <p:txBody>
-          <a:bodyPr rtlCol="0" anchor="ctr"/>
-          <a:lstStyle/>
-          <a:p>
-            <a:pPr algn="ctr"/>
-            <a:endParaRPr kumimoji="1" lang="ja-JP" altLang="en-US"/>
+            <a:r>
+              <a:rPr lang="en-US" altLang="ja-JP" sz="2800" dirty="0" smtClean="0">
+                <a:latin typeface="メイリオ" panose="020B0604030504040204" pitchFamily="50" charset="-128"/>
+                <a:ea typeface="メイリオ" panose="020B0604030504040204" pitchFamily="50" charset="-128"/>
+              </a:rPr>
+              <a:t>Layer</a:t>
+            </a:r>
+            <a:endParaRPr kumimoji="1" lang="ja-JP" altLang="en-US" sz="2800" dirty="0">
+              <a:latin typeface="メイリオ" panose="020B0604030504040204" pitchFamily="50" charset="-128"/>
+              <a:ea typeface="メイリオ" panose="020B0604030504040204" pitchFamily="50" charset="-128"/>
+            </a:endParaRPr>
           </a:p>
         </p:txBody>
       </p:sp>

--- a/ISORC2017/figure/ComponentProtocolStack.pptx
+++ b/ISORC2017/figure/ComponentProtocolStack.pptx
@@ -197,7 +197,7 @@
           <a:p>
             <a:fld id="{00D06802-B8EF-4FD8-9511-F1F928CF3A55}" type="datetimeFigureOut">
               <a:rPr kumimoji="1" lang="ja-JP" altLang="en-US" smtClean="0"/>
-              <a:t>2017/1/24</a:t>
+              <a:t>2017/2/3</a:t>
             </a:fld>
             <a:endParaRPr kumimoji="1" lang="ja-JP" altLang="en-US"/>
           </a:p>
@@ -628,7 +628,7 @@
           <a:p>
             <a:fld id="{AA641DB4-C951-4763-94FC-F650C3AA7E65}" type="datetimeFigureOut">
               <a:rPr kumimoji="1" lang="ja-JP" altLang="en-US" smtClean="0"/>
-              <a:t>2017/1/24</a:t>
+              <a:t>2017/2/3</a:t>
             </a:fld>
             <a:endParaRPr kumimoji="1" lang="ja-JP" altLang="en-US"/>
           </a:p>
@@ -830,7 +830,7 @@
           <a:p>
             <a:fld id="{AA641DB4-C951-4763-94FC-F650C3AA7E65}" type="datetimeFigureOut">
               <a:rPr kumimoji="1" lang="ja-JP" altLang="en-US" smtClean="0"/>
-              <a:t>2017/1/24</a:t>
+              <a:t>2017/2/3</a:t>
             </a:fld>
             <a:endParaRPr kumimoji="1" lang="ja-JP" altLang="en-US"/>
           </a:p>
@@ -1042,7 +1042,7 @@
           <a:p>
             <a:fld id="{AA641DB4-C951-4763-94FC-F650C3AA7E65}" type="datetimeFigureOut">
               <a:rPr kumimoji="1" lang="ja-JP" altLang="en-US" smtClean="0"/>
-              <a:t>2017/1/24</a:t>
+              <a:t>2017/2/3</a:t>
             </a:fld>
             <a:endParaRPr kumimoji="1" lang="ja-JP" altLang="en-US"/>
           </a:p>
@@ -1244,7 +1244,7 @@
           <a:p>
             <a:fld id="{AA641DB4-C951-4763-94FC-F650C3AA7E65}" type="datetimeFigureOut">
               <a:rPr kumimoji="1" lang="ja-JP" altLang="en-US" smtClean="0"/>
-              <a:t>2017/1/24</a:t>
+              <a:t>2017/2/3</a:t>
             </a:fld>
             <a:endParaRPr kumimoji="1" lang="ja-JP" altLang="en-US"/>
           </a:p>
@@ -1488,7 +1488,7 @@
           <a:p>
             <a:fld id="{AA641DB4-C951-4763-94FC-F650C3AA7E65}" type="datetimeFigureOut">
               <a:rPr kumimoji="1" lang="ja-JP" altLang="en-US" smtClean="0"/>
-              <a:t>2017/1/24</a:t>
+              <a:t>2017/2/3</a:t>
             </a:fld>
             <a:endParaRPr kumimoji="1" lang="ja-JP" altLang="en-US"/>
           </a:p>
@@ -1784,7 +1784,7 @@
           <a:p>
             <a:fld id="{AA641DB4-C951-4763-94FC-F650C3AA7E65}" type="datetimeFigureOut">
               <a:rPr kumimoji="1" lang="ja-JP" altLang="en-US" smtClean="0"/>
-              <a:t>2017/1/24</a:t>
+              <a:t>2017/2/3</a:t>
             </a:fld>
             <a:endParaRPr kumimoji="1" lang="ja-JP" altLang="en-US"/>
           </a:p>
@@ -2215,7 +2215,7 @@
           <a:p>
             <a:fld id="{AA641DB4-C951-4763-94FC-F650C3AA7E65}" type="datetimeFigureOut">
               <a:rPr kumimoji="1" lang="ja-JP" altLang="en-US" smtClean="0"/>
-              <a:t>2017/1/24</a:t>
+              <a:t>2017/2/3</a:t>
             </a:fld>
             <a:endParaRPr kumimoji="1" lang="ja-JP" altLang="en-US"/>
           </a:p>
@@ -2333,7 +2333,7 @@
           <a:p>
             <a:fld id="{AA641DB4-C951-4763-94FC-F650C3AA7E65}" type="datetimeFigureOut">
               <a:rPr kumimoji="1" lang="ja-JP" altLang="en-US" smtClean="0"/>
-              <a:t>2017/1/24</a:t>
+              <a:t>2017/2/3</a:t>
             </a:fld>
             <a:endParaRPr kumimoji="1" lang="ja-JP" altLang="en-US"/>
           </a:p>
@@ -2428,7 +2428,7 @@
           <a:p>
             <a:fld id="{AA641DB4-C951-4763-94FC-F650C3AA7E65}" type="datetimeFigureOut">
               <a:rPr kumimoji="1" lang="ja-JP" altLang="en-US" smtClean="0"/>
-              <a:t>2017/1/24</a:t>
+              <a:t>2017/2/3</a:t>
             </a:fld>
             <a:endParaRPr kumimoji="1" lang="ja-JP" altLang="en-US"/>
           </a:p>
@@ -2737,7 +2737,7 @@
           <a:p>
             <a:fld id="{AA641DB4-C951-4763-94FC-F650C3AA7E65}" type="datetimeFigureOut">
               <a:rPr kumimoji="1" lang="ja-JP" altLang="en-US" smtClean="0"/>
-              <a:t>2017/1/24</a:t>
+              <a:t>2017/2/3</a:t>
             </a:fld>
             <a:endParaRPr kumimoji="1" lang="ja-JP" altLang="en-US"/>
           </a:p>
@@ -2994,7 +2994,7 @@
           <a:p>
             <a:fld id="{AA641DB4-C951-4763-94FC-F650C3AA7E65}" type="datetimeFigureOut">
               <a:rPr kumimoji="1" lang="ja-JP" altLang="en-US" smtClean="0"/>
-              <a:t>2017/1/24</a:t>
+              <a:t>2017/2/3</a:t>
             </a:fld>
             <a:endParaRPr kumimoji="1" lang="ja-JP" altLang="en-US"/>
           </a:p>
@@ -3239,7 +3239,7 @@
           <a:p>
             <a:fld id="{AA641DB4-C951-4763-94FC-F650C3AA7E65}" type="datetimeFigureOut">
               <a:rPr kumimoji="1" lang="ja-JP" altLang="en-US" smtClean="0"/>
-              <a:t>2017/1/24</a:t>
+              <a:t>2017/2/3</a:t>
             </a:fld>
             <a:endParaRPr kumimoji="1" lang="ja-JP" altLang="en-US"/>
           </a:p>
@@ -7443,6 +7443,762 @@
               <a:latin typeface="メイリオ" panose="020B0604030504040204" pitchFamily="50" charset="-128"/>
               <a:ea typeface="メイリオ" panose="020B0604030504040204" pitchFamily="50" charset="-128"/>
             </a:endParaRPr>
+          </a:p>
+        </p:txBody>
+      </p:sp>
+      <p:cxnSp>
+        <p:nvCxnSpPr>
+          <p:cNvPr id="86" name="直線コネクタ 85"/>
+          <p:cNvCxnSpPr/>
+          <p:nvPr/>
+        </p:nvCxnSpPr>
+        <p:spPr>
+          <a:xfrm>
+            <a:off x="3666274" y="5313132"/>
+            <a:ext cx="5591" cy="2088409"/>
+          </a:xfrm>
+          <a:prstGeom prst="line">
+            <a:avLst/>
+          </a:prstGeom>
+        </p:spPr>
+        <p:style>
+          <a:lnRef idx="1">
+            <a:schemeClr val="dk1"/>
+          </a:lnRef>
+          <a:fillRef idx="0">
+            <a:schemeClr val="dk1"/>
+          </a:fillRef>
+          <a:effectRef idx="0">
+            <a:schemeClr val="dk1"/>
+          </a:effectRef>
+          <a:fontRef idx="minor">
+            <a:schemeClr val="tx1"/>
+          </a:fontRef>
+        </p:style>
+      </p:cxnSp>
+      <p:cxnSp>
+        <p:nvCxnSpPr>
+          <p:cNvPr id="88" name="直線コネクタ 87"/>
+          <p:cNvCxnSpPr/>
+          <p:nvPr/>
+        </p:nvCxnSpPr>
+        <p:spPr>
+          <a:xfrm>
+            <a:off x="3677974" y="5313132"/>
+            <a:ext cx="4416232" cy="33503"/>
+          </a:xfrm>
+          <a:prstGeom prst="line">
+            <a:avLst/>
+          </a:prstGeom>
+        </p:spPr>
+        <p:style>
+          <a:lnRef idx="1">
+            <a:schemeClr val="dk1"/>
+          </a:lnRef>
+          <a:fillRef idx="0">
+            <a:schemeClr val="dk1"/>
+          </a:fillRef>
+          <a:effectRef idx="0">
+            <a:schemeClr val="dk1"/>
+          </a:effectRef>
+          <a:fontRef idx="minor">
+            <a:schemeClr val="tx1"/>
+          </a:fontRef>
+        </p:style>
+      </p:cxnSp>
+      <p:sp>
+        <p:nvSpPr>
+          <p:cNvPr id="89" name="二等辺三角形 88"/>
+          <p:cNvSpPr/>
+          <p:nvPr/>
+        </p:nvSpPr>
+        <p:spPr>
+          <a:xfrm>
+            <a:off x="7890694" y="4836966"/>
+            <a:ext cx="407024" cy="282104"/>
+          </a:xfrm>
+          <a:prstGeom prst="triangle">
+            <a:avLst/>
+          </a:prstGeom>
+        </p:spPr>
+        <p:style>
+          <a:lnRef idx="2">
+            <a:schemeClr val="dk1">
+              <a:shade val="50000"/>
+            </a:schemeClr>
+          </a:lnRef>
+          <a:fillRef idx="1">
+            <a:schemeClr val="dk1"/>
+          </a:fillRef>
+          <a:effectRef idx="0">
+            <a:schemeClr val="dk1"/>
+          </a:effectRef>
+          <a:fontRef idx="minor">
+            <a:schemeClr val="lt1"/>
+          </a:fontRef>
+        </p:style>
+        <p:txBody>
+          <a:bodyPr rtlCol="0" anchor="ctr"/>
+          <a:lstStyle/>
+          <a:p>
+            <a:pPr algn="ctr"/>
+            <a:endParaRPr lang="ja-JP" altLang="en-US"/>
+          </a:p>
+        </p:txBody>
+      </p:sp>
+      <p:cxnSp>
+        <p:nvCxnSpPr>
+          <p:cNvPr id="90" name="直線コネクタ 89"/>
+          <p:cNvCxnSpPr/>
+          <p:nvPr/>
+        </p:nvCxnSpPr>
+        <p:spPr>
+          <a:xfrm>
+            <a:off x="8094206" y="5093802"/>
+            <a:ext cx="2242" cy="249177"/>
+          </a:xfrm>
+          <a:prstGeom prst="line">
+            <a:avLst/>
+          </a:prstGeom>
+        </p:spPr>
+        <p:style>
+          <a:lnRef idx="1">
+            <a:schemeClr val="dk1"/>
+          </a:lnRef>
+          <a:fillRef idx="0">
+            <a:schemeClr val="dk1"/>
+          </a:fillRef>
+          <a:effectRef idx="0">
+            <a:schemeClr val="dk1"/>
+          </a:effectRef>
+          <a:fontRef idx="minor">
+            <a:schemeClr val="tx1"/>
+          </a:fontRef>
+        </p:style>
+      </p:cxnSp>
+      <p:cxnSp>
+        <p:nvCxnSpPr>
+          <p:cNvPr id="91" name="直線コネクタ 90"/>
+          <p:cNvCxnSpPr/>
+          <p:nvPr/>
+        </p:nvCxnSpPr>
+        <p:spPr>
+          <a:xfrm>
+            <a:off x="2918490" y="5655173"/>
+            <a:ext cx="7923402" cy="72121"/>
+          </a:xfrm>
+          <a:prstGeom prst="line">
+            <a:avLst/>
+          </a:prstGeom>
+        </p:spPr>
+        <p:style>
+          <a:lnRef idx="1">
+            <a:schemeClr val="dk1"/>
+          </a:lnRef>
+          <a:fillRef idx="0">
+            <a:schemeClr val="dk1"/>
+          </a:fillRef>
+          <a:effectRef idx="0">
+            <a:schemeClr val="dk1"/>
+          </a:effectRef>
+          <a:fontRef idx="minor">
+            <a:schemeClr val="tx1"/>
+          </a:fontRef>
+        </p:style>
+      </p:cxnSp>
+      <p:cxnSp>
+        <p:nvCxnSpPr>
+          <p:cNvPr id="93" name="直線コネクタ 92"/>
+          <p:cNvCxnSpPr/>
+          <p:nvPr/>
+        </p:nvCxnSpPr>
+        <p:spPr>
+          <a:xfrm flipH="1">
+            <a:off x="2918490" y="5139610"/>
+            <a:ext cx="6109" cy="515563"/>
+          </a:xfrm>
+          <a:prstGeom prst="line">
+            <a:avLst/>
+          </a:prstGeom>
+        </p:spPr>
+        <p:style>
+          <a:lnRef idx="1">
+            <a:schemeClr val="dk1"/>
+          </a:lnRef>
+          <a:fillRef idx="0">
+            <a:schemeClr val="dk1"/>
+          </a:fillRef>
+          <a:effectRef idx="0">
+            <a:schemeClr val="dk1"/>
+          </a:effectRef>
+          <a:fontRef idx="minor">
+            <a:schemeClr val="tx1"/>
+          </a:fontRef>
+        </p:style>
+      </p:cxnSp>
+      <p:cxnSp>
+        <p:nvCxnSpPr>
+          <p:cNvPr id="94" name="直線コネクタ 93"/>
+          <p:cNvCxnSpPr/>
+          <p:nvPr/>
+        </p:nvCxnSpPr>
+        <p:spPr>
+          <a:xfrm>
+            <a:off x="5877402" y="5434828"/>
+            <a:ext cx="6347817" cy="6045"/>
+          </a:xfrm>
+          <a:prstGeom prst="line">
+            <a:avLst/>
+          </a:prstGeom>
+        </p:spPr>
+        <p:style>
+          <a:lnRef idx="1">
+            <a:schemeClr val="dk1"/>
+          </a:lnRef>
+          <a:fillRef idx="0">
+            <a:schemeClr val="dk1"/>
+          </a:fillRef>
+          <a:effectRef idx="0">
+            <a:schemeClr val="dk1"/>
+          </a:effectRef>
+          <a:fontRef idx="minor">
+            <a:schemeClr val="tx1"/>
+          </a:fontRef>
+        </p:style>
+      </p:cxnSp>
+      <p:sp>
+        <p:nvSpPr>
+          <p:cNvPr id="95" name="円/楕円 94"/>
+          <p:cNvSpPr/>
+          <p:nvPr/>
+        </p:nvSpPr>
+        <p:spPr>
+          <a:xfrm>
+            <a:off x="12190119" y="5391423"/>
+            <a:ext cx="96982" cy="79971"/>
+          </a:xfrm>
+          <a:prstGeom prst="ellipse">
+            <a:avLst/>
+          </a:prstGeom>
+        </p:spPr>
+        <p:style>
+          <a:lnRef idx="2">
+            <a:schemeClr val="dk1">
+              <a:shade val="50000"/>
+            </a:schemeClr>
+          </a:lnRef>
+          <a:fillRef idx="1">
+            <a:schemeClr val="dk1"/>
+          </a:fillRef>
+          <a:effectRef idx="0">
+            <a:schemeClr val="dk1"/>
+          </a:effectRef>
+          <a:fontRef idx="minor">
+            <a:schemeClr val="lt1"/>
+          </a:fontRef>
+        </p:style>
+        <p:txBody>
+          <a:bodyPr rtlCol="0" anchor="ctr"/>
+          <a:lstStyle/>
+          <a:p>
+            <a:pPr algn="ctr"/>
+            <a:endParaRPr lang="ja-JP" altLang="en-US"/>
+          </a:p>
+        </p:txBody>
+      </p:sp>
+      <p:sp>
+        <p:nvSpPr>
+          <p:cNvPr id="97" name="二等辺三角形 96"/>
+          <p:cNvSpPr/>
+          <p:nvPr/>
+        </p:nvSpPr>
+        <p:spPr>
+          <a:xfrm>
+            <a:off x="5661576" y="4852057"/>
+            <a:ext cx="407024" cy="282104"/>
+          </a:xfrm>
+          <a:prstGeom prst="triangle">
+            <a:avLst/>
+          </a:prstGeom>
+        </p:spPr>
+        <p:style>
+          <a:lnRef idx="2">
+            <a:schemeClr val="dk1">
+              <a:shade val="50000"/>
+            </a:schemeClr>
+          </a:lnRef>
+          <a:fillRef idx="1">
+            <a:schemeClr val="dk1"/>
+          </a:fillRef>
+          <a:effectRef idx="0">
+            <a:schemeClr val="dk1"/>
+          </a:effectRef>
+          <a:fontRef idx="minor">
+            <a:schemeClr val="lt1"/>
+          </a:fontRef>
+        </p:style>
+        <p:txBody>
+          <a:bodyPr rtlCol="0" anchor="ctr"/>
+          <a:lstStyle/>
+          <a:p>
+            <a:pPr algn="ctr"/>
+            <a:endParaRPr lang="ja-JP" altLang="en-US"/>
+          </a:p>
+        </p:txBody>
+      </p:sp>
+      <p:cxnSp>
+        <p:nvCxnSpPr>
+          <p:cNvPr id="98" name="直線コネクタ 97"/>
+          <p:cNvCxnSpPr/>
+          <p:nvPr/>
+        </p:nvCxnSpPr>
+        <p:spPr>
+          <a:xfrm>
+            <a:off x="5865088" y="4958076"/>
+            <a:ext cx="0" cy="504100"/>
+          </a:xfrm>
+          <a:prstGeom prst="line">
+            <a:avLst/>
+          </a:prstGeom>
+        </p:spPr>
+        <p:style>
+          <a:lnRef idx="1">
+            <a:schemeClr val="dk1"/>
+          </a:lnRef>
+          <a:fillRef idx="0">
+            <a:schemeClr val="dk1"/>
+          </a:fillRef>
+          <a:effectRef idx="0">
+            <a:schemeClr val="dk1"/>
+          </a:effectRef>
+          <a:fontRef idx="minor">
+            <a:schemeClr val="tx1"/>
+          </a:fontRef>
+        </p:style>
+      </p:cxnSp>
+      <p:cxnSp>
+        <p:nvCxnSpPr>
+          <p:cNvPr id="102" name="直線コネクタ 101"/>
+          <p:cNvCxnSpPr/>
+          <p:nvPr/>
+        </p:nvCxnSpPr>
+        <p:spPr>
+          <a:xfrm>
+            <a:off x="10841892" y="5151196"/>
+            <a:ext cx="2242" cy="560461"/>
+          </a:xfrm>
+          <a:prstGeom prst="line">
+            <a:avLst/>
+          </a:prstGeom>
+        </p:spPr>
+        <p:style>
+          <a:lnRef idx="1">
+            <a:schemeClr val="dk1"/>
+          </a:lnRef>
+          <a:fillRef idx="0">
+            <a:schemeClr val="dk1"/>
+          </a:fillRef>
+          <a:effectRef idx="0">
+            <a:schemeClr val="dk1"/>
+          </a:effectRef>
+          <a:fontRef idx="minor">
+            <a:schemeClr val="tx1"/>
+          </a:fontRef>
+        </p:style>
+      </p:cxnSp>
+      <p:cxnSp>
+        <p:nvCxnSpPr>
+          <p:cNvPr id="106" name="直線コネクタ 105"/>
+          <p:cNvCxnSpPr/>
+          <p:nvPr/>
+        </p:nvCxnSpPr>
+        <p:spPr>
+          <a:xfrm>
+            <a:off x="8467577" y="5139610"/>
+            <a:ext cx="2242" cy="560461"/>
+          </a:xfrm>
+          <a:prstGeom prst="line">
+            <a:avLst/>
+          </a:prstGeom>
+        </p:spPr>
+        <p:style>
+          <a:lnRef idx="1">
+            <a:schemeClr val="dk1"/>
+          </a:lnRef>
+          <a:fillRef idx="0">
+            <a:schemeClr val="dk1"/>
+          </a:fillRef>
+          <a:effectRef idx="0">
+            <a:schemeClr val="dk1"/>
+          </a:effectRef>
+          <a:fontRef idx="minor">
+            <a:schemeClr val="tx1"/>
+          </a:fontRef>
+        </p:style>
+      </p:cxnSp>
+      <p:cxnSp>
+        <p:nvCxnSpPr>
+          <p:cNvPr id="108" name="直線コネクタ 107"/>
+          <p:cNvCxnSpPr/>
+          <p:nvPr/>
+        </p:nvCxnSpPr>
+        <p:spPr>
+          <a:xfrm>
+            <a:off x="4681838" y="5139610"/>
+            <a:ext cx="2242" cy="560461"/>
+          </a:xfrm>
+          <a:prstGeom prst="line">
+            <a:avLst/>
+          </a:prstGeom>
+        </p:spPr>
+        <p:style>
+          <a:lnRef idx="1">
+            <a:schemeClr val="dk1"/>
+          </a:lnRef>
+          <a:fillRef idx="0">
+            <a:schemeClr val="dk1"/>
+          </a:fillRef>
+          <a:effectRef idx="0">
+            <a:schemeClr val="dk1"/>
+          </a:effectRef>
+          <a:fontRef idx="minor">
+            <a:schemeClr val="tx1"/>
+          </a:fontRef>
+        </p:style>
+      </p:cxnSp>
+      <p:sp>
+        <p:nvSpPr>
+          <p:cNvPr id="111" name="円/楕円 110"/>
+          <p:cNvSpPr/>
+          <p:nvPr/>
+        </p:nvSpPr>
+        <p:spPr>
+          <a:xfrm>
+            <a:off x="4631756" y="5615158"/>
+            <a:ext cx="96982" cy="79971"/>
+          </a:xfrm>
+          <a:prstGeom prst="ellipse">
+            <a:avLst/>
+          </a:prstGeom>
+        </p:spPr>
+        <p:style>
+          <a:lnRef idx="2">
+            <a:schemeClr val="dk1">
+              <a:shade val="50000"/>
+            </a:schemeClr>
+          </a:lnRef>
+          <a:fillRef idx="1">
+            <a:schemeClr val="dk1"/>
+          </a:fillRef>
+          <a:effectRef idx="0">
+            <a:schemeClr val="dk1"/>
+          </a:effectRef>
+          <a:fontRef idx="minor">
+            <a:schemeClr val="lt1"/>
+          </a:fontRef>
+        </p:style>
+        <p:txBody>
+          <a:bodyPr rtlCol="0" anchor="ctr"/>
+          <a:lstStyle/>
+          <a:p>
+            <a:pPr algn="ctr"/>
+            <a:endParaRPr lang="ja-JP" altLang="en-US"/>
+          </a:p>
+        </p:txBody>
+      </p:sp>
+      <p:sp>
+        <p:nvSpPr>
+          <p:cNvPr id="113" name="円/楕円 112"/>
+          <p:cNvSpPr/>
+          <p:nvPr/>
+        </p:nvSpPr>
+        <p:spPr>
+          <a:xfrm>
+            <a:off x="8419065" y="5663188"/>
+            <a:ext cx="96982" cy="79971"/>
+          </a:xfrm>
+          <a:prstGeom prst="ellipse">
+            <a:avLst/>
+          </a:prstGeom>
+        </p:spPr>
+        <p:style>
+          <a:lnRef idx="2">
+            <a:schemeClr val="dk1">
+              <a:shade val="50000"/>
+            </a:schemeClr>
+          </a:lnRef>
+          <a:fillRef idx="1">
+            <a:schemeClr val="dk1"/>
+          </a:fillRef>
+          <a:effectRef idx="0">
+            <a:schemeClr val="dk1"/>
+          </a:effectRef>
+          <a:fontRef idx="minor">
+            <a:schemeClr val="lt1"/>
+          </a:fontRef>
+        </p:style>
+        <p:txBody>
+          <a:bodyPr rtlCol="0" anchor="ctr"/>
+          <a:lstStyle/>
+          <a:p>
+            <a:pPr algn="ctr"/>
+            <a:endParaRPr lang="ja-JP" altLang="en-US"/>
+          </a:p>
+        </p:txBody>
+      </p:sp>
+      <p:sp>
+        <p:nvSpPr>
+          <p:cNvPr id="117" name="二等辺三角形 116"/>
+          <p:cNvSpPr/>
+          <p:nvPr/>
+        </p:nvSpPr>
+        <p:spPr>
+          <a:xfrm rot="10800000">
+            <a:off x="6717994" y="5885308"/>
+            <a:ext cx="407024" cy="282104"/>
+          </a:xfrm>
+          <a:prstGeom prst="triangle">
+            <a:avLst/>
+          </a:prstGeom>
+        </p:spPr>
+        <p:style>
+          <a:lnRef idx="2">
+            <a:schemeClr val="dk1">
+              <a:shade val="50000"/>
+            </a:schemeClr>
+          </a:lnRef>
+          <a:fillRef idx="1">
+            <a:schemeClr val="dk1"/>
+          </a:fillRef>
+          <a:effectRef idx="0">
+            <a:schemeClr val="dk1"/>
+          </a:effectRef>
+          <a:fontRef idx="minor">
+            <a:schemeClr val="lt1"/>
+          </a:fontRef>
+        </p:style>
+        <p:txBody>
+          <a:bodyPr rtlCol="0" anchor="ctr"/>
+          <a:lstStyle/>
+          <a:p>
+            <a:pPr algn="ctr"/>
+            <a:endParaRPr lang="ja-JP" altLang="en-US"/>
+          </a:p>
+        </p:txBody>
+      </p:sp>
+      <p:cxnSp>
+        <p:nvCxnSpPr>
+          <p:cNvPr id="118" name="直線コネクタ 117"/>
+          <p:cNvCxnSpPr/>
+          <p:nvPr/>
+        </p:nvCxnSpPr>
+        <p:spPr>
+          <a:xfrm>
+            <a:off x="6909767" y="5673796"/>
+            <a:ext cx="0" cy="458164"/>
+          </a:xfrm>
+          <a:prstGeom prst="line">
+            <a:avLst/>
+          </a:prstGeom>
+        </p:spPr>
+        <p:style>
+          <a:lnRef idx="1">
+            <a:schemeClr val="dk1"/>
+          </a:lnRef>
+          <a:fillRef idx="0">
+            <a:schemeClr val="dk1"/>
+          </a:fillRef>
+          <a:effectRef idx="0">
+            <a:schemeClr val="dk1"/>
+          </a:effectRef>
+          <a:fontRef idx="minor">
+            <a:schemeClr val="tx1"/>
+          </a:fontRef>
+        </p:style>
+      </p:cxnSp>
+      <p:sp>
+        <p:nvSpPr>
+          <p:cNvPr id="122" name="円/楕円 121"/>
+          <p:cNvSpPr/>
+          <p:nvPr/>
+        </p:nvSpPr>
+        <p:spPr>
+          <a:xfrm>
+            <a:off x="6880191" y="5651930"/>
+            <a:ext cx="96982" cy="79971"/>
+          </a:xfrm>
+          <a:prstGeom prst="ellipse">
+            <a:avLst/>
+          </a:prstGeom>
+        </p:spPr>
+        <p:style>
+          <a:lnRef idx="2">
+            <a:schemeClr val="dk1">
+              <a:shade val="50000"/>
+            </a:schemeClr>
+          </a:lnRef>
+          <a:fillRef idx="1">
+            <a:schemeClr val="dk1"/>
+          </a:fillRef>
+          <a:effectRef idx="0">
+            <a:schemeClr val="dk1"/>
+          </a:effectRef>
+          <a:fontRef idx="minor">
+            <a:schemeClr val="lt1"/>
+          </a:fontRef>
+        </p:style>
+        <p:txBody>
+          <a:bodyPr rtlCol="0" anchor="ctr"/>
+          <a:lstStyle/>
+          <a:p>
+            <a:pPr algn="ctr"/>
+            <a:endParaRPr lang="ja-JP" altLang="en-US"/>
+          </a:p>
+        </p:txBody>
+      </p:sp>
+      <p:cxnSp>
+        <p:nvCxnSpPr>
+          <p:cNvPr id="123" name="直線コネクタ 122"/>
+          <p:cNvCxnSpPr>
+            <a:stCxn id="126" idx="3"/>
+            <a:endCxn id="16" idx="1"/>
+          </p:cNvCxnSpPr>
+          <p:nvPr/>
+        </p:nvCxnSpPr>
+        <p:spPr>
+          <a:xfrm flipV="1">
+            <a:off x="8042980" y="2565667"/>
+            <a:ext cx="1037355" cy="9556"/>
+          </a:xfrm>
+          <a:prstGeom prst="line">
+            <a:avLst/>
+          </a:prstGeom>
+        </p:spPr>
+        <p:style>
+          <a:lnRef idx="1">
+            <a:schemeClr val="dk1"/>
+          </a:lnRef>
+          <a:fillRef idx="0">
+            <a:schemeClr val="dk1"/>
+          </a:fillRef>
+          <a:effectRef idx="0">
+            <a:schemeClr val="dk1"/>
+          </a:effectRef>
+          <a:fontRef idx="minor">
+            <a:schemeClr val="tx1"/>
+          </a:fontRef>
+        </p:style>
+      </p:cxnSp>
+      <p:sp>
+        <p:nvSpPr>
+          <p:cNvPr id="126" name="二等辺三角形 125"/>
+          <p:cNvSpPr/>
+          <p:nvPr/>
+        </p:nvSpPr>
+        <p:spPr>
+          <a:xfrm rot="16200000">
+            <a:off x="7698416" y="2434171"/>
+            <a:ext cx="407024" cy="282104"/>
+          </a:xfrm>
+          <a:prstGeom prst="triangle">
+            <a:avLst/>
+          </a:prstGeom>
+        </p:spPr>
+        <p:style>
+          <a:lnRef idx="2">
+            <a:schemeClr val="dk1">
+              <a:shade val="50000"/>
+            </a:schemeClr>
+          </a:lnRef>
+          <a:fillRef idx="1">
+            <a:schemeClr val="dk1"/>
+          </a:fillRef>
+          <a:effectRef idx="0">
+            <a:schemeClr val="dk1"/>
+          </a:effectRef>
+          <a:fontRef idx="minor">
+            <a:schemeClr val="lt1"/>
+          </a:fontRef>
+        </p:style>
+        <p:txBody>
+          <a:bodyPr rtlCol="0" anchor="ctr"/>
+          <a:lstStyle/>
+          <a:p>
+            <a:pPr algn="ctr"/>
+            <a:endParaRPr lang="ja-JP" altLang="en-US"/>
+          </a:p>
+        </p:txBody>
+      </p:sp>
+      <p:cxnSp>
+        <p:nvCxnSpPr>
+          <p:cNvPr id="127" name="直線コネクタ 126"/>
+          <p:cNvCxnSpPr>
+            <a:stCxn id="5" idx="3"/>
+            <a:endCxn id="129" idx="0"/>
+          </p:cNvCxnSpPr>
+          <p:nvPr/>
+        </p:nvCxnSpPr>
+        <p:spPr>
+          <a:xfrm>
+            <a:off x="4775350" y="2565667"/>
+            <a:ext cx="1384156" cy="12588"/>
+          </a:xfrm>
+          <a:prstGeom prst="line">
+            <a:avLst/>
+          </a:prstGeom>
+        </p:spPr>
+        <p:style>
+          <a:lnRef idx="1">
+            <a:schemeClr val="dk1"/>
+          </a:lnRef>
+          <a:fillRef idx="0">
+            <a:schemeClr val="dk1"/>
+          </a:fillRef>
+          <a:effectRef idx="0">
+            <a:schemeClr val="dk1"/>
+          </a:effectRef>
+          <a:fontRef idx="minor">
+            <a:schemeClr val="tx1"/>
+          </a:fontRef>
+        </p:style>
+      </p:cxnSp>
+      <p:sp>
+        <p:nvSpPr>
+          <p:cNvPr id="129" name="二等辺三角形 128"/>
+          <p:cNvSpPr/>
+          <p:nvPr/>
+        </p:nvSpPr>
+        <p:spPr>
+          <a:xfrm rot="5400000">
+            <a:off x="5814942" y="2437203"/>
+            <a:ext cx="407024" cy="282104"/>
+          </a:xfrm>
+          <a:prstGeom prst="triangle">
+            <a:avLst/>
+          </a:prstGeom>
+        </p:spPr>
+        <p:style>
+          <a:lnRef idx="2">
+            <a:schemeClr val="dk1">
+              <a:shade val="50000"/>
+            </a:schemeClr>
+          </a:lnRef>
+          <a:fillRef idx="1">
+            <a:schemeClr val="dk1"/>
+          </a:fillRef>
+          <a:effectRef idx="0">
+            <a:schemeClr val="dk1"/>
+          </a:effectRef>
+          <a:fontRef idx="minor">
+            <a:schemeClr val="lt1"/>
+          </a:fontRef>
+        </p:style>
+        <p:txBody>
+          <a:bodyPr rtlCol="0" anchor="ctr"/>
+          <a:lstStyle/>
+          <a:p>
+            <a:pPr algn="ctr"/>
+            <a:endParaRPr lang="ja-JP" altLang="en-US"/>
           </a:p>
         </p:txBody>
       </p:sp>
